--- a/Calendario2022/Presentaciones/2_DispositivosRedes.pptx
+++ b/Calendario2022/Presentaciones/2_DispositivosRedes.pptx
@@ -5,32 +5,29 @@
     <p:sldMasterId id="2147483648" r:id="rId1"/>
   </p:sldMasterIdLst>
   <p:notesMasterIdLst>
-    <p:notesMasterId r:id="rId25"/>
+    <p:notesMasterId r:id="rId22"/>
   </p:notesMasterIdLst>
   <p:sldIdLst>
     <p:sldId id="257" r:id="rId2"/>
-    <p:sldId id="291" r:id="rId3"/>
-    <p:sldId id="317" r:id="rId4"/>
-    <p:sldId id="318" r:id="rId5"/>
-    <p:sldId id="319" r:id="rId6"/>
-    <p:sldId id="344" r:id="rId7"/>
-    <p:sldId id="320" r:id="rId8"/>
-    <p:sldId id="628" r:id="rId9"/>
-    <p:sldId id="635" r:id="rId10"/>
-    <p:sldId id="631" r:id="rId11"/>
-    <p:sldId id="637" r:id="rId12"/>
-    <p:sldId id="636" r:id="rId13"/>
-    <p:sldId id="634" r:id="rId14"/>
-    <p:sldId id="632" r:id="rId15"/>
-    <p:sldId id="321" r:id="rId16"/>
-    <p:sldId id="346" r:id="rId17"/>
-    <p:sldId id="347" r:id="rId18"/>
-    <p:sldId id="322" r:id="rId19"/>
-    <p:sldId id="323" r:id="rId20"/>
-    <p:sldId id="324" r:id="rId21"/>
-    <p:sldId id="339" r:id="rId22"/>
-    <p:sldId id="304" r:id="rId23"/>
-    <p:sldId id="305" r:id="rId24"/>
+    <p:sldId id="317" r:id="rId3"/>
+    <p:sldId id="318" r:id="rId4"/>
+    <p:sldId id="319" r:id="rId5"/>
+    <p:sldId id="344" r:id="rId6"/>
+    <p:sldId id="320" r:id="rId7"/>
+    <p:sldId id="628" r:id="rId8"/>
+    <p:sldId id="635" r:id="rId9"/>
+    <p:sldId id="631" r:id="rId10"/>
+    <p:sldId id="637" r:id="rId11"/>
+    <p:sldId id="632" r:id="rId12"/>
+    <p:sldId id="321" r:id="rId13"/>
+    <p:sldId id="346" r:id="rId14"/>
+    <p:sldId id="347" r:id="rId15"/>
+    <p:sldId id="322" r:id="rId16"/>
+    <p:sldId id="323" r:id="rId17"/>
+    <p:sldId id="324" r:id="rId18"/>
+    <p:sldId id="339" r:id="rId19"/>
+    <p:sldId id="304" r:id="rId20"/>
+    <p:sldId id="305" r:id="rId21"/>
   </p:sldIdLst>
   <p:sldSz cx="9144000" cy="6858000" type="screen4x3"/>
   <p:notesSz cx="6858000" cy="9144000"/>
@@ -230,7 +227,7 @@
           <a:p>
             <a:fld id="{2D445F07-8756-451B-A938-0248325FC7BB}" type="datetimeFigureOut">
               <a:rPr lang="es-MX" smtClean="0"/>
-              <a:t>20/04/2022</a:t>
+              <a:t>16/05/2022</a:t>
             </a:fld>
             <a:endParaRPr lang="es-MX" dirty="0"/>
           </a:p>
@@ -582,7 +579,7 @@
 </p:notes>
 </file>
 
-<file path=ppt/notesSlides/notesSlide10.xml><?xml version="1.0" encoding="utf-8"?>
+<file path=ppt/notesSlides/notesSlide2.xml><?xml version="1.0" encoding="utf-8"?>
 <p:notes xmlns:a="http://schemas.openxmlformats.org/drawingml/2006/main" xmlns:r="http://schemas.openxmlformats.org/officeDocument/2006/relationships" xmlns:p="http://schemas.openxmlformats.org/presentationml/2006/main">
   <p:cSld>
     <p:spTree>
@@ -626,61 +623,6 @@
           <a:bodyPr/>
           <a:lstStyle/>
           <a:p>
-            <a:pPr marL="0" marR="0" indent="0" algn="l" defTabSz="914400" rtl="0" eaLnBrk="1" fontAlgn="auto" latinLnBrk="0" hangingPunct="1">
-              <a:lnSpc>
-                <a:spcPct val="100000"/>
-              </a:lnSpc>
-              <a:spcBef>
-                <a:spcPts val="0"/>
-              </a:spcBef>
-              <a:spcAft>
-                <a:spcPts val="0"/>
-              </a:spcAft>
-              <a:buClrTx/>
-              <a:buSzTx/>
-              <a:buFontTx/>
-              <a:buNone/>
-              <a:tabLst/>
-              <a:defRPr/>
-            </a:pPr>
-            <a:r>
-              <a:rPr lang="es-MX" dirty="0"/>
-              <a:t>. Ejemplos NOS: Microsoft Windows Server, Linux y Novel Open Enterprise Server. </a:t>
-            </a:r>
-            <a:r>
-              <a:rPr lang="es-MX" b="1" dirty="0">
-                <a:solidFill>
-                  <a:schemeClr val="accent6">
-                    <a:lumMod val="75000"/>
-                  </a:schemeClr>
-                </a:solidFill>
-              </a:rPr>
-              <a:t>Enrutador:</a:t>
-            </a:r>
-            <a:r>
-              <a:rPr lang="es-MX" b="1" dirty="0">
-                <a:solidFill>
-                  <a:schemeClr val="accent5">
-                    <a:lumMod val="75000"/>
-                  </a:schemeClr>
-                </a:solidFill>
-              </a:rPr>
-              <a:t> </a:t>
-            </a:r>
-            <a:r>
-              <a:rPr lang="es-MX" dirty="0"/>
-              <a:t>Un procesador de comunicaciones que se utiliza para </a:t>
-            </a:r>
-            <a:r>
-              <a:rPr lang="es-MX" dirty="0" err="1"/>
-              <a:t>enrutar</a:t>
-            </a:r>
-            <a:r>
-              <a:rPr lang="es-MX" dirty="0"/>
-              <a:t> paquetes de datos a través de distintas redes y asegurar que los datos enviados lleguen a la dirección correcta.</a:t>
-            </a:r>
-          </a:p>
-          <a:p>
             <a:endParaRPr lang="es-MX" dirty="0"/>
           </a:p>
         </p:txBody>
@@ -692,7 +634,7 @@
             <a:spLocks noGrp="1"/>
           </p:cNvSpPr>
           <p:nvPr>
-            <p:ph type="sldNum" sz="quarter" idx="10"/>
+            <p:ph type="sldNum" sz="quarter" idx="5"/>
           </p:nvPr>
         </p:nvSpPr>
         <p:spPr/>
@@ -702,7 +644,7 @@
           <a:p>
             <a:fld id="{5993AEC0-242E-4FA7-9D3C-51E1036AC3CB}" type="slidenum">
               <a:rPr lang="es-MX" smtClean="0"/>
-              <a:t>21</a:t>
+              <a:t>3</a:t>
             </a:fld>
             <a:endParaRPr lang="es-MX" dirty="0"/>
           </a:p>
@@ -711,181 +653,7 @@
     </p:spTree>
     <p:extLst>
       <p:ext uri="{BB962C8B-B14F-4D97-AF65-F5344CB8AC3E}">
-        <p14:creationId xmlns:p14="http://schemas.microsoft.com/office/powerpoint/2010/main" val="326909597"/>
-      </p:ext>
-    </p:extLst>
-  </p:cSld>
-  <p:clrMapOvr>
-    <a:masterClrMapping/>
-  </p:clrMapOvr>
-</p:notes>
-</file>
-
-<file path=ppt/notesSlides/notesSlide2.xml><?xml version="1.0" encoding="utf-8"?>
-<p:notes xmlns:a="http://schemas.openxmlformats.org/drawingml/2006/main" xmlns:r="http://schemas.openxmlformats.org/officeDocument/2006/relationships" xmlns:p="http://schemas.openxmlformats.org/presentationml/2006/main">
-  <p:cSld>
-    <p:spTree>
-      <p:nvGrpSpPr>
-        <p:cNvPr id="1" name=""/>
-        <p:cNvGrpSpPr/>
-        <p:nvPr/>
-      </p:nvGrpSpPr>
-      <p:grpSpPr>
-        <a:xfrm>
-          <a:off x="0" y="0"/>
-          <a:ext cx="0" cy="0"/>
-          <a:chOff x="0" y="0"/>
-          <a:chExt cx="0" cy="0"/>
-        </a:xfrm>
-      </p:grpSpPr>
-      <p:sp>
-        <p:nvSpPr>
-          <p:cNvPr id="112643" name="Rectangle 2"/>
-          <p:cNvSpPr>
-            <a:spLocks noGrp="1" noRot="1" noChangeAspect="1" noChangeArrowheads="1" noTextEdit="1"/>
-          </p:cNvSpPr>
-          <p:nvPr>
-            <p:ph type="sldImg"/>
-          </p:nvPr>
-        </p:nvSpPr>
-        <p:spPr>
-          <a:ln/>
-        </p:spPr>
-      </p:sp>
-      <p:sp>
-        <p:nvSpPr>
-          <p:cNvPr id="112644" name="Rectangle 3"/>
-          <p:cNvSpPr>
-            <a:spLocks noGrp="1" noChangeArrowheads="1"/>
-          </p:cNvSpPr>
-          <p:nvPr>
-            <p:ph type="body" idx="1"/>
-          </p:nvPr>
-        </p:nvSpPr>
-        <p:spPr>
-          <a:noFill/>
-          <a:ln/>
-          <a:extLst>
-            <a:ext uri="{909E8E84-426E-40DD-AFC4-6F175D3DCCD1}">
-              <a14:hiddenFill xmlns:a14="http://schemas.microsoft.com/office/drawing/2010/main">
-                <a:solidFill>
-                  <a:srgbClr val="FFFFFF"/>
-                </a:solidFill>
-              </a14:hiddenFill>
-            </a:ext>
-            <a:ext uri="{91240B29-F687-4F45-9708-019B960494DF}">
-              <a14:hiddenLine xmlns:a14="http://schemas.microsoft.com/office/drawing/2010/main" w="9525">
-                <a:solidFill>
-                  <a:srgbClr val="000000"/>
-                </a:solidFill>
-                <a:miter lim="800000"/>
-                <a:headEnd/>
-                <a:tailEnd/>
-              </a14:hiddenLine>
-            </a:ext>
-          </a:extLst>
-        </p:spPr>
-        <p:txBody>
-          <a:bodyPr/>
-          <a:lstStyle/>
-          <a:p>
-            <a:pPr>
-              <a:buFontTx/>
-              <a:buNone/>
-            </a:pPr>
-            <a:r>
-              <a:rPr lang="es-ES" sz="1200" b="0" dirty="0"/>
-              <a:t>4.1 – Protocolos de la capa física</a:t>
-            </a:r>
-            <a:endParaRPr lang="es-ES" b="0" dirty="0"/>
-          </a:p>
-          <a:p>
-            <a:pPr>
-              <a:lnSpc>
-                <a:spcPct val="80000"/>
-              </a:lnSpc>
-              <a:buFontTx/>
-              <a:buNone/>
-            </a:pPr>
-            <a:r>
-              <a:rPr lang="es-ES" b="0" dirty="0">
-                <a:latin typeface="Arial" charset="0"/>
-              </a:rPr>
-              <a:t>4.1.1 – Conexiones de la capa física</a:t>
-            </a:r>
-          </a:p>
-          <a:p>
-            <a:pPr>
-              <a:lnSpc>
-                <a:spcPct val="80000"/>
-              </a:lnSpc>
-              <a:buFontTx/>
-              <a:buNone/>
-            </a:pPr>
-            <a:r>
-              <a:rPr lang="es-ES" dirty="0">
-                <a:latin typeface="Arial" charset="0"/>
-              </a:rPr>
-              <a:t>4.1.1.1 – Tipos de conexiones</a:t>
-            </a:r>
-          </a:p>
-          <a:p>
-            <a:pPr>
-              <a:lnSpc>
-                <a:spcPct val="80000"/>
-              </a:lnSpc>
-              <a:buFontTx/>
-              <a:buNone/>
-            </a:pPr>
-            <a:endParaRPr lang="es-ES" baseline="0" dirty="0">
-              <a:latin typeface="Arial" charset="0"/>
-            </a:endParaRPr>
-          </a:p>
-          <a:p>
-            <a:pPr>
-              <a:lnSpc>
-                <a:spcPct val="80000"/>
-              </a:lnSpc>
-              <a:buFontTx/>
-              <a:buNone/>
-            </a:pPr>
-            <a:endParaRPr lang="es-ES" dirty="0"/>
-          </a:p>
-        </p:txBody>
-      </p:sp>
-      <p:sp>
-        <p:nvSpPr>
-          <p:cNvPr id="5" name="Slide Number Placeholder 3"/>
-          <p:cNvSpPr>
-            <a:spLocks noGrp="1"/>
-          </p:cNvSpPr>
-          <p:nvPr>
-            <p:ph type="sldNum" sz="quarter" idx="5"/>
-          </p:nvPr>
-        </p:nvSpPr>
-        <p:spPr>
-          <a:xfrm>
-            <a:off x="3884613" y="8685213"/>
-            <a:ext cx="2971800" cy="457200"/>
-          </a:xfrm>
-        </p:spPr>
-        <p:txBody>
-          <a:bodyPr/>
-          <a:lstStyle/>
-          <a:p>
-            <a:fld id="{5641018C-6CAF-B84E-B92C-ECB119457FBA}" type="slidenum">
-              <a:rPr lang="en-US" smtClean="0"/>
-              <a:pPr/>
-              <a:t>8</a:t>
-            </a:fld>
-            <a:endParaRPr lang="es-ES" dirty="0"/>
-          </a:p>
-        </p:txBody>
-      </p:sp>
-    </p:spTree>
-    <p:extLst>
-      <p:ext uri="{BB962C8B-B14F-4D97-AF65-F5344CB8AC3E}">
-        <p14:creationId xmlns:p14="http://schemas.microsoft.com/office/powerpoint/2010/main" val="3525190180"/>
+        <p14:creationId xmlns:p14="http://schemas.microsoft.com/office/powerpoint/2010/main" val="128042352"/>
       </p:ext>
     </p:extLst>
   </p:cSld>
@@ -964,59 +732,6 @@
           <a:lstStyle/>
           <a:p>
             <a:pPr>
-              <a:buFontTx/>
-              <a:buNone/>
-            </a:pPr>
-            <a:r>
-              <a:rPr lang="es-ES" sz="1200" b="0" dirty="0"/>
-              <a:t>4.1 – Protocolos de la capa física</a:t>
-            </a:r>
-            <a:endParaRPr lang="es-ES" b="0" dirty="0"/>
-          </a:p>
-          <a:p>
-            <a:pPr>
-              <a:lnSpc>
-                <a:spcPct val="80000"/>
-              </a:lnSpc>
-              <a:buFontTx/>
-              <a:buNone/>
-            </a:pPr>
-            <a:r>
-              <a:rPr lang="es-ES" b="0" dirty="0">
-                <a:latin typeface="Arial" charset="0"/>
-              </a:rPr>
-              <a:t>4.1.1 – Conexiones de la capa física</a:t>
-            </a:r>
-          </a:p>
-          <a:p>
-            <a:pPr>
-              <a:lnSpc>
-                <a:spcPct val="80000"/>
-              </a:lnSpc>
-              <a:buFontTx/>
-              <a:buNone/>
-            </a:pPr>
-            <a:r>
-              <a:rPr lang="es-ES" dirty="0">
-                <a:latin typeface="Arial" charset="0"/>
-              </a:rPr>
-              <a:t>4.1.1.1 – Tipos de conexiones</a:t>
-            </a:r>
-          </a:p>
-          <a:p>
-            <a:pPr>
-              <a:lnSpc>
-                <a:spcPct val="80000"/>
-              </a:lnSpc>
-              <a:buFontTx/>
-              <a:buNone/>
-            </a:pPr>
-            <a:endParaRPr lang="es-ES" baseline="0" dirty="0">
-              <a:latin typeface="Arial" charset="0"/>
-            </a:endParaRPr>
-          </a:p>
-          <a:p>
-            <a:pPr>
               <a:lnSpc>
                 <a:spcPct val="80000"/>
               </a:lnSpc>
@@ -1050,7 +765,7 @@
             <a:fld id="{5641018C-6CAF-B84E-B92C-ECB119457FBA}" type="slidenum">
               <a:rPr lang="en-US" smtClean="0"/>
               <a:pPr/>
-              <a:t>9</a:t>
+              <a:t>7</a:t>
             </a:fld>
             <a:endParaRPr lang="es-ES" dirty="0"/>
           </a:p>
@@ -1059,7 +774,7 @@
     </p:spTree>
     <p:extLst>
       <p:ext uri="{BB962C8B-B14F-4D97-AF65-F5344CB8AC3E}">
-        <p14:creationId xmlns:p14="http://schemas.microsoft.com/office/powerpoint/2010/main" val="1326445306"/>
+        <p14:creationId xmlns:p14="http://schemas.microsoft.com/office/powerpoint/2010/main" val="3525190180"/>
       </p:ext>
     </p:extLst>
   </p:cSld>
@@ -1138,59 +853,6 @@
           <a:lstStyle/>
           <a:p>
             <a:pPr>
-              <a:buFontTx/>
-              <a:buNone/>
-            </a:pPr>
-            <a:r>
-              <a:rPr lang="es-ES" sz="1200" b="0" dirty="0"/>
-              <a:t>4.1 – Protocolos de la capa física</a:t>
-            </a:r>
-            <a:endParaRPr lang="es-ES" b="0" dirty="0"/>
-          </a:p>
-          <a:p>
-            <a:pPr>
-              <a:lnSpc>
-                <a:spcPct val="80000"/>
-              </a:lnSpc>
-              <a:buFontTx/>
-              <a:buNone/>
-            </a:pPr>
-            <a:r>
-              <a:rPr lang="es-ES" b="0" dirty="0">
-                <a:latin typeface="Arial" charset="0"/>
-              </a:rPr>
-              <a:t>4.1.1 – Conexiones de la capa física</a:t>
-            </a:r>
-          </a:p>
-          <a:p>
-            <a:pPr>
-              <a:lnSpc>
-                <a:spcPct val="80000"/>
-              </a:lnSpc>
-              <a:buFontTx/>
-              <a:buNone/>
-            </a:pPr>
-            <a:r>
-              <a:rPr lang="es-ES" dirty="0">
-                <a:latin typeface="Arial" charset="0"/>
-              </a:rPr>
-              <a:t>4.1.1.1 – Tipos de conexiones</a:t>
-            </a:r>
-          </a:p>
-          <a:p>
-            <a:pPr>
-              <a:lnSpc>
-                <a:spcPct val="80000"/>
-              </a:lnSpc>
-              <a:buFontTx/>
-              <a:buNone/>
-            </a:pPr>
-            <a:endParaRPr lang="es-ES" baseline="0" dirty="0">
-              <a:latin typeface="Arial" charset="0"/>
-            </a:endParaRPr>
-          </a:p>
-          <a:p>
-            <a:pPr>
               <a:lnSpc>
                 <a:spcPct val="80000"/>
               </a:lnSpc>
@@ -1224,7 +886,7 @@
             <a:fld id="{5641018C-6CAF-B84E-B92C-ECB119457FBA}" type="slidenum">
               <a:rPr lang="en-US" smtClean="0"/>
               <a:pPr/>
-              <a:t>10</a:t>
+              <a:t>8</a:t>
             </a:fld>
             <a:endParaRPr lang="es-ES" dirty="0"/>
           </a:p>
@@ -1233,7 +895,7 @@
     </p:spTree>
     <p:extLst>
       <p:ext uri="{BB962C8B-B14F-4D97-AF65-F5344CB8AC3E}">
-        <p14:creationId xmlns:p14="http://schemas.microsoft.com/office/powerpoint/2010/main" val="4101220033"/>
+        <p14:creationId xmlns:p14="http://schemas.microsoft.com/office/powerpoint/2010/main" val="1326445306"/>
       </p:ext>
     </p:extLst>
   </p:cSld>
@@ -1312,59 +974,6 @@
           <a:lstStyle/>
           <a:p>
             <a:pPr>
-              <a:buFontTx/>
-              <a:buNone/>
-            </a:pPr>
-            <a:r>
-              <a:rPr lang="es-ES" sz="1200" b="0" dirty="0"/>
-              <a:t>4.1 – Protocolos de la capa física</a:t>
-            </a:r>
-            <a:endParaRPr lang="es-ES" b="0" dirty="0"/>
-          </a:p>
-          <a:p>
-            <a:pPr>
-              <a:lnSpc>
-                <a:spcPct val="80000"/>
-              </a:lnSpc>
-              <a:buFontTx/>
-              <a:buNone/>
-            </a:pPr>
-            <a:r>
-              <a:rPr lang="es-ES" b="0" dirty="0">
-                <a:latin typeface="Arial" charset="0"/>
-              </a:rPr>
-              <a:t>4.1.1 – Conexiones de la capa física</a:t>
-            </a:r>
-          </a:p>
-          <a:p>
-            <a:pPr>
-              <a:lnSpc>
-                <a:spcPct val="80000"/>
-              </a:lnSpc>
-              <a:buFontTx/>
-              <a:buNone/>
-            </a:pPr>
-            <a:r>
-              <a:rPr lang="es-ES" dirty="0">
-                <a:latin typeface="Arial" charset="0"/>
-              </a:rPr>
-              <a:t>4.1.1.1 – Tipos de conexiones</a:t>
-            </a:r>
-          </a:p>
-          <a:p>
-            <a:pPr>
-              <a:lnSpc>
-                <a:spcPct val="80000"/>
-              </a:lnSpc>
-              <a:buFontTx/>
-              <a:buNone/>
-            </a:pPr>
-            <a:endParaRPr lang="es-ES" baseline="0" dirty="0">
-              <a:latin typeface="Arial" charset="0"/>
-            </a:endParaRPr>
-          </a:p>
-          <a:p>
-            <a:pPr>
               <a:lnSpc>
                 <a:spcPct val="80000"/>
               </a:lnSpc>
@@ -1398,7 +1007,7 @@
             <a:fld id="{5641018C-6CAF-B84E-B92C-ECB119457FBA}" type="slidenum">
               <a:rPr lang="en-US" smtClean="0"/>
               <a:pPr/>
-              <a:t>11</a:t>
+              <a:t>9</a:t>
             </a:fld>
             <a:endParaRPr lang="es-ES" dirty="0"/>
           </a:p>
@@ -1407,7 +1016,7 @@
     </p:spTree>
     <p:extLst>
       <p:ext uri="{BB962C8B-B14F-4D97-AF65-F5344CB8AC3E}">
-        <p14:creationId xmlns:p14="http://schemas.microsoft.com/office/powerpoint/2010/main" val="1805595942"/>
+        <p14:creationId xmlns:p14="http://schemas.microsoft.com/office/powerpoint/2010/main" val="4101220033"/>
       </p:ext>
     </p:extLst>
   </p:cSld>
@@ -1486,59 +1095,6 @@
           <a:lstStyle/>
           <a:p>
             <a:pPr>
-              <a:buFontTx/>
-              <a:buNone/>
-            </a:pPr>
-            <a:r>
-              <a:rPr lang="es-ES" sz="1200" b="0" dirty="0"/>
-              <a:t>4.1 – Protocolos de la capa física</a:t>
-            </a:r>
-            <a:endParaRPr lang="es-ES" b="0" dirty="0"/>
-          </a:p>
-          <a:p>
-            <a:pPr>
-              <a:lnSpc>
-                <a:spcPct val="80000"/>
-              </a:lnSpc>
-              <a:buFontTx/>
-              <a:buNone/>
-            </a:pPr>
-            <a:r>
-              <a:rPr lang="es-ES" b="0" dirty="0">
-                <a:latin typeface="Arial" charset="0"/>
-              </a:rPr>
-              <a:t>4.1.1 – Conexiones de la capa física</a:t>
-            </a:r>
-          </a:p>
-          <a:p>
-            <a:pPr>
-              <a:lnSpc>
-                <a:spcPct val="80000"/>
-              </a:lnSpc>
-              <a:buFontTx/>
-              <a:buNone/>
-            </a:pPr>
-            <a:r>
-              <a:rPr lang="es-ES" dirty="0">
-                <a:latin typeface="Arial" charset="0"/>
-              </a:rPr>
-              <a:t>4.1.1.1 – Tipos de conexiones</a:t>
-            </a:r>
-          </a:p>
-          <a:p>
-            <a:pPr>
-              <a:lnSpc>
-                <a:spcPct val="80000"/>
-              </a:lnSpc>
-              <a:buFontTx/>
-              <a:buNone/>
-            </a:pPr>
-            <a:endParaRPr lang="es-ES" baseline="0" dirty="0">
-              <a:latin typeface="Arial" charset="0"/>
-            </a:endParaRPr>
-          </a:p>
-          <a:p>
-            <a:pPr>
               <a:lnSpc>
                 <a:spcPct val="80000"/>
               </a:lnSpc>
@@ -1572,7 +1128,7 @@
             <a:fld id="{5641018C-6CAF-B84E-B92C-ECB119457FBA}" type="slidenum">
               <a:rPr lang="en-US" smtClean="0"/>
               <a:pPr/>
-              <a:t>12</a:t>
+              <a:t>10</a:t>
             </a:fld>
             <a:endParaRPr lang="es-ES" dirty="0"/>
           </a:p>
@@ -1581,7 +1137,7 @@
     </p:spTree>
     <p:extLst>
       <p:ext uri="{BB962C8B-B14F-4D97-AF65-F5344CB8AC3E}">
-        <p14:creationId xmlns:p14="http://schemas.microsoft.com/office/powerpoint/2010/main" val="4224553976"/>
+        <p14:creationId xmlns:p14="http://schemas.microsoft.com/office/powerpoint/2010/main" val="1805595942"/>
       </p:ext>
     </p:extLst>
   </p:cSld>
@@ -1660,59 +1216,6 @@
           <a:lstStyle/>
           <a:p>
             <a:pPr>
-              <a:buFontTx/>
-              <a:buNone/>
-            </a:pPr>
-            <a:r>
-              <a:rPr lang="es-ES" sz="1200" b="0" dirty="0"/>
-              <a:t>4.1 – Protocolos de la capa física</a:t>
-            </a:r>
-            <a:endParaRPr lang="es-ES" b="0" dirty="0"/>
-          </a:p>
-          <a:p>
-            <a:pPr>
-              <a:lnSpc>
-                <a:spcPct val="80000"/>
-              </a:lnSpc>
-              <a:buFontTx/>
-              <a:buNone/>
-            </a:pPr>
-            <a:r>
-              <a:rPr lang="es-ES" b="0" dirty="0">
-                <a:latin typeface="Arial" charset="0"/>
-              </a:rPr>
-              <a:t>4.1.1 – Conexiones de la capa física</a:t>
-            </a:r>
-          </a:p>
-          <a:p>
-            <a:pPr>
-              <a:lnSpc>
-                <a:spcPct val="80000"/>
-              </a:lnSpc>
-              <a:buFontTx/>
-              <a:buNone/>
-            </a:pPr>
-            <a:r>
-              <a:rPr lang="es-ES" dirty="0">
-                <a:latin typeface="Arial" charset="0"/>
-              </a:rPr>
-              <a:t>4.1.1.1 – Tipos de conexiones</a:t>
-            </a:r>
-          </a:p>
-          <a:p>
-            <a:pPr>
-              <a:lnSpc>
-                <a:spcPct val="80000"/>
-              </a:lnSpc>
-              <a:buFontTx/>
-              <a:buNone/>
-            </a:pPr>
-            <a:endParaRPr lang="es-ES" baseline="0" dirty="0">
-              <a:latin typeface="Arial" charset="0"/>
-            </a:endParaRPr>
-          </a:p>
-          <a:p>
-            <a:pPr>
               <a:lnSpc>
                 <a:spcPct val="80000"/>
               </a:lnSpc>
@@ -1746,7 +1249,7 @@
             <a:fld id="{5641018C-6CAF-B84E-B92C-ECB119457FBA}" type="slidenum">
               <a:rPr lang="en-US" smtClean="0"/>
               <a:pPr/>
-              <a:t>13</a:t>
+              <a:t>11</a:t>
             </a:fld>
             <a:endParaRPr lang="es-ES" dirty="0"/>
           </a:p>
@@ -1755,7 +1258,7 @@
     </p:spTree>
     <p:extLst>
       <p:ext uri="{BB962C8B-B14F-4D97-AF65-F5344CB8AC3E}">
-        <p14:creationId xmlns:p14="http://schemas.microsoft.com/office/powerpoint/2010/main" val="2665078689"/>
+        <p14:creationId xmlns:p14="http://schemas.microsoft.com/office/powerpoint/2010/main" val="2524746764"/>
       </p:ext>
     </p:extLst>
   </p:cSld>
@@ -1784,152 +1287,62 @@
       </p:grpSpPr>
       <p:sp>
         <p:nvSpPr>
-          <p:cNvPr id="112643" name="Rectangle 2"/>
+          <p:cNvPr id="2" name="Marcador de imagen de diapositiva 1"/>
           <p:cNvSpPr>
-            <a:spLocks noGrp="1" noRot="1" noChangeAspect="1" noChangeArrowheads="1" noTextEdit="1"/>
+            <a:spLocks noGrp="1" noRot="1" noChangeAspect="1"/>
           </p:cNvSpPr>
           <p:nvPr>
             <p:ph type="sldImg"/>
           </p:nvPr>
         </p:nvSpPr>
-        <p:spPr>
-          <a:ln/>
-        </p:spPr>
+        <p:spPr/>
       </p:sp>
       <p:sp>
         <p:nvSpPr>
-          <p:cNvPr id="112644" name="Rectangle 3"/>
+          <p:cNvPr id="3" name="Marcador de notas 2"/>
           <p:cNvSpPr>
-            <a:spLocks noGrp="1" noChangeArrowheads="1"/>
+            <a:spLocks noGrp="1"/>
           </p:cNvSpPr>
           <p:nvPr>
             <p:ph type="body" idx="1"/>
           </p:nvPr>
         </p:nvSpPr>
-        <p:spPr>
-          <a:noFill/>
-          <a:ln/>
-          <a:extLst>
-            <a:ext uri="{909E8E84-426E-40DD-AFC4-6F175D3DCCD1}">
-              <a14:hiddenFill xmlns:a14="http://schemas.microsoft.com/office/drawing/2010/main">
-                <a:solidFill>
-                  <a:srgbClr val="FFFFFF"/>
-                </a:solidFill>
-              </a14:hiddenFill>
-            </a:ext>
-            <a:ext uri="{91240B29-F687-4F45-9708-019B960494DF}">
-              <a14:hiddenLine xmlns:a14="http://schemas.microsoft.com/office/drawing/2010/main" w="9525">
-                <a:solidFill>
-                  <a:srgbClr val="000000"/>
-                </a:solidFill>
-                <a:miter lim="800000"/>
-                <a:headEnd/>
-                <a:tailEnd/>
-              </a14:hiddenLine>
-            </a:ext>
-          </a:extLst>
-        </p:spPr>
+        <p:spPr/>
         <p:txBody>
           <a:bodyPr/>
           <a:lstStyle/>
           <a:p>
-            <a:pPr>
-              <a:buFontTx/>
-              <a:buNone/>
-            </a:pPr>
-            <a:r>
-              <a:rPr lang="es-ES" sz="1200" b="0" dirty="0"/>
-              <a:t>4.1 – Protocolos de la capa física</a:t>
-            </a:r>
-            <a:endParaRPr lang="es-ES" b="0" dirty="0"/>
-          </a:p>
-          <a:p>
-            <a:pPr>
-              <a:lnSpc>
-                <a:spcPct val="80000"/>
-              </a:lnSpc>
-              <a:buFontTx/>
-              <a:buNone/>
-            </a:pPr>
-            <a:r>
-              <a:rPr lang="es-ES" b="0" dirty="0">
-                <a:latin typeface="Arial" charset="0"/>
-              </a:rPr>
-              <a:t>4.1.1 – Conexiones de la capa física</a:t>
-            </a:r>
-          </a:p>
-          <a:p>
-            <a:pPr>
-              <a:lnSpc>
-                <a:spcPct val="80000"/>
-              </a:lnSpc>
-              <a:buFontTx/>
-              <a:buNone/>
-            </a:pPr>
-            <a:r>
-              <a:rPr lang="es-ES" dirty="0">
-                <a:latin typeface="Arial" charset="0"/>
-              </a:rPr>
-              <a:t>4.1.1.1 – Tipos de conexiones</a:t>
-            </a:r>
-          </a:p>
-          <a:p>
-            <a:pPr>
-              <a:lnSpc>
-                <a:spcPct val="80000"/>
-              </a:lnSpc>
-              <a:buFontTx/>
-              <a:buNone/>
-            </a:pPr>
-            <a:endParaRPr lang="es-ES" baseline="0" dirty="0">
-              <a:latin typeface="Arial" charset="0"/>
-            </a:endParaRPr>
-          </a:p>
-          <a:p>
-            <a:pPr>
-              <a:lnSpc>
-                <a:spcPct val="80000"/>
-              </a:lnSpc>
-              <a:buFontTx/>
-              <a:buNone/>
-            </a:pPr>
-            <a:endParaRPr lang="es-ES" dirty="0"/>
+            <a:endParaRPr lang="es-MX" dirty="0"/>
           </a:p>
         </p:txBody>
       </p:sp>
       <p:sp>
         <p:nvSpPr>
-          <p:cNvPr id="5" name="Slide Number Placeholder 3"/>
+          <p:cNvPr id="4" name="Marcador de número de diapositiva 3"/>
           <p:cNvSpPr>
             <a:spLocks noGrp="1"/>
           </p:cNvSpPr>
           <p:nvPr>
-            <p:ph type="sldNum" sz="quarter" idx="5"/>
+            <p:ph type="sldNum" sz="quarter" idx="10"/>
           </p:nvPr>
         </p:nvSpPr>
-        <p:spPr>
-          <a:xfrm>
-            <a:off x="3884613" y="8685213"/>
-            <a:ext cx="2971800" cy="457200"/>
-          </a:xfrm>
-        </p:spPr>
+        <p:spPr/>
         <p:txBody>
           <a:bodyPr/>
           <a:lstStyle/>
           <a:p>
-            <a:fld id="{5641018C-6CAF-B84E-B92C-ECB119457FBA}" type="slidenum">
-              <a:rPr lang="en-US" smtClean="0"/>
-              <a:pPr/>
-              <a:t>14</a:t>
+            <a:fld id="{5993AEC0-242E-4FA7-9D3C-51E1036AC3CB}" type="slidenum">
+              <a:rPr lang="es-MX" smtClean="0"/>
+              <a:t>17</a:t>
             </a:fld>
-            <a:endParaRPr lang="es-ES" dirty="0"/>
+            <a:endParaRPr lang="es-MX" dirty="0"/>
           </a:p>
         </p:txBody>
       </p:sp>
     </p:spTree>
     <p:extLst>
       <p:ext uri="{BB962C8B-B14F-4D97-AF65-F5344CB8AC3E}">
-        <p14:creationId xmlns:p14="http://schemas.microsoft.com/office/powerpoint/2010/main" val="2524746764"/>
+        <p14:creationId xmlns:p14="http://schemas.microsoft.com/office/powerpoint/2010/main" val="780446328"/>
       </p:ext>
     </p:extLst>
   </p:cSld>
@@ -2004,7 +1417,7 @@
           <a:p>
             <a:fld id="{5993AEC0-242E-4FA7-9D3C-51E1036AC3CB}" type="slidenum">
               <a:rPr lang="es-MX" smtClean="0"/>
-              <a:t>20</a:t>
+              <a:t>18</a:t>
             </a:fld>
             <a:endParaRPr lang="es-MX" dirty="0"/>
           </a:p>
@@ -2013,7 +1426,7 @@
     </p:spTree>
     <p:extLst>
       <p:ext uri="{BB962C8B-B14F-4D97-AF65-F5344CB8AC3E}">
-        <p14:creationId xmlns:p14="http://schemas.microsoft.com/office/powerpoint/2010/main" val="780446328"/>
+        <p14:creationId xmlns:p14="http://schemas.microsoft.com/office/powerpoint/2010/main" val="326909597"/>
       </p:ext>
     </p:extLst>
   </p:cSld>
@@ -2204,7 +1617,7 @@
           <a:p>
             <a:fld id="{5E75A0DC-66C6-4CEC-A5EB-F8C97CEC3796}" type="datetimeFigureOut">
               <a:rPr lang="es-MX" smtClean="0"/>
-              <a:t>20/04/2022</a:t>
+              <a:t>16/05/2022</a:t>
             </a:fld>
             <a:endParaRPr lang="es-MX" dirty="0"/>
           </a:p>
@@ -2374,7 +1787,7 @@
           <a:p>
             <a:fld id="{5E75A0DC-66C6-4CEC-A5EB-F8C97CEC3796}" type="datetimeFigureOut">
               <a:rPr lang="es-MX" smtClean="0"/>
-              <a:t>20/04/2022</a:t>
+              <a:t>16/05/2022</a:t>
             </a:fld>
             <a:endParaRPr lang="es-MX" dirty="0"/>
           </a:p>
@@ -2554,7 +1967,7 @@
           <a:p>
             <a:fld id="{5E75A0DC-66C6-4CEC-A5EB-F8C97CEC3796}" type="datetimeFigureOut">
               <a:rPr lang="es-MX" smtClean="0"/>
-              <a:t>20/04/2022</a:t>
+              <a:t>16/05/2022</a:t>
             </a:fld>
             <a:endParaRPr lang="es-MX" dirty="0"/>
           </a:p>
@@ -3029,7 +2442,7 @@
           <a:p>
             <a:fld id="{5E75A0DC-66C6-4CEC-A5EB-F8C97CEC3796}" type="datetimeFigureOut">
               <a:rPr lang="es-MX" smtClean="0"/>
-              <a:t>20/04/2022</a:t>
+              <a:t>16/05/2022</a:t>
             </a:fld>
             <a:endParaRPr lang="es-MX" dirty="0"/>
           </a:p>
@@ -3275,7 +2688,7 @@
           <a:p>
             <a:fld id="{5E75A0DC-66C6-4CEC-A5EB-F8C97CEC3796}" type="datetimeFigureOut">
               <a:rPr lang="es-MX" smtClean="0"/>
-              <a:t>20/04/2022</a:t>
+              <a:t>16/05/2022</a:t>
             </a:fld>
             <a:endParaRPr lang="es-MX" dirty="0"/>
           </a:p>
@@ -3563,7 +2976,7 @@
           <a:p>
             <a:fld id="{5E75A0DC-66C6-4CEC-A5EB-F8C97CEC3796}" type="datetimeFigureOut">
               <a:rPr lang="es-MX" smtClean="0"/>
-              <a:t>20/04/2022</a:t>
+              <a:t>16/05/2022</a:t>
             </a:fld>
             <a:endParaRPr lang="es-MX" dirty="0"/>
           </a:p>
@@ -3985,7 +3398,7 @@
           <a:p>
             <a:fld id="{5E75A0DC-66C6-4CEC-A5EB-F8C97CEC3796}" type="datetimeFigureOut">
               <a:rPr lang="es-MX" smtClean="0"/>
-              <a:t>20/04/2022</a:t>
+              <a:t>16/05/2022</a:t>
             </a:fld>
             <a:endParaRPr lang="es-MX" dirty="0"/>
           </a:p>
@@ -4103,7 +3516,7 @@
           <a:p>
             <a:fld id="{5E75A0DC-66C6-4CEC-A5EB-F8C97CEC3796}" type="datetimeFigureOut">
               <a:rPr lang="es-MX" smtClean="0"/>
-              <a:t>20/04/2022</a:t>
+              <a:t>16/05/2022</a:t>
             </a:fld>
             <a:endParaRPr lang="es-MX" dirty="0"/>
           </a:p>
@@ -4198,7 +3611,7 @@
           <a:p>
             <a:fld id="{5E75A0DC-66C6-4CEC-A5EB-F8C97CEC3796}" type="datetimeFigureOut">
               <a:rPr lang="es-MX" smtClean="0"/>
-              <a:t>20/04/2022</a:t>
+              <a:t>16/05/2022</a:t>
             </a:fld>
             <a:endParaRPr lang="es-MX" dirty="0"/>
           </a:p>
@@ -4475,7 +3888,7 @@
           <a:p>
             <a:fld id="{5E75A0DC-66C6-4CEC-A5EB-F8C97CEC3796}" type="datetimeFigureOut">
               <a:rPr lang="es-MX" smtClean="0"/>
-              <a:t>20/04/2022</a:t>
+              <a:t>16/05/2022</a:t>
             </a:fld>
             <a:endParaRPr lang="es-MX" dirty="0"/>
           </a:p>
@@ -4728,7 +4141,7 @@
           <a:p>
             <a:fld id="{5E75A0DC-66C6-4CEC-A5EB-F8C97CEC3796}" type="datetimeFigureOut">
               <a:rPr lang="es-MX" smtClean="0"/>
-              <a:t>20/04/2022</a:t>
+              <a:t>16/05/2022</a:t>
             </a:fld>
             <a:endParaRPr lang="es-MX" dirty="0"/>
           </a:p>
@@ -4941,7 +4354,7 @@
           <a:p>
             <a:fld id="{5E75A0DC-66C6-4CEC-A5EB-F8C97CEC3796}" type="datetimeFigureOut">
               <a:rPr lang="es-MX" smtClean="0"/>
-              <a:t>20/04/2022</a:t>
+              <a:t>16/05/2022</a:t>
             </a:fld>
             <a:endParaRPr lang="es-MX" dirty="0"/>
           </a:p>
@@ -5508,8 +4921,8 @@
         </p:nvSpPr>
         <p:spPr>
           <a:xfrm>
-            <a:off x="899592" y="1149017"/>
-            <a:ext cx="7488832" cy="2294474"/>
+            <a:off x="611560" y="987439"/>
+            <a:ext cx="7200800" cy="396519"/>
           </a:xfrm>
         </p:spPr>
         <p:txBody>
@@ -5535,96 +4948,9 @@
                   </a:schemeClr>
                 </a:solidFill>
               </a:rPr>
-              <a:t>Puertos LAN</a:t>
-            </a:r>
-          </a:p>
-          <a:p>
-            <a:pPr algn="just">
-              <a:lnSpc>
-                <a:spcPts val="2600"/>
-              </a:lnSpc>
-              <a:spcBef>
-                <a:spcPts val="0"/>
-              </a:spcBef>
-              <a:buFont typeface="Arial" panose="020B0604020202020204" pitchFamily="34" charset="0"/>
-              <a:buChar char="•"/>
-            </a:pPr>
-            <a:r>
-              <a:rPr lang="es-ES" sz="1600" dirty="0"/>
-              <a:t>Comúnmente cuatro puertos LAN. </a:t>
-            </a:r>
-          </a:p>
-          <a:p>
-            <a:pPr algn="just">
-              <a:lnSpc>
-                <a:spcPts val="2600"/>
-              </a:lnSpc>
-              <a:spcBef>
-                <a:spcPts val="0"/>
-              </a:spcBef>
-              <a:buFont typeface="Arial" panose="020B0604020202020204" pitchFamily="34" charset="0"/>
-              <a:buChar char="•"/>
-            </a:pPr>
-            <a:r>
-              <a:rPr lang="es-ES" sz="1600" dirty="0"/>
-              <a:t>Son donde conectamos nuestras </a:t>
-            </a:r>
-            <a:r>
-              <a:rPr lang="es-ES" sz="1600" dirty="0" err="1"/>
-              <a:t>PCs</a:t>
-            </a:r>
-            <a:r>
-              <a:rPr lang="es-ES" sz="1600" dirty="0"/>
-              <a:t>, impresoras, servidores y cualquier dispositivo cableado. </a:t>
-            </a:r>
-          </a:p>
-          <a:p>
-            <a:pPr algn="just">
-              <a:lnSpc>
-                <a:spcPts val="2600"/>
-              </a:lnSpc>
-              <a:spcBef>
-                <a:spcPts val="0"/>
-              </a:spcBef>
-              <a:buFont typeface="Arial" panose="020B0604020202020204" pitchFamily="34" charset="0"/>
-              <a:buChar char="•"/>
-            </a:pPr>
-            <a:r>
-              <a:rPr lang="es-ES" sz="1600" dirty="0"/>
-              <a:t>La velocidad de los puertos ethernet puede ser de </a:t>
-            </a:r>
-            <a:r>
-              <a:rPr lang="es-ES" sz="1600" b="1" dirty="0"/>
-              <a:t>10/100/1000 Mbps</a:t>
-            </a:r>
-            <a:r>
-              <a:rPr lang="es-ES" sz="1600" dirty="0"/>
-              <a:t>, aunque podríamos tener velocidades superiores como </a:t>
-            </a:r>
-            <a:r>
-              <a:rPr lang="es-ES" sz="1600" b="1" dirty="0"/>
-              <a:t>2.5 Gbps</a:t>
-            </a:r>
-            <a:r>
-              <a:rPr lang="es-ES" sz="1600" dirty="0"/>
-              <a:t>, </a:t>
-            </a:r>
-            <a:r>
-              <a:rPr lang="es-ES" sz="1600" b="1" dirty="0"/>
-              <a:t>5 Gbps</a:t>
-            </a:r>
-            <a:r>
-              <a:rPr lang="es-ES" sz="1600" dirty="0"/>
-              <a:t> y </a:t>
-            </a:r>
-            <a:r>
-              <a:rPr lang="es-ES" sz="1600" b="1" dirty="0"/>
-              <a:t>10 Gbps</a:t>
-            </a:r>
-            <a:r>
-              <a:rPr lang="es-ES" sz="1600" dirty="0"/>
-              <a:t>.</a:t>
-            </a:r>
+              <a:t>Puerto DSL (Digital Subscriber Line – Línea de suscriptor digital)</a:t>
+            </a:r>
+            <a:endParaRPr lang="es-ES" sz="1600" dirty="0"/>
           </a:p>
         </p:txBody>
       </p:sp>
@@ -5710,688 +5036,6 @@
       </p:sp>
       <p:pic>
         <p:nvPicPr>
-          <p:cNvPr id="7" name="Imagen 6">
-            <a:extLst>
-              <a:ext uri="{FF2B5EF4-FFF2-40B4-BE49-F238E27FC236}">
-                <a16:creationId xmlns:a16="http://schemas.microsoft.com/office/drawing/2014/main" id="{0076042F-B7D6-4413-9517-714BB3E19AA4}"/>
-              </a:ext>
-            </a:extLst>
-          </p:cNvPr>
-          <p:cNvPicPr>
-            <a:picLocks noChangeAspect="1"/>
-          </p:cNvPicPr>
-          <p:nvPr/>
-        </p:nvPicPr>
-        <p:blipFill>
-          <a:blip r:embed="rId3"/>
-          <a:stretch>
-            <a:fillRect/>
-          </a:stretch>
-        </p:blipFill>
-        <p:spPr>
-          <a:xfrm>
-            <a:off x="2633179" y="3861048"/>
-            <a:ext cx="3877641" cy="1990112"/>
-          </a:xfrm>
-          <a:prstGeom prst="rect">
-            <a:avLst/>
-          </a:prstGeom>
-        </p:spPr>
-      </p:pic>
-    </p:spTree>
-    <p:extLst>
-      <p:ext uri="{BB962C8B-B14F-4D97-AF65-F5344CB8AC3E}">
-        <p14:creationId xmlns:p14="http://schemas.microsoft.com/office/powerpoint/2010/main" val="1376834830"/>
-      </p:ext>
-    </p:extLst>
-  </p:cSld>
-  <p:clrMapOvr>
-    <a:masterClrMapping/>
-  </p:clrMapOvr>
-  <p:transition spd="slow">
-    <p:wipe/>
-  </p:transition>
-  <p:timing>
-    <p:tnLst>
-      <p:par>
-        <p:cTn id="1" dur="indefinite" restart="never" nodeType="tmRoot">
-          <p:childTnLst>
-            <p:seq concurrent="1" nextAc="seek">
-              <p:cTn id="2" dur="indefinite" nodeType="mainSeq">
-                <p:childTnLst>
-                  <p:par>
-                    <p:cTn id="3" fill="hold">
-                      <p:stCondLst>
-                        <p:cond delay="indefinite"/>
-                      </p:stCondLst>
-                      <p:childTnLst>
-                        <p:par>
-                          <p:cTn id="4" fill="hold">
-                            <p:stCondLst>
-                              <p:cond delay="0"/>
-                            </p:stCondLst>
-                            <p:childTnLst>
-                              <p:par>
-                                <p:cTn id="5" presetID="1" presetClass="entr" presetSubtype="0" fill="hold" grpId="0" nodeType="clickEffect">
-                                  <p:stCondLst>
-                                    <p:cond delay="0"/>
-                                  </p:stCondLst>
-                                  <p:childTnLst>
-                                    <p:set>
-                                      <p:cBhvr>
-                                        <p:cTn id="6" dur="1" fill="hold">
-                                          <p:stCondLst>
-                                            <p:cond delay="0"/>
-                                          </p:stCondLst>
-                                        </p:cTn>
-                                        <p:tgtEl>
-                                          <p:spTgt spid="8195">
-                                            <p:txEl>
-                                              <p:pRg st="0" end="0"/>
-                                            </p:txEl>
-                                          </p:spTgt>
-                                        </p:tgtEl>
-                                        <p:attrNameLst>
-                                          <p:attrName>style.visibility</p:attrName>
-                                        </p:attrNameLst>
-                                      </p:cBhvr>
-                                      <p:to>
-                                        <p:strVal val="visible"/>
-                                      </p:to>
-                                    </p:set>
-                                  </p:childTnLst>
-                                </p:cTn>
-                              </p:par>
-                            </p:childTnLst>
-                          </p:cTn>
-                        </p:par>
-                      </p:childTnLst>
-                    </p:cTn>
-                  </p:par>
-                  <p:par>
-                    <p:cTn id="7" fill="hold">
-                      <p:stCondLst>
-                        <p:cond delay="indefinite"/>
-                      </p:stCondLst>
-                      <p:childTnLst>
-                        <p:par>
-                          <p:cTn id="8" fill="hold">
-                            <p:stCondLst>
-                              <p:cond delay="0"/>
-                            </p:stCondLst>
-                            <p:childTnLst>
-                              <p:par>
-                                <p:cTn id="9" presetID="1" presetClass="entr" presetSubtype="0" fill="hold" grpId="0" nodeType="clickEffect">
-                                  <p:stCondLst>
-                                    <p:cond delay="0"/>
-                                  </p:stCondLst>
-                                  <p:childTnLst>
-                                    <p:set>
-                                      <p:cBhvr>
-                                        <p:cTn id="10" dur="1" fill="hold">
-                                          <p:stCondLst>
-                                            <p:cond delay="0"/>
-                                          </p:stCondLst>
-                                        </p:cTn>
-                                        <p:tgtEl>
-                                          <p:spTgt spid="8195">
-                                            <p:txEl>
-                                              <p:pRg st="1" end="1"/>
-                                            </p:txEl>
-                                          </p:spTgt>
-                                        </p:tgtEl>
-                                        <p:attrNameLst>
-                                          <p:attrName>style.visibility</p:attrName>
-                                        </p:attrNameLst>
-                                      </p:cBhvr>
-                                      <p:to>
-                                        <p:strVal val="visible"/>
-                                      </p:to>
-                                    </p:set>
-                                  </p:childTnLst>
-                                </p:cTn>
-                              </p:par>
-                            </p:childTnLst>
-                          </p:cTn>
-                        </p:par>
-                      </p:childTnLst>
-                    </p:cTn>
-                  </p:par>
-                  <p:par>
-                    <p:cTn id="11" fill="hold">
-                      <p:stCondLst>
-                        <p:cond delay="indefinite"/>
-                      </p:stCondLst>
-                      <p:childTnLst>
-                        <p:par>
-                          <p:cTn id="12" fill="hold">
-                            <p:stCondLst>
-                              <p:cond delay="0"/>
-                            </p:stCondLst>
-                            <p:childTnLst>
-                              <p:par>
-                                <p:cTn id="13" presetID="1" presetClass="entr" presetSubtype="0" fill="hold" grpId="0" nodeType="clickEffect">
-                                  <p:stCondLst>
-                                    <p:cond delay="0"/>
-                                  </p:stCondLst>
-                                  <p:childTnLst>
-                                    <p:set>
-                                      <p:cBhvr>
-                                        <p:cTn id="14" dur="1" fill="hold">
-                                          <p:stCondLst>
-                                            <p:cond delay="0"/>
-                                          </p:stCondLst>
-                                        </p:cTn>
-                                        <p:tgtEl>
-                                          <p:spTgt spid="8195">
-                                            <p:txEl>
-                                              <p:pRg st="2" end="2"/>
-                                            </p:txEl>
-                                          </p:spTgt>
-                                        </p:tgtEl>
-                                        <p:attrNameLst>
-                                          <p:attrName>style.visibility</p:attrName>
-                                        </p:attrNameLst>
-                                      </p:cBhvr>
-                                      <p:to>
-                                        <p:strVal val="visible"/>
-                                      </p:to>
-                                    </p:set>
-                                  </p:childTnLst>
-                                </p:cTn>
-                              </p:par>
-                            </p:childTnLst>
-                          </p:cTn>
-                        </p:par>
-                      </p:childTnLst>
-                    </p:cTn>
-                  </p:par>
-                  <p:par>
-                    <p:cTn id="15" fill="hold">
-                      <p:stCondLst>
-                        <p:cond delay="indefinite"/>
-                      </p:stCondLst>
-                      <p:childTnLst>
-                        <p:par>
-                          <p:cTn id="16" fill="hold">
-                            <p:stCondLst>
-                              <p:cond delay="0"/>
-                            </p:stCondLst>
-                            <p:childTnLst>
-                              <p:par>
-                                <p:cTn id="17" presetID="1" presetClass="entr" presetSubtype="0" fill="hold" grpId="0" nodeType="clickEffect">
-                                  <p:stCondLst>
-                                    <p:cond delay="0"/>
-                                  </p:stCondLst>
-                                  <p:childTnLst>
-                                    <p:set>
-                                      <p:cBhvr>
-                                        <p:cTn id="18" dur="1" fill="hold">
-                                          <p:stCondLst>
-                                            <p:cond delay="0"/>
-                                          </p:stCondLst>
-                                        </p:cTn>
-                                        <p:tgtEl>
-                                          <p:spTgt spid="8195">
-                                            <p:txEl>
-                                              <p:pRg st="3" end="3"/>
-                                            </p:txEl>
-                                          </p:spTgt>
-                                        </p:tgtEl>
-                                        <p:attrNameLst>
-                                          <p:attrName>style.visibility</p:attrName>
-                                        </p:attrNameLst>
-                                      </p:cBhvr>
-                                      <p:to>
-                                        <p:strVal val="visible"/>
-                                      </p:to>
-                                    </p:set>
-                                  </p:childTnLst>
-                                </p:cTn>
-                              </p:par>
-                            </p:childTnLst>
-                          </p:cTn>
-                        </p:par>
-                      </p:childTnLst>
-                    </p:cTn>
-                  </p:par>
-                </p:childTnLst>
-              </p:cTn>
-              <p:prevCondLst>
-                <p:cond evt="onPrev" delay="0">
-                  <p:tgtEl>
-                    <p:sldTgt/>
-                  </p:tgtEl>
-                </p:cond>
-              </p:prevCondLst>
-              <p:nextCondLst>
-                <p:cond evt="onNext" delay="0">
-                  <p:tgtEl>
-                    <p:sldTgt/>
-                  </p:tgtEl>
-                </p:cond>
-              </p:nextCondLst>
-            </p:seq>
-          </p:childTnLst>
-        </p:cTn>
-      </p:par>
-    </p:tnLst>
-    <p:bldLst>
-      <p:bldP spid="8195" grpId="0" build="p"/>
-    </p:bldLst>
-  </p:timing>
-</p:sld>
-</file>
-
-<file path=ppt/slides/slide11.xml><?xml version="1.0" encoding="utf-8"?>
-<p:sld xmlns:a="http://schemas.openxmlformats.org/drawingml/2006/main" xmlns:r="http://schemas.openxmlformats.org/officeDocument/2006/relationships" xmlns:p="http://schemas.openxmlformats.org/presentationml/2006/main">
-  <p:cSld>
-    <p:spTree>
-      <p:nvGrpSpPr>
-        <p:cNvPr id="1" name=""/>
-        <p:cNvGrpSpPr/>
-        <p:nvPr/>
-      </p:nvGrpSpPr>
-      <p:grpSpPr>
-        <a:xfrm>
-          <a:off x="0" y="0"/>
-          <a:ext cx="0" cy="0"/>
-          <a:chOff x="0" y="0"/>
-          <a:chExt cx="0" cy="0"/>
-        </a:xfrm>
-      </p:grpSpPr>
-      <p:sp>
-        <p:nvSpPr>
-          <p:cNvPr id="8195" name="Rectangle 6"/>
-          <p:cNvSpPr>
-            <a:spLocks noGrp="1" noChangeArrowheads="1"/>
-          </p:cNvSpPr>
-          <p:nvPr>
-            <p:ph idx="1"/>
-          </p:nvPr>
-        </p:nvSpPr>
-        <p:spPr>
-          <a:xfrm>
-            <a:off x="611560" y="987439"/>
-            <a:ext cx="7200800" cy="396519"/>
-          </a:xfrm>
-        </p:spPr>
-        <p:txBody>
-          <a:bodyPr wrap="square">
-            <a:spAutoFit/>
-          </a:bodyPr>
-          <a:lstStyle/>
-          <a:p>
-            <a:pPr marL="0" indent="0" algn="just">
-              <a:lnSpc>
-                <a:spcPts val="2600"/>
-              </a:lnSpc>
-              <a:spcBef>
-                <a:spcPts val="0"/>
-              </a:spcBef>
-              <a:buNone/>
-            </a:pPr>
-            <a:r>
-              <a:rPr lang="es-ES" sz="1600" b="1" dirty="0">
-                <a:solidFill>
-                  <a:schemeClr val="accent6">
-                    <a:lumMod val="75000"/>
-                  </a:schemeClr>
-                </a:solidFill>
-              </a:rPr>
-              <a:t>Puerto DSL (Digital </a:t>
-            </a:r>
-            <a:r>
-              <a:rPr lang="es-ES" sz="1600" b="1" dirty="0" err="1">
-                <a:solidFill>
-                  <a:schemeClr val="accent6">
-                    <a:lumMod val="75000"/>
-                  </a:schemeClr>
-                </a:solidFill>
-              </a:rPr>
-              <a:t>Subscriber</a:t>
-            </a:r>
-            <a:r>
-              <a:rPr lang="es-ES" sz="1600" b="1" dirty="0">
-                <a:solidFill>
-                  <a:schemeClr val="accent6">
-                    <a:lumMod val="75000"/>
-                  </a:schemeClr>
-                </a:solidFill>
-              </a:rPr>
-              <a:t> Line – Línea de suscriptor digital)</a:t>
-            </a:r>
-            <a:endParaRPr lang="es-ES" sz="1600" dirty="0"/>
-          </a:p>
-        </p:txBody>
-      </p:sp>
-      <p:sp>
-        <p:nvSpPr>
-          <p:cNvPr id="6" name="Rectangle 2">
-            <a:extLst>
-              <a:ext uri="{FF2B5EF4-FFF2-40B4-BE49-F238E27FC236}">
-                <a16:creationId xmlns:a16="http://schemas.microsoft.com/office/drawing/2014/main" id="{C2EE2F51-F651-41B2-9513-9FDF35897CA6}"/>
-              </a:ext>
-            </a:extLst>
-          </p:cNvPr>
-          <p:cNvSpPr txBox="1">
-            <a:spLocks noChangeArrowheads="1"/>
-          </p:cNvSpPr>
-          <p:nvPr/>
-        </p:nvSpPr>
-        <p:spPr>
-          <a:xfrm>
-            <a:off x="89756" y="0"/>
-            <a:ext cx="8964488" cy="1143000"/>
-          </a:xfrm>
-          <a:prstGeom prst="rect">
-            <a:avLst/>
-          </a:prstGeom>
-        </p:spPr>
-        <p:txBody>
-          <a:bodyPr vert="horz" lIns="92075" tIns="46038" rIns="92075" bIns="46038" rtlCol="0" anchor="ctr">
-            <a:noAutofit/>
-          </a:bodyPr>
-          <a:lstStyle>
-            <a:lvl1pPr algn="ctr" defTabSz="914400" rtl="0" eaLnBrk="1" latinLnBrk="0" hangingPunct="1">
-              <a:spcBef>
-                <a:spcPct val="0"/>
-              </a:spcBef>
-              <a:buNone/>
-              <a:defRPr sz="4400" kern="1200">
-                <a:solidFill>
-                  <a:schemeClr val="tx1"/>
-                </a:solidFill>
-                <a:latin typeface="+mj-lt"/>
-                <a:ea typeface="+mj-ea"/>
-                <a:cs typeface="+mj-cs"/>
-              </a:defRPr>
-            </a:lvl1pPr>
-          </a:lstStyle>
-          <a:p>
-            <a:pPr>
-              <a:defRPr/>
-            </a:pPr>
-            <a:r>
-              <a:rPr lang="es-ES_tradnl" sz="3200" dirty="0">
-                <a:solidFill>
-                  <a:srgbClr val="3333CC"/>
-                </a:solidFill>
-                <a:effectLst>
-                  <a:outerShdw blurRad="38100" dist="38100" dir="2700000" algn="tl">
-                    <a:srgbClr val="C0C0C0"/>
-                  </a:outerShdw>
-                </a:effectLst>
-                <a:latin typeface="Dom Casual" charset="0"/>
-              </a:rPr>
-              <a:t> </a:t>
-            </a:r>
-            <a:r>
-              <a:rPr lang="es-ES_tradnl" sz="3200" b="1" dirty="0">
-                <a:solidFill>
-                  <a:schemeClr val="accent4">
-                    <a:lumMod val="50000"/>
-                  </a:schemeClr>
-                </a:solidFill>
-                <a:effectLst>
-                  <a:outerShdw blurRad="38100" dist="38100" dir="2700000" algn="tl">
-                    <a:srgbClr val="C0C0C0"/>
-                  </a:outerShdw>
-                </a:effectLst>
-                <a:latin typeface="Dom Casual" charset="0"/>
-              </a:rPr>
-              <a:t>Ruteador doméstico</a:t>
-            </a:r>
-          </a:p>
-        </p:txBody>
-      </p:sp>
-      <p:sp>
-        <p:nvSpPr>
-          <p:cNvPr id="12" name="Rectangle 6">
-            <a:extLst>
-              <a:ext uri="{FF2B5EF4-FFF2-40B4-BE49-F238E27FC236}">
-                <a16:creationId xmlns:a16="http://schemas.microsoft.com/office/drawing/2014/main" id="{A91DE02E-02A2-418E-BB9F-A18359B54775}"/>
-              </a:ext>
-            </a:extLst>
-          </p:cNvPr>
-          <p:cNvSpPr txBox="1">
-            <a:spLocks noChangeArrowheads="1"/>
-          </p:cNvSpPr>
-          <p:nvPr/>
-        </p:nvSpPr>
-        <p:spPr bwMode="auto">
-          <a:xfrm>
-            <a:off x="4843817" y="4178509"/>
-            <a:ext cx="3744416" cy="729943"/>
-          </a:xfrm>
-          <a:prstGeom prst="rect">
-            <a:avLst/>
-          </a:prstGeom>
-          <a:noFill/>
-          <a:ln>
-            <a:noFill/>
-          </a:ln>
-          <a:extLst>
-            <a:ext uri="{909E8E84-426E-40DD-AFC4-6F175D3DCCD1}">
-              <a14:hiddenFill xmlns:a14="http://schemas.microsoft.com/office/drawing/2010/main">
-                <a:solidFill>
-                  <a:srgbClr val="FFFFFF"/>
-                </a:solidFill>
-              </a14:hiddenFill>
-            </a:ext>
-            <a:ext uri="{91240B29-F687-4F45-9708-019B960494DF}">
-              <a14:hiddenLine xmlns:a14="http://schemas.microsoft.com/office/drawing/2010/main" w="12700">
-                <a:solidFill>
-                  <a:srgbClr val="000000"/>
-                </a:solidFill>
-                <a:miter lim="800000"/>
-                <a:headEnd/>
-                <a:tailEnd/>
-              </a14:hiddenLine>
-            </a:ext>
-          </a:extLst>
-        </p:spPr>
-        <p:txBody>
-          <a:bodyPr vert="horz" wrap="square" lIns="91440" tIns="45720" rIns="182880" bIns="45720" numCol="1" rtlCol="0" anchor="t" anchorCtr="0" compatLnSpc="1">
-            <a:prstTxWarp prst="textNoShape">
-              <a:avLst/>
-            </a:prstTxWarp>
-            <a:spAutoFit/>
-          </a:bodyPr>
-          <a:lstStyle>
-            <a:lvl1pPr marL="169863" indent="-169863" algn="l" defTabSz="914400" rtl="0" eaLnBrk="1" latinLnBrk="0" hangingPunct="1">
-              <a:lnSpc>
-                <a:spcPct val="100000"/>
-              </a:lnSpc>
-              <a:spcBef>
-                <a:spcPts val="600"/>
-              </a:spcBef>
-              <a:spcAft>
-                <a:spcPts val="600"/>
-              </a:spcAft>
-              <a:buFont typeface="Wingdings" panose="05000000000000000000" pitchFamily="2" charset="2"/>
-              <a:buChar char="§"/>
-              <a:defRPr sz="3200" kern="1200">
-                <a:solidFill>
-                  <a:srgbClr val="000000"/>
-                </a:solidFill>
-                <a:latin typeface="+mn-lt"/>
-                <a:ea typeface="+mn-ea"/>
-                <a:cs typeface="+mn-cs"/>
-              </a:defRPr>
-            </a:lvl1pPr>
-            <a:lvl2pPr marL="742950" indent="-285750" algn="l" defTabSz="914400" rtl="0" eaLnBrk="1" latinLnBrk="0" hangingPunct="1">
-              <a:lnSpc>
-                <a:spcPct val="100000"/>
-              </a:lnSpc>
-              <a:spcBef>
-                <a:spcPts val="300"/>
-              </a:spcBef>
-              <a:spcAft>
-                <a:spcPts val="300"/>
-              </a:spcAft>
-              <a:buFont typeface="Arial" pitchFamily="34" charset="0"/>
-              <a:buChar char="–"/>
-              <a:defRPr sz="2800" kern="1200">
-                <a:solidFill>
-                  <a:srgbClr val="000000"/>
-                </a:solidFill>
-                <a:latin typeface="+mn-lt"/>
-                <a:ea typeface="+mn-ea"/>
-                <a:cs typeface="+mn-cs"/>
-              </a:defRPr>
-            </a:lvl2pPr>
-            <a:lvl3pPr marL="1143000" indent="-228600" algn="l" defTabSz="914400" rtl="0" eaLnBrk="1" latinLnBrk="0" hangingPunct="1">
-              <a:lnSpc>
-                <a:spcPct val="100000"/>
-              </a:lnSpc>
-              <a:spcBef>
-                <a:spcPts val="300"/>
-              </a:spcBef>
-              <a:spcAft>
-                <a:spcPts val="300"/>
-              </a:spcAft>
-              <a:buFont typeface="Arial" pitchFamily="34" charset="0"/>
-              <a:buChar char="•"/>
-              <a:defRPr sz="2400" kern="1200">
-                <a:solidFill>
-                  <a:srgbClr val="000000"/>
-                </a:solidFill>
-                <a:latin typeface="+mn-lt"/>
-                <a:ea typeface="+mn-ea"/>
-                <a:cs typeface="+mn-cs"/>
-              </a:defRPr>
-            </a:lvl3pPr>
-            <a:lvl4pPr marL="1600200" indent="-228600" algn="l" defTabSz="914400" rtl="0" eaLnBrk="1" latinLnBrk="0" hangingPunct="1">
-              <a:lnSpc>
-                <a:spcPct val="100000"/>
-              </a:lnSpc>
-              <a:spcBef>
-                <a:spcPts val="300"/>
-              </a:spcBef>
-              <a:spcAft>
-                <a:spcPts val="300"/>
-              </a:spcAft>
-              <a:buFont typeface="Arial" pitchFamily="34" charset="0"/>
-              <a:buChar char="–"/>
-              <a:defRPr sz="2000" kern="1200">
-                <a:solidFill>
-                  <a:srgbClr val="000000"/>
-                </a:solidFill>
-                <a:latin typeface="+mn-lt"/>
-                <a:ea typeface="+mn-ea"/>
-                <a:cs typeface="+mn-cs"/>
-              </a:defRPr>
-            </a:lvl4pPr>
-            <a:lvl5pPr marL="2057400" indent="-228600" algn="l" defTabSz="914400" rtl="0" eaLnBrk="1" latinLnBrk="0" hangingPunct="1">
-              <a:spcBef>
-                <a:spcPct val="20000"/>
-              </a:spcBef>
-              <a:buFont typeface="Arial" pitchFamily="34" charset="0"/>
-              <a:buChar char="»"/>
-              <a:defRPr sz="2000" kern="1200">
-                <a:solidFill>
-                  <a:schemeClr val="tx1"/>
-                </a:solidFill>
-                <a:latin typeface="+mn-lt"/>
-                <a:ea typeface="+mn-ea"/>
-                <a:cs typeface="+mn-cs"/>
-              </a:defRPr>
-            </a:lvl5pPr>
-            <a:lvl6pPr marL="2514600" indent="-228600" algn="l" defTabSz="914400" rtl="0" eaLnBrk="1" latinLnBrk="0" hangingPunct="1">
-              <a:spcBef>
-                <a:spcPct val="20000"/>
-              </a:spcBef>
-              <a:buFont typeface="Arial" pitchFamily="34" charset="0"/>
-              <a:buChar char="•"/>
-              <a:defRPr sz="2000" kern="1200">
-                <a:solidFill>
-                  <a:schemeClr val="tx1"/>
-                </a:solidFill>
-                <a:latin typeface="+mn-lt"/>
-                <a:ea typeface="+mn-ea"/>
-                <a:cs typeface="+mn-cs"/>
-              </a:defRPr>
-            </a:lvl6pPr>
-            <a:lvl7pPr marL="2971800" indent="-228600" algn="l" defTabSz="914400" rtl="0" eaLnBrk="1" latinLnBrk="0" hangingPunct="1">
-              <a:spcBef>
-                <a:spcPct val="20000"/>
-              </a:spcBef>
-              <a:buFont typeface="Arial" pitchFamily="34" charset="0"/>
-              <a:buChar char="•"/>
-              <a:defRPr sz="2000" kern="1200">
-                <a:solidFill>
-                  <a:schemeClr val="tx1"/>
-                </a:solidFill>
-                <a:latin typeface="+mn-lt"/>
-                <a:ea typeface="+mn-ea"/>
-                <a:cs typeface="+mn-cs"/>
-              </a:defRPr>
-            </a:lvl7pPr>
-            <a:lvl8pPr marL="3429000" indent="-228600" algn="l" defTabSz="914400" rtl="0" eaLnBrk="1" latinLnBrk="0" hangingPunct="1">
-              <a:spcBef>
-                <a:spcPct val="20000"/>
-              </a:spcBef>
-              <a:buFont typeface="Arial" pitchFamily="34" charset="0"/>
-              <a:buChar char="•"/>
-              <a:defRPr sz="2000" kern="1200">
-                <a:solidFill>
-                  <a:schemeClr val="tx1"/>
-                </a:solidFill>
-                <a:latin typeface="+mn-lt"/>
-                <a:ea typeface="+mn-ea"/>
-                <a:cs typeface="+mn-cs"/>
-              </a:defRPr>
-            </a:lvl8pPr>
-            <a:lvl9pPr marL="3886200" indent="-228600" algn="l" defTabSz="914400" rtl="0" eaLnBrk="1" latinLnBrk="0" hangingPunct="1">
-              <a:spcBef>
-                <a:spcPct val="20000"/>
-              </a:spcBef>
-              <a:buFont typeface="Arial" pitchFamily="34" charset="0"/>
-              <a:buChar char="•"/>
-              <a:defRPr sz="2000" kern="1200">
-                <a:solidFill>
-                  <a:schemeClr val="tx1"/>
-                </a:solidFill>
-                <a:latin typeface="+mn-lt"/>
-                <a:ea typeface="+mn-ea"/>
-                <a:cs typeface="+mn-cs"/>
-              </a:defRPr>
-            </a:lvl9pPr>
-          </a:lstStyle>
-          <a:p>
-            <a:pPr marL="0" indent="0" algn="just">
-              <a:lnSpc>
-                <a:spcPts val="2600"/>
-              </a:lnSpc>
-              <a:spcBef>
-                <a:spcPts val="0"/>
-              </a:spcBef>
-              <a:buNone/>
-            </a:pPr>
-            <a:r>
-              <a:rPr lang="es-ES" sz="1600" dirty="0"/>
-              <a:t>Este tipo de Internet de alta velocidad requiere un </a:t>
-            </a:r>
-            <a:r>
-              <a:rPr lang="es-ES" sz="1600" b="1" dirty="0">
-                <a:solidFill>
-                  <a:schemeClr val="accent5">
-                    <a:lumMod val="75000"/>
-                  </a:schemeClr>
-                </a:solidFill>
-              </a:rPr>
-              <a:t>módem DSL</a:t>
-            </a:r>
-            <a:r>
-              <a:rPr lang="es-ES" sz="1600" dirty="0"/>
-              <a:t>.</a:t>
-            </a:r>
-          </a:p>
-        </p:txBody>
-      </p:sp>
-      <p:pic>
-        <p:nvPicPr>
           <p:cNvPr id="11" name="Imagen 10">
             <a:extLst>
               <a:ext uri="{FF2B5EF4-FFF2-40B4-BE49-F238E27FC236}">
@@ -6412,7 +5056,7 @@
         </p:blipFill>
         <p:spPr>
           <a:xfrm>
-            <a:off x="5580113" y="1644345"/>
+            <a:off x="5508104" y="1659089"/>
             <a:ext cx="2827200" cy="1424615"/>
           </a:xfrm>
           <a:prstGeom prst="rect">
@@ -6672,27 +5316,7 @@
                   </a:schemeClr>
                 </a:solidFill>
               </a:rPr>
-              <a:t>(Digital </a:t>
-            </a:r>
-            <a:r>
-              <a:rPr lang="es-ES" sz="1600" b="1" dirty="0" err="1">
-                <a:solidFill>
-                  <a:schemeClr val="accent5">
-                    <a:lumMod val="75000"/>
-                  </a:schemeClr>
-                </a:solidFill>
-              </a:rPr>
-              <a:t>Subscriber</a:t>
-            </a:r>
-            <a:r>
-              <a:rPr lang="es-ES" sz="1600" b="1" dirty="0">
-                <a:solidFill>
-                  <a:schemeClr val="accent5">
-                    <a:lumMod val="75000"/>
-                  </a:schemeClr>
-                </a:solidFill>
-              </a:rPr>
-              <a:t> Line)</a:t>
+              <a:t>(Digital Subscriber Line)</a:t>
             </a:r>
             <a:r>
               <a:rPr lang="es-ES" sz="1600" dirty="0"/>
@@ -6731,7 +5355,7 @@
         </p:blipFill>
         <p:spPr>
           <a:xfrm>
-            <a:off x="899592" y="3396275"/>
+            <a:off x="1980334" y="3456705"/>
             <a:ext cx="3492679" cy="2959252"/>
           </a:xfrm>
           <a:prstGeom prst="rect">
@@ -6805,51 +5429,6 @@
                       </p:childTnLst>
                     </p:cTn>
                   </p:par>
-                  <p:par>
-                    <p:cTn id="7" fill="hold">
-                      <p:stCondLst>
-                        <p:cond delay="indefinite"/>
-                      </p:stCondLst>
-                      <p:childTnLst>
-                        <p:par>
-                          <p:cTn id="8" fill="hold">
-                            <p:stCondLst>
-                              <p:cond delay="0"/>
-                            </p:stCondLst>
-                            <p:childTnLst>
-                              <p:par>
-                                <p:cTn id="9" presetID="1" presetClass="entr" presetSubtype="0" fill="hold" grpId="0" nodeType="clickEffect">
-                                  <p:stCondLst>
-                                    <p:cond delay="0"/>
-                                  </p:stCondLst>
-                                  <p:childTnLst>
-                                    <p:set>
-                                      <p:cBhvr>
-                                        <p:cTn id="10" dur="1" fill="hold">
-                                          <p:stCondLst>
-                                            <p:cond delay="0"/>
-                                          </p:stCondLst>
-                                        </p:cTn>
-                                        <p:tgtEl>
-                                          <p:spTgt spid="12"/>
-                                        </p:tgtEl>
-                                        <p:attrNameLst>
-                                          <p:attrName>style.visibility</p:attrName>
-                                        </p:attrNameLst>
-                                      </p:cBhvr>
-                                      <p:to>
-                                        <p:strVal val="visible"/>
-                                      </p:to>
-                                    </p:set>
-                                  </p:childTnLst>
-                                </p:cTn>
-                              </p:par>
-                            </p:childTnLst>
-                          </p:cTn>
-                        </p:par>
-                      </p:childTnLst>
-                    </p:cTn>
-                  </p:par>
                 </p:childTnLst>
               </p:cTn>
               <p:prevCondLst>
@@ -6872,870 +5451,13 @@
       </p:par>
     </p:tnLst>
     <p:bldLst>
-      <p:bldP spid="12" grpId="0"/>
       <p:bldP spid="15" grpId="0"/>
     </p:bldLst>
   </p:timing>
 </p:sld>
 </file>
 
-<file path=ppt/slides/slide12.xml><?xml version="1.0" encoding="utf-8"?>
-<p:sld xmlns:a="http://schemas.openxmlformats.org/drawingml/2006/main" xmlns:r="http://schemas.openxmlformats.org/officeDocument/2006/relationships" xmlns:p="http://schemas.openxmlformats.org/presentationml/2006/main">
-  <p:cSld>
-    <p:spTree>
-      <p:nvGrpSpPr>
-        <p:cNvPr id="1" name=""/>
-        <p:cNvGrpSpPr/>
-        <p:nvPr/>
-      </p:nvGrpSpPr>
-      <p:grpSpPr>
-        <a:xfrm>
-          <a:off x="0" y="0"/>
-          <a:ext cx="0" cy="0"/>
-          <a:chOff x="0" y="0"/>
-          <a:chExt cx="0" cy="0"/>
-        </a:xfrm>
-      </p:grpSpPr>
-      <p:sp>
-        <p:nvSpPr>
-          <p:cNvPr id="8195" name="Rectangle 6"/>
-          <p:cNvSpPr>
-            <a:spLocks noGrp="1" noChangeArrowheads="1"/>
-          </p:cNvSpPr>
-          <p:nvPr>
-            <p:ph idx="1"/>
-          </p:nvPr>
-        </p:nvSpPr>
-        <p:spPr>
-          <a:xfrm>
-            <a:off x="611560" y="987439"/>
-            <a:ext cx="7776864" cy="2217530"/>
-          </a:xfrm>
-        </p:spPr>
-        <p:txBody>
-          <a:bodyPr wrap="square">
-            <a:spAutoFit/>
-          </a:bodyPr>
-          <a:lstStyle/>
-          <a:p>
-            <a:pPr marL="0" indent="0" algn="just">
-              <a:lnSpc>
-                <a:spcPts val="2600"/>
-              </a:lnSpc>
-              <a:spcBef>
-                <a:spcPts val="0"/>
-              </a:spcBef>
-              <a:buNone/>
-            </a:pPr>
-            <a:r>
-              <a:rPr lang="es-ES" sz="1600" b="1" dirty="0">
-                <a:solidFill>
-                  <a:schemeClr val="accent6">
-                    <a:lumMod val="75000"/>
-                  </a:schemeClr>
-                </a:solidFill>
-              </a:rPr>
-              <a:t>Puerto DSL (Digital </a:t>
-            </a:r>
-            <a:r>
-              <a:rPr lang="es-ES" sz="1600" b="1" dirty="0" err="1">
-                <a:solidFill>
-                  <a:schemeClr val="accent6">
-                    <a:lumMod val="75000"/>
-                  </a:schemeClr>
-                </a:solidFill>
-              </a:rPr>
-              <a:t>Subscriber</a:t>
-            </a:r>
-            <a:r>
-              <a:rPr lang="es-ES" sz="1600" b="1" dirty="0">
-                <a:solidFill>
-                  <a:schemeClr val="accent6">
-                    <a:lumMod val="75000"/>
-                  </a:schemeClr>
-                </a:solidFill>
-              </a:rPr>
-              <a:t> Line – Línea de suscriptor digital)</a:t>
-            </a:r>
-          </a:p>
-          <a:p>
-            <a:pPr algn="just">
-              <a:lnSpc>
-                <a:spcPts val="2600"/>
-              </a:lnSpc>
-              <a:spcBef>
-                <a:spcPts val="0"/>
-              </a:spcBef>
-              <a:buFont typeface="Arial" panose="020B0604020202020204" pitchFamily="34" charset="0"/>
-              <a:buChar char="•"/>
-            </a:pPr>
-            <a:r>
-              <a:rPr lang="es-ES" sz="1600" dirty="0"/>
-              <a:t>Un</a:t>
-            </a:r>
-            <a:r>
-              <a:rPr lang="es-ES" sz="1600" b="1" dirty="0">
-                <a:solidFill>
-                  <a:schemeClr val="accent6">
-                    <a:lumMod val="75000"/>
-                  </a:schemeClr>
-                </a:solidFill>
-              </a:rPr>
-              <a:t> </a:t>
-            </a:r>
-            <a:r>
-              <a:rPr lang="es-ES" sz="1600" b="1" dirty="0" err="1">
-                <a:solidFill>
-                  <a:schemeClr val="accent5">
-                    <a:lumMod val="75000"/>
-                  </a:schemeClr>
-                </a:solidFill>
-              </a:rPr>
-              <a:t>router</a:t>
-            </a:r>
-            <a:r>
-              <a:rPr lang="es-ES" sz="1600" b="1" dirty="0">
-                <a:solidFill>
-                  <a:schemeClr val="accent5">
-                    <a:lumMod val="75000"/>
-                  </a:schemeClr>
-                </a:solidFill>
-              </a:rPr>
-              <a:t> módem DSL </a:t>
-            </a:r>
-            <a:r>
-              <a:rPr lang="es-ES" sz="1600" dirty="0"/>
-              <a:t>es un dispositivo combinado que funciona como módem y </a:t>
-            </a:r>
-            <a:r>
-              <a:rPr lang="es-ES" sz="1600" dirty="0" err="1"/>
-              <a:t>router</a:t>
-            </a:r>
-            <a:r>
-              <a:rPr lang="es-ES" sz="1600" dirty="0"/>
-              <a:t>. Por lo general, necesitamos un módem y un </a:t>
-            </a:r>
-            <a:r>
-              <a:rPr lang="es-ES" sz="1600" dirty="0" err="1"/>
-              <a:t>router</a:t>
-            </a:r>
-            <a:r>
-              <a:rPr lang="es-ES" sz="1600" dirty="0"/>
-              <a:t> para conectarnos al ISP y proporcionar Internet a otros dispositivos.</a:t>
-            </a:r>
-          </a:p>
-          <a:p>
-            <a:pPr algn="just">
-              <a:lnSpc>
-                <a:spcPts val="2600"/>
-              </a:lnSpc>
-              <a:spcBef>
-                <a:spcPts val="0"/>
-              </a:spcBef>
-              <a:buFont typeface="Arial" panose="020B0604020202020204" pitchFamily="34" charset="0"/>
-              <a:buChar char="•"/>
-            </a:pPr>
-            <a:r>
-              <a:rPr lang="es-ES" sz="1600" b="0" i="0" dirty="0">
-                <a:solidFill>
-                  <a:srgbClr val="000000"/>
-                </a:solidFill>
-                <a:effectLst/>
-              </a:rPr>
-              <a:t>Un </a:t>
-            </a:r>
-            <a:r>
-              <a:rPr lang="es-ES" sz="1600" b="1" i="0" dirty="0" err="1">
-                <a:solidFill>
-                  <a:schemeClr val="accent5">
-                    <a:lumMod val="75000"/>
-                  </a:schemeClr>
-                </a:solidFill>
-                <a:effectLst/>
-              </a:rPr>
-              <a:t>router</a:t>
-            </a:r>
-            <a:r>
-              <a:rPr lang="es-ES" sz="1600" b="1" i="0" dirty="0">
-                <a:solidFill>
-                  <a:schemeClr val="accent5">
-                    <a:lumMod val="75000"/>
-                  </a:schemeClr>
-                </a:solidFill>
-                <a:effectLst/>
-              </a:rPr>
-              <a:t> módem DSL </a:t>
-            </a:r>
-            <a:r>
-              <a:rPr lang="es-ES" sz="1600" b="0" i="0" dirty="0">
-                <a:solidFill>
-                  <a:srgbClr val="000000"/>
-                </a:solidFill>
-                <a:effectLst/>
-              </a:rPr>
-              <a:t>utiliza la línea telefónica como medio para conectarse directamente al ISP. </a:t>
-            </a:r>
-            <a:endParaRPr lang="es-ES" sz="1600" dirty="0"/>
-          </a:p>
-        </p:txBody>
-      </p:sp>
-      <p:sp>
-        <p:nvSpPr>
-          <p:cNvPr id="6" name="Rectangle 2">
-            <a:extLst>
-              <a:ext uri="{FF2B5EF4-FFF2-40B4-BE49-F238E27FC236}">
-                <a16:creationId xmlns:a16="http://schemas.microsoft.com/office/drawing/2014/main" id="{C2EE2F51-F651-41B2-9513-9FDF35897CA6}"/>
-              </a:ext>
-            </a:extLst>
-          </p:cNvPr>
-          <p:cNvSpPr txBox="1">
-            <a:spLocks noChangeArrowheads="1"/>
-          </p:cNvSpPr>
-          <p:nvPr/>
-        </p:nvSpPr>
-        <p:spPr>
-          <a:xfrm>
-            <a:off x="89756" y="0"/>
-            <a:ext cx="8964488" cy="1143000"/>
-          </a:xfrm>
-          <a:prstGeom prst="rect">
-            <a:avLst/>
-          </a:prstGeom>
-        </p:spPr>
-        <p:txBody>
-          <a:bodyPr vert="horz" lIns="92075" tIns="46038" rIns="92075" bIns="46038" rtlCol="0" anchor="ctr">
-            <a:noAutofit/>
-          </a:bodyPr>
-          <a:lstStyle>
-            <a:lvl1pPr algn="ctr" defTabSz="914400" rtl="0" eaLnBrk="1" latinLnBrk="0" hangingPunct="1">
-              <a:spcBef>
-                <a:spcPct val="0"/>
-              </a:spcBef>
-              <a:buNone/>
-              <a:defRPr sz="4400" kern="1200">
-                <a:solidFill>
-                  <a:schemeClr val="tx1"/>
-                </a:solidFill>
-                <a:latin typeface="+mj-lt"/>
-                <a:ea typeface="+mj-ea"/>
-                <a:cs typeface="+mj-cs"/>
-              </a:defRPr>
-            </a:lvl1pPr>
-          </a:lstStyle>
-          <a:p>
-            <a:pPr>
-              <a:defRPr/>
-            </a:pPr>
-            <a:r>
-              <a:rPr lang="es-ES_tradnl" sz="3200" dirty="0">
-                <a:solidFill>
-                  <a:srgbClr val="3333CC"/>
-                </a:solidFill>
-                <a:effectLst>
-                  <a:outerShdw blurRad="38100" dist="38100" dir="2700000" algn="tl">
-                    <a:srgbClr val="C0C0C0"/>
-                  </a:outerShdw>
-                </a:effectLst>
-                <a:latin typeface="Dom Casual" charset="0"/>
-              </a:rPr>
-              <a:t> </a:t>
-            </a:r>
-            <a:r>
-              <a:rPr lang="es-ES_tradnl" sz="3200" b="1" dirty="0">
-                <a:solidFill>
-                  <a:schemeClr val="accent4">
-                    <a:lumMod val="50000"/>
-                  </a:schemeClr>
-                </a:solidFill>
-                <a:effectLst>
-                  <a:outerShdw blurRad="38100" dist="38100" dir="2700000" algn="tl">
-                    <a:srgbClr val="C0C0C0"/>
-                  </a:outerShdw>
-                </a:effectLst>
-                <a:latin typeface="Dom Casual" charset="0"/>
-              </a:rPr>
-              <a:t>Ruteador</a:t>
-            </a:r>
-          </a:p>
-        </p:txBody>
-      </p:sp>
-      <p:pic>
-        <p:nvPicPr>
-          <p:cNvPr id="3" name="Imagen 2">
-            <a:extLst>
-              <a:ext uri="{FF2B5EF4-FFF2-40B4-BE49-F238E27FC236}">
-                <a16:creationId xmlns:a16="http://schemas.microsoft.com/office/drawing/2014/main" id="{A6400D01-7127-4CBE-8EC8-B06D1311C994}"/>
-              </a:ext>
-            </a:extLst>
-          </p:cNvPr>
-          <p:cNvPicPr>
-            <a:picLocks noChangeAspect="1"/>
-          </p:cNvPicPr>
-          <p:nvPr/>
-        </p:nvPicPr>
-        <p:blipFill>
-          <a:blip r:embed="rId3"/>
-          <a:stretch>
-            <a:fillRect/>
-          </a:stretch>
-        </p:blipFill>
-        <p:spPr>
-          <a:xfrm>
-            <a:off x="1835696" y="3621998"/>
-            <a:ext cx="4919240" cy="2441561"/>
-          </a:xfrm>
-          <a:prstGeom prst="rect">
-            <a:avLst/>
-          </a:prstGeom>
-        </p:spPr>
-      </p:pic>
-    </p:spTree>
-    <p:extLst>
-      <p:ext uri="{BB962C8B-B14F-4D97-AF65-F5344CB8AC3E}">
-        <p14:creationId xmlns:p14="http://schemas.microsoft.com/office/powerpoint/2010/main" val="2003339142"/>
-      </p:ext>
-    </p:extLst>
-  </p:cSld>
-  <p:clrMapOvr>
-    <a:masterClrMapping/>
-  </p:clrMapOvr>
-  <p:transition spd="slow">
-    <p:wipe/>
-  </p:transition>
-  <p:timing>
-    <p:tnLst>
-      <p:par>
-        <p:cTn id="1" dur="indefinite" restart="never" nodeType="tmRoot">
-          <p:childTnLst>
-            <p:seq concurrent="1" nextAc="seek">
-              <p:cTn id="2" dur="indefinite" nodeType="mainSeq">
-                <p:childTnLst>
-                  <p:par>
-                    <p:cTn id="3" fill="hold">
-                      <p:stCondLst>
-                        <p:cond delay="indefinite"/>
-                      </p:stCondLst>
-                      <p:childTnLst>
-                        <p:par>
-                          <p:cTn id="4" fill="hold">
-                            <p:stCondLst>
-                              <p:cond delay="0"/>
-                            </p:stCondLst>
-                            <p:childTnLst>
-                              <p:par>
-                                <p:cTn id="5" presetID="1" presetClass="entr" presetSubtype="0" fill="hold" grpId="0" nodeType="clickEffect">
-                                  <p:stCondLst>
-                                    <p:cond delay="0"/>
-                                  </p:stCondLst>
-                                  <p:childTnLst>
-                                    <p:set>
-                                      <p:cBhvr>
-                                        <p:cTn id="6" dur="1" fill="hold">
-                                          <p:stCondLst>
-                                            <p:cond delay="0"/>
-                                          </p:stCondLst>
-                                        </p:cTn>
-                                        <p:tgtEl>
-                                          <p:spTgt spid="8195">
-                                            <p:txEl>
-                                              <p:pRg st="0" end="0"/>
-                                            </p:txEl>
-                                          </p:spTgt>
-                                        </p:tgtEl>
-                                        <p:attrNameLst>
-                                          <p:attrName>style.visibility</p:attrName>
-                                        </p:attrNameLst>
-                                      </p:cBhvr>
-                                      <p:to>
-                                        <p:strVal val="visible"/>
-                                      </p:to>
-                                    </p:set>
-                                  </p:childTnLst>
-                                </p:cTn>
-                              </p:par>
-                            </p:childTnLst>
-                          </p:cTn>
-                        </p:par>
-                      </p:childTnLst>
-                    </p:cTn>
-                  </p:par>
-                  <p:par>
-                    <p:cTn id="7" fill="hold">
-                      <p:stCondLst>
-                        <p:cond delay="indefinite"/>
-                      </p:stCondLst>
-                      <p:childTnLst>
-                        <p:par>
-                          <p:cTn id="8" fill="hold">
-                            <p:stCondLst>
-                              <p:cond delay="0"/>
-                            </p:stCondLst>
-                            <p:childTnLst>
-                              <p:par>
-                                <p:cTn id="9" presetID="1" presetClass="entr" presetSubtype="0" fill="hold" grpId="0" nodeType="clickEffect">
-                                  <p:stCondLst>
-                                    <p:cond delay="0"/>
-                                  </p:stCondLst>
-                                  <p:childTnLst>
-                                    <p:set>
-                                      <p:cBhvr>
-                                        <p:cTn id="10" dur="1" fill="hold">
-                                          <p:stCondLst>
-                                            <p:cond delay="0"/>
-                                          </p:stCondLst>
-                                        </p:cTn>
-                                        <p:tgtEl>
-                                          <p:spTgt spid="8195">
-                                            <p:txEl>
-                                              <p:pRg st="1" end="1"/>
-                                            </p:txEl>
-                                          </p:spTgt>
-                                        </p:tgtEl>
-                                        <p:attrNameLst>
-                                          <p:attrName>style.visibility</p:attrName>
-                                        </p:attrNameLst>
-                                      </p:cBhvr>
-                                      <p:to>
-                                        <p:strVal val="visible"/>
-                                      </p:to>
-                                    </p:set>
-                                  </p:childTnLst>
-                                </p:cTn>
-                              </p:par>
-                            </p:childTnLst>
-                          </p:cTn>
-                        </p:par>
-                      </p:childTnLst>
-                    </p:cTn>
-                  </p:par>
-                  <p:par>
-                    <p:cTn id="11" fill="hold">
-                      <p:stCondLst>
-                        <p:cond delay="indefinite"/>
-                      </p:stCondLst>
-                      <p:childTnLst>
-                        <p:par>
-                          <p:cTn id="12" fill="hold">
-                            <p:stCondLst>
-                              <p:cond delay="0"/>
-                            </p:stCondLst>
-                            <p:childTnLst>
-                              <p:par>
-                                <p:cTn id="13" presetID="1" presetClass="entr" presetSubtype="0" fill="hold" grpId="0" nodeType="clickEffect">
-                                  <p:stCondLst>
-                                    <p:cond delay="0"/>
-                                  </p:stCondLst>
-                                  <p:childTnLst>
-                                    <p:set>
-                                      <p:cBhvr>
-                                        <p:cTn id="14" dur="1" fill="hold">
-                                          <p:stCondLst>
-                                            <p:cond delay="0"/>
-                                          </p:stCondLst>
-                                        </p:cTn>
-                                        <p:tgtEl>
-                                          <p:spTgt spid="8195">
-                                            <p:txEl>
-                                              <p:pRg st="2" end="2"/>
-                                            </p:txEl>
-                                          </p:spTgt>
-                                        </p:tgtEl>
-                                        <p:attrNameLst>
-                                          <p:attrName>style.visibility</p:attrName>
-                                        </p:attrNameLst>
-                                      </p:cBhvr>
-                                      <p:to>
-                                        <p:strVal val="visible"/>
-                                      </p:to>
-                                    </p:set>
-                                  </p:childTnLst>
-                                </p:cTn>
-                              </p:par>
-                            </p:childTnLst>
-                          </p:cTn>
-                        </p:par>
-                      </p:childTnLst>
-                    </p:cTn>
-                  </p:par>
-                </p:childTnLst>
-              </p:cTn>
-              <p:prevCondLst>
-                <p:cond evt="onPrev" delay="0">
-                  <p:tgtEl>
-                    <p:sldTgt/>
-                  </p:tgtEl>
-                </p:cond>
-              </p:prevCondLst>
-              <p:nextCondLst>
-                <p:cond evt="onNext" delay="0">
-                  <p:tgtEl>
-                    <p:sldTgt/>
-                  </p:tgtEl>
-                </p:cond>
-              </p:nextCondLst>
-            </p:seq>
-          </p:childTnLst>
-        </p:cTn>
-      </p:par>
-    </p:tnLst>
-    <p:bldLst>
-      <p:bldP spid="8195" grpId="0" build="p"/>
-    </p:bldLst>
-  </p:timing>
-</p:sld>
-</file>
-
-<file path=ppt/slides/slide13.xml><?xml version="1.0" encoding="utf-8"?>
-<p:sld xmlns:a="http://schemas.openxmlformats.org/drawingml/2006/main" xmlns:r="http://schemas.openxmlformats.org/officeDocument/2006/relationships" xmlns:p="http://schemas.openxmlformats.org/presentationml/2006/main">
-  <p:cSld>
-    <p:spTree>
-      <p:nvGrpSpPr>
-        <p:cNvPr id="1" name=""/>
-        <p:cNvGrpSpPr/>
-        <p:nvPr/>
-      </p:nvGrpSpPr>
-      <p:grpSpPr>
-        <a:xfrm>
-          <a:off x="0" y="0"/>
-          <a:ext cx="0" cy="0"/>
-          <a:chOff x="0" y="0"/>
-          <a:chExt cx="0" cy="0"/>
-        </a:xfrm>
-      </p:grpSpPr>
-      <p:sp>
-        <p:nvSpPr>
-          <p:cNvPr id="8195" name="Rectangle 6"/>
-          <p:cNvSpPr>
-            <a:spLocks noGrp="1" noChangeArrowheads="1"/>
-          </p:cNvSpPr>
-          <p:nvPr>
-            <p:ph idx="1"/>
-          </p:nvPr>
-        </p:nvSpPr>
-        <p:spPr>
-          <a:xfrm>
-            <a:off x="683568" y="1493259"/>
-            <a:ext cx="7776864" cy="1140312"/>
-          </a:xfrm>
-        </p:spPr>
-        <p:txBody>
-          <a:bodyPr wrap="square">
-            <a:spAutoFit/>
-          </a:bodyPr>
-          <a:lstStyle/>
-          <a:p>
-            <a:pPr marL="0" indent="0" algn="just">
-              <a:lnSpc>
-                <a:spcPts val="2600"/>
-              </a:lnSpc>
-              <a:spcBef>
-                <a:spcPts val="0"/>
-              </a:spcBef>
-              <a:buNone/>
-            </a:pPr>
-            <a:r>
-              <a:rPr lang="es-ES" sz="1600" b="1" dirty="0">
-                <a:solidFill>
-                  <a:schemeClr val="accent6">
-                    <a:lumMod val="75000"/>
-                  </a:schemeClr>
-                </a:solidFill>
-              </a:rPr>
-              <a:t>Puerto VoIP</a:t>
-            </a:r>
-          </a:p>
-          <a:p>
-            <a:pPr algn="just">
-              <a:lnSpc>
-                <a:spcPts val="2600"/>
-              </a:lnSpc>
-              <a:spcBef>
-                <a:spcPts val="0"/>
-              </a:spcBef>
-              <a:buFont typeface="Arial" panose="020B0604020202020204" pitchFamily="34" charset="0"/>
-              <a:buChar char="•"/>
-            </a:pPr>
-            <a:r>
-              <a:rPr lang="es-ES" sz="1600" b="1" dirty="0">
-                <a:solidFill>
-                  <a:schemeClr val="accent5">
-                    <a:lumMod val="75000"/>
-                  </a:schemeClr>
-                </a:solidFill>
-              </a:rPr>
-              <a:t>VoIP</a:t>
-            </a:r>
-            <a:r>
-              <a:rPr lang="es-ES" sz="1600" dirty="0"/>
-              <a:t> significa Voz sobre el protocolo de Internet. Se utiliza para realizar llamadas por Internet.</a:t>
-            </a:r>
-          </a:p>
-        </p:txBody>
-      </p:sp>
-      <p:sp>
-        <p:nvSpPr>
-          <p:cNvPr id="6" name="Rectangle 2">
-            <a:extLst>
-              <a:ext uri="{FF2B5EF4-FFF2-40B4-BE49-F238E27FC236}">
-                <a16:creationId xmlns:a16="http://schemas.microsoft.com/office/drawing/2014/main" id="{C2EE2F51-F651-41B2-9513-9FDF35897CA6}"/>
-              </a:ext>
-            </a:extLst>
-          </p:cNvPr>
-          <p:cNvSpPr txBox="1">
-            <a:spLocks noChangeArrowheads="1"/>
-          </p:cNvSpPr>
-          <p:nvPr/>
-        </p:nvSpPr>
-        <p:spPr>
-          <a:xfrm>
-            <a:off x="89756" y="0"/>
-            <a:ext cx="8964488" cy="1143000"/>
-          </a:xfrm>
-          <a:prstGeom prst="rect">
-            <a:avLst/>
-          </a:prstGeom>
-        </p:spPr>
-        <p:txBody>
-          <a:bodyPr vert="horz" lIns="92075" tIns="46038" rIns="92075" bIns="46038" rtlCol="0" anchor="ctr">
-            <a:noAutofit/>
-          </a:bodyPr>
-          <a:lstStyle>
-            <a:lvl1pPr algn="ctr" defTabSz="914400" rtl="0" eaLnBrk="1" latinLnBrk="0" hangingPunct="1">
-              <a:spcBef>
-                <a:spcPct val="0"/>
-              </a:spcBef>
-              <a:buNone/>
-              <a:defRPr sz="4400" kern="1200">
-                <a:solidFill>
-                  <a:schemeClr val="tx1"/>
-                </a:solidFill>
-                <a:latin typeface="+mj-lt"/>
-                <a:ea typeface="+mj-ea"/>
-                <a:cs typeface="+mj-cs"/>
-              </a:defRPr>
-            </a:lvl1pPr>
-          </a:lstStyle>
-          <a:p>
-            <a:pPr>
-              <a:defRPr/>
-            </a:pPr>
-            <a:r>
-              <a:rPr lang="es-ES_tradnl" sz="3200" dirty="0">
-                <a:solidFill>
-                  <a:srgbClr val="3333CC"/>
-                </a:solidFill>
-                <a:effectLst>
-                  <a:outerShdw blurRad="38100" dist="38100" dir="2700000" algn="tl">
-                    <a:srgbClr val="C0C0C0"/>
-                  </a:outerShdw>
-                </a:effectLst>
-                <a:latin typeface="Dom Casual" charset="0"/>
-              </a:rPr>
-              <a:t> </a:t>
-            </a:r>
-            <a:r>
-              <a:rPr lang="es-ES_tradnl" sz="3200" b="1" dirty="0">
-                <a:solidFill>
-                  <a:schemeClr val="accent4">
-                    <a:lumMod val="50000"/>
-                  </a:schemeClr>
-                </a:solidFill>
-                <a:effectLst>
-                  <a:outerShdw blurRad="38100" dist="38100" dir="2700000" algn="tl">
-                    <a:srgbClr val="C0C0C0"/>
-                  </a:outerShdw>
-                </a:effectLst>
-                <a:latin typeface="Dom Casual" charset="0"/>
-              </a:rPr>
-              <a:t>Ruteador</a:t>
-            </a:r>
-          </a:p>
-        </p:txBody>
-      </p:sp>
-      <p:pic>
-        <p:nvPicPr>
-          <p:cNvPr id="3" name="Imagen 2" descr="Diagrama&#10;&#10;Descripción generada automáticamente">
-            <a:extLst>
-              <a:ext uri="{FF2B5EF4-FFF2-40B4-BE49-F238E27FC236}">
-                <a16:creationId xmlns:a16="http://schemas.microsoft.com/office/drawing/2014/main" id="{FF6C6927-7280-4DAC-BB54-719630EF58C7}"/>
-              </a:ext>
-            </a:extLst>
-          </p:cNvPr>
-          <p:cNvPicPr>
-            <a:picLocks noChangeAspect="1"/>
-          </p:cNvPicPr>
-          <p:nvPr/>
-        </p:nvPicPr>
-        <p:blipFill>
-          <a:blip r:embed="rId3">
-            <a:extLst>
-              <a:ext uri="{28A0092B-C50C-407E-A947-70E740481C1C}">
-                <a14:useLocalDpi xmlns:a14="http://schemas.microsoft.com/office/drawing/2010/main" val="0"/>
-              </a:ext>
-            </a:extLst>
-          </a:blip>
-          <a:stretch>
-            <a:fillRect/>
-          </a:stretch>
-        </p:blipFill>
-        <p:spPr>
-          <a:xfrm>
-            <a:off x="2609279" y="2636912"/>
-            <a:ext cx="3781425" cy="2219325"/>
-          </a:xfrm>
-          <a:prstGeom prst="rect">
-            <a:avLst/>
-          </a:prstGeom>
-        </p:spPr>
-      </p:pic>
-    </p:spTree>
-    <p:extLst>
-      <p:ext uri="{BB962C8B-B14F-4D97-AF65-F5344CB8AC3E}">
-        <p14:creationId xmlns:p14="http://schemas.microsoft.com/office/powerpoint/2010/main" val="3190977381"/>
-      </p:ext>
-    </p:extLst>
-  </p:cSld>
-  <p:clrMapOvr>
-    <a:masterClrMapping/>
-  </p:clrMapOvr>
-  <p:transition spd="slow">
-    <p:wipe/>
-  </p:transition>
-  <p:timing>
-    <p:tnLst>
-      <p:par>
-        <p:cTn id="1" dur="indefinite" restart="never" nodeType="tmRoot">
-          <p:childTnLst>
-            <p:seq concurrent="1" nextAc="seek">
-              <p:cTn id="2" dur="indefinite" nodeType="mainSeq">
-                <p:childTnLst>
-                  <p:par>
-                    <p:cTn id="3" fill="hold">
-                      <p:stCondLst>
-                        <p:cond delay="indefinite"/>
-                      </p:stCondLst>
-                      <p:childTnLst>
-                        <p:par>
-                          <p:cTn id="4" fill="hold">
-                            <p:stCondLst>
-                              <p:cond delay="0"/>
-                            </p:stCondLst>
-                            <p:childTnLst>
-                              <p:par>
-                                <p:cTn id="5" presetID="1" presetClass="entr" presetSubtype="0" fill="hold" grpId="0" nodeType="clickEffect">
-                                  <p:stCondLst>
-                                    <p:cond delay="0"/>
-                                  </p:stCondLst>
-                                  <p:childTnLst>
-                                    <p:set>
-                                      <p:cBhvr>
-                                        <p:cTn id="6" dur="1" fill="hold">
-                                          <p:stCondLst>
-                                            <p:cond delay="0"/>
-                                          </p:stCondLst>
-                                        </p:cTn>
-                                        <p:tgtEl>
-                                          <p:spTgt spid="8195">
-                                            <p:txEl>
-                                              <p:pRg st="0" end="0"/>
-                                            </p:txEl>
-                                          </p:spTgt>
-                                        </p:tgtEl>
-                                        <p:attrNameLst>
-                                          <p:attrName>style.visibility</p:attrName>
-                                        </p:attrNameLst>
-                                      </p:cBhvr>
-                                      <p:to>
-                                        <p:strVal val="visible"/>
-                                      </p:to>
-                                    </p:set>
-                                  </p:childTnLst>
-                                </p:cTn>
-                              </p:par>
-                            </p:childTnLst>
-                          </p:cTn>
-                        </p:par>
-                      </p:childTnLst>
-                    </p:cTn>
-                  </p:par>
-                  <p:par>
-                    <p:cTn id="7" fill="hold">
-                      <p:stCondLst>
-                        <p:cond delay="indefinite"/>
-                      </p:stCondLst>
-                      <p:childTnLst>
-                        <p:par>
-                          <p:cTn id="8" fill="hold">
-                            <p:stCondLst>
-                              <p:cond delay="0"/>
-                            </p:stCondLst>
-                            <p:childTnLst>
-                              <p:par>
-                                <p:cTn id="9" presetID="1" presetClass="entr" presetSubtype="0" fill="hold" grpId="0" nodeType="clickEffect">
-                                  <p:stCondLst>
-                                    <p:cond delay="0"/>
-                                  </p:stCondLst>
-                                  <p:childTnLst>
-                                    <p:set>
-                                      <p:cBhvr>
-                                        <p:cTn id="10" dur="1" fill="hold">
-                                          <p:stCondLst>
-                                            <p:cond delay="0"/>
-                                          </p:stCondLst>
-                                        </p:cTn>
-                                        <p:tgtEl>
-                                          <p:spTgt spid="8195">
-                                            <p:txEl>
-                                              <p:pRg st="1" end="1"/>
-                                            </p:txEl>
-                                          </p:spTgt>
-                                        </p:tgtEl>
-                                        <p:attrNameLst>
-                                          <p:attrName>style.visibility</p:attrName>
-                                        </p:attrNameLst>
-                                      </p:cBhvr>
-                                      <p:to>
-                                        <p:strVal val="visible"/>
-                                      </p:to>
-                                    </p:set>
-                                  </p:childTnLst>
-                                </p:cTn>
-                              </p:par>
-                            </p:childTnLst>
-                          </p:cTn>
-                        </p:par>
-                      </p:childTnLst>
-                    </p:cTn>
-                  </p:par>
-                </p:childTnLst>
-              </p:cTn>
-              <p:prevCondLst>
-                <p:cond evt="onPrev" delay="0">
-                  <p:tgtEl>
-                    <p:sldTgt/>
-                  </p:tgtEl>
-                </p:cond>
-              </p:prevCondLst>
-              <p:nextCondLst>
-                <p:cond evt="onNext" delay="0">
-                  <p:tgtEl>
-                    <p:sldTgt/>
-                  </p:tgtEl>
-                </p:cond>
-              </p:nextCondLst>
-            </p:seq>
-          </p:childTnLst>
-        </p:cTn>
-      </p:par>
-    </p:tnLst>
-    <p:bldLst>
-      <p:bldP spid="8195" grpId="0" build="p"/>
-    </p:bldLst>
-  </p:timing>
-</p:sld>
-</file>
-
-<file path=ppt/slides/slide14.xml><?xml version="1.0" encoding="utf-8"?>
+<file path=ppt/slides/slide11.xml><?xml version="1.0" encoding="utf-8"?>
 <p:sld xmlns:a="http://schemas.openxmlformats.org/drawingml/2006/main" xmlns:r="http://schemas.openxmlformats.org/officeDocument/2006/relationships" xmlns:p="http://schemas.openxmlformats.org/presentationml/2006/main">
   <p:cSld>
     <p:spTree>
@@ -7804,24 +5526,12 @@
               <a:t>El </a:t>
             </a:r>
             <a:r>
-              <a:rPr lang="es-ES" sz="1600" b="1" dirty="0" err="1"/>
-              <a:t>Wi</a:t>
-            </a:r>
-            <a:r>
               <a:rPr lang="es-ES" sz="1600" b="1" dirty="0"/>
-              <a:t>-Fi</a:t>
+              <a:t>Wi-Fi</a:t>
             </a:r>
             <a:r>
               <a:rPr lang="es-ES" sz="1600" dirty="0"/>
-              <a:t> de nuestro </a:t>
-            </a:r>
-            <a:r>
-              <a:rPr lang="es-ES" sz="1600" dirty="0" err="1"/>
-              <a:t>router</a:t>
-            </a:r>
-            <a:r>
-              <a:rPr lang="es-ES" sz="1600" dirty="0"/>
-              <a:t> inalámbrico se denomina como </a:t>
+              <a:t> de nuestro router inalámbrico se denomina como </a:t>
             </a:r>
             <a:r>
               <a:rPr lang="es-ES" sz="1600" b="1" dirty="0"/>
@@ -7917,15 +5627,7 @@
             </a:r>
             <a:r>
               <a:rPr lang="es-ES" sz="1600" dirty="0"/>
-              <a:t> utilizamos el aire como medio de transmisión, es decir, hacemos uso de la tecnología </a:t>
-            </a:r>
-            <a:r>
-              <a:rPr lang="es-ES" sz="1600" dirty="0" err="1"/>
-              <a:t>Wi</a:t>
-            </a:r>
-            <a:r>
-              <a:rPr lang="es-ES" sz="1600" dirty="0"/>
-              <a:t>-Fi. </a:t>
+              <a:t> utilizamos el aire como medio de transmisión, es decir, hacemos uso de la tecnología Wi-Fi. </a:t>
             </a:r>
           </a:p>
         </p:txBody>
@@ -8298,7 +6000,7 @@
 </p:sld>
 </file>
 
-<file path=ppt/slides/slide15.xml><?xml version="1.0" encoding="utf-8"?>
+<file path=ppt/slides/slide12.xml><?xml version="1.0" encoding="utf-8"?>
 <p:sld xmlns:a="http://schemas.openxmlformats.org/drawingml/2006/main" xmlns:r="http://schemas.openxmlformats.org/officeDocument/2006/relationships" xmlns:p="http://schemas.openxmlformats.org/presentationml/2006/main">
   <p:cSld>
     <p:spTree>
@@ -8822,51 +6524,7 @@
                 </a:solidFill>
                 <a:latin typeface="+mn-lt"/>
               </a:rPr>
-              <a:t>(computadora, </a:t>
-            </a:r>
-            <a:r>
-              <a:rPr lang="es-MX" dirty="0" err="1">
-                <a:solidFill>
-                  <a:schemeClr val="bg2">
-                    <a:lumMod val="25000"/>
-                  </a:schemeClr>
-                </a:solidFill>
-                <a:latin typeface="+mn-lt"/>
-              </a:rPr>
-              <a:t>tablet</a:t>
-            </a:r>
-            <a:r>
-              <a:rPr lang="es-MX" dirty="0">
-                <a:solidFill>
-                  <a:schemeClr val="bg2">
-                    <a:lumMod val="25000"/>
-                  </a:schemeClr>
-                </a:solidFill>
-                <a:latin typeface="+mn-lt"/>
-              </a:rPr>
-              <a:t>, </a:t>
-            </a:r>
-            <a:r>
-              <a:rPr lang="es-MX" dirty="0" err="1">
-                <a:solidFill>
-                  <a:schemeClr val="bg2">
-                    <a:lumMod val="25000"/>
-                  </a:schemeClr>
-                </a:solidFill>
-                <a:latin typeface="+mn-lt"/>
-              </a:rPr>
-              <a:t>smartphone</a:t>
-            </a:r>
-            <a:r>
-              <a:rPr lang="es-MX" dirty="0">
-                <a:solidFill>
-                  <a:schemeClr val="bg2">
-                    <a:lumMod val="25000"/>
-                  </a:schemeClr>
-                </a:solidFill>
-                <a:latin typeface="+mn-lt"/>
-              </a:rPr>
-              <a:t>) </a:t>
+              <a:t>(computadora, tablet, smartphone) </a:t>
             </a:r>
             <a:r>
               <a:rPr lang="es-MX" b="1" dirty="0">
@@ -9248,7 +6906,7 @@
 </p:sld>
 </file>
 
-<file path=ppt/slides/slide16.xml><?xml version="1.0" encoding="utf-8"?>
+<file path=ppt/slides/slide13.xml><?xml version="1.0" encoding="utf-8"?>
 <p:sld xmlns:a="http://schemas.openxmlformats.org/drawingml/2006/main" xmlns:r="http://schemas.openxmlformats.org/officeDocument/2006/relationships" xmlns:p="http://schemas.openxmlformats.org/presentationml/2006/main">
   <p:cSld>
     <p:spTree>
@@ -9307,7 +6965,7 @@
               <a:defRPr/>
             </a:pPr>
             <a:r>
-              <a:rPr lang="es-ES_tradnl" sz="3200" b="1" dirty="0" err="1">
+              <a:rPr lang="es-ES_tradnl" sz="3200" b="1" dirty="0">
                 <a:solidFill>
                   <a:schemeClr val="accent4">
                     <a:lumMod val="50000"/>
@@ -9320,53 +6978,8 @@
                 </a:effectLst>
                 <a:latin typeface="Dom Casual" charset="0"/>
               </a:rPr>
-              <a:t>Router</a:t>
-            </a:r>
-            <a:r>
-              <a:rPr lang="es-ES_tradnl" sz="3200" b="1" dirty="0">
-                <a:solidFill>
-                  <a:schemeClr val="accent4">
-                    <a:lumMod val="50000"/>
-                  </a:schemeClr>
-                </a:solidFill>
-                <a:effectLst>
-                  <a:outerShdw blurRad="38100" dist="38100" dir="2700000" algn="tl">
-                    <a:srgbClr val="C0C0C0"/>
-                  </a:outerShdw>
-                </a:effectLst>
-                <a:latin typeface="Dom Casual" charset="0"/>
-              </a:rPr>
-              <a:t> vs Access </a:t>
-            </a:r>
-            <a:r>
-              <a:rPr lang="es-ES_tradnl" sz="3200" b="1" dirty="0" err="1">
-                <a:solidFill>
-                  <a:schemeClr val="accent4">
-                    <a:lumMod val="50000"/>
-                  </a:schemeClr>
-                </a:solidFill>
-                <a:effectLst>
-                  <a:outerShdw blurRad="38100" dist="38100" dir="2700000" algn="tl">
-                    <a:srgbClr val="C0C0C0"/>
-                  </a:outerShdw>
-                </a:effectLst>
-                <a:latin typeface="Dom Casual" charset="0"/>
-              </a:rPr>
-              <a:t>point</a:t>
-            </a:r>
-            <a:endParaRPr lang="es-ES_tradnl" sz="3200" b="1" dirty="0">
-              <a:solidFill>
-                <a:schemeClr val="accent4">
-                  <a:lumMod val="50000"/>
-                </a:schemeClr>
-              </a:solidFill>
-              <a:effectLst>
-                <a:outerShdw blurRad="38100" dist="38100" dir="2700000" algn="tl">
-                  <a:srgbClr val="C0C0C0"/>
-                </a:outerShdw>
-              </a:effectLst>
-              <a:latin typeface="Dom Casual" charset="0"/>
-            </a:endParaRPr>
+              <a:t>Router vs Access point</a:t>
+            </a:r>
           </a:p>
         </p:txBody>
       </p:sp>
@@ -9563,7 +7176,7 @@
               <a:t>Un </a:t>
             </a:r>
             <a:r>
-              <a:rPr lang="es-MX" sz="1600" b="1" dirty="0" err="1">
+              <a:rPr lang="es-MX" sz="1600" b="1" dirty="0">
                 <a:solidFill>
                   <a:schemeClr val="accent6">
                     <a:lumMod val="75000"/>
@@ -9571,29 +7184,7 @@
                 </a:solidFill>
                 <a:latin typeface="+mn-lt"/>
               </a:rPr>
-              <a:t>access</a:t>
-            </a:r>
-            <a:r>
-              <a:rPr lang="es-MX" sz="1600" b="1" dirty="0">
-                <a:solidFill>
-                  <a:schemeClr val="accent6">
-                    <a:lumMod val="75000"/>
-                  </a:schemeClr>
-                </a:solidFill>
-                <a:latin typeface="+mn-lt"/>
-              </a:rPr>
-              <a:t> </a:t>
-            </a:r>
-            <a:r>
-              <a:rPr lang="es-MX" sz="1600" b="1" dirty="0" err="1">
-                <a:solidFill>
-                  <a:schemeClr val="accent6">
-                    <a:lumMod val="75000"/>
-                  </a:schemeClr>
-                </a:solidFill>
-                <a:latin typeface="+mn-lt"/>
-              </a:rPr>
-              <a:t>point</a:t>
+              <a:t>access point</a:t>
             </a:r>
             <a:r>
               <a:rPr lang="es-MX" sz="1600" dirty="0">
@@ -9783,7 +7374,7 @@
               <a:t>Un </a:t>
             </a:r>
             <a:r>
-              <a:rPr lang="es-MX" sz="1600" b="1" dirty="0" err="1">
+              <a:rPr lang="es-MX" sz="1600" b="1" dirty="0">
                 <a:solidFill>
                   <a:schemeClr val="accent6">
                     <a:lumMod val="75000"/>
@@ -9853,7 +7444,7 @@
           </a:bodyPr>
           <a:lstStyle/>
           <a:p>
-            <a:endParaRPr lang="es-MX"/>
+            <a:endParaRPr lang="es-MX" dirty="0"/>
           </a:p>
         </p:txBody>
       </p:sp>
@@ -10039,7 +7630,7 @@
 </p:sld>
 </file>
 
-<file path=ppt/slides/slide17.xml><?xml version="1.0" encoding="utf-8"?>
+<file path=ppt/slides/slide14.xml><?xml version="1.0" encoding="utf-8"?>
 <p:sld xmlns:a="http://schemas.openxmlformats.org/drawingml/2006/main" xmlns:r="http://schemas.openxmlformats.org/officeDocument/2006/relationships" xmlns:p="http://schemas.openxmlformats.org/presentationml/2006/main">
   <p:cSld>
     <p:spTree>
@@ -10262,117 +7853,7 @@
                 </a:solidFill>
                 <a:latin typeface="+mn-lt"/>
               </a:rPr>
-              <a:t> conecta a clientes inalámbricos a una red cableada. Tiene un conector RJ-45 en el que se conecta "la red cableada" y los clientes (laptops, </a:t>
-            </a:r>
-            <a:r>
-              <a:rPr lang="es-MX" sz="1600" dirty="0" err="1">
-                <a:solidFill>
-                  <a:schemeClr val="bg2">
-                    <a:lumMod val="25000"/>
-                  </a:schemeClr>
-                </a:solidFill>
-                <a:latin typeface="+mn-lt"/>
-              </a:rPr>
-              <a:t>pdas</a:t>
-            </a:r>
-            <a:r>
-              <a:rPr lang="es-MX" sz="1600" dirty="0">
-                <a:solidFill>
-                  <a:schemeClr val="bg2">
-                    <a:lumMod val="25000"/>
-                  </a:schemeClr>
-                </a:solidFill>
-                <a:latin typeface="+mn-lt"/>
-              </a:rPr>
-              <a:t>, </a:t>
-            </a:r>
-            <a:r>
-              <a:rPr lang="es-MX" sz="1600" dirty="0" err="1">
-                <a:solidFill>
-                  <a:schemeClr val="bg2">
-                    <a:lumMod val="25000"/>
-                  </a:schemeClr>
-                </a:solidFill>
-                <a:latin typeface="+mn-lt"/>
-              </a:rPr>
-              <a:t>pcs</a:t>
-            </a:r>
-            <a:r>
-              <a:rPr lang="es-MX" sz="1600" dirty="0">
-                <a:solidFill>
-                  <a:schemeClr val="bg2">
-                    <a:lumMod val="25000"/>
-                  </a:schemeClr>
-                </a:solidFill>
-                <a:latin typeface="+mn-lt"/>
-              </a:rPr>
-              <a:t>, </a:t>
-            </a:r>
-            <a:r>
-              <a:rPr lang="es-MX" sz="1600" dirty="0" err="1">
-                <a:solidFill>
-                  <a:schemeClr val="bg2">
-                    <a:lumMod val="25000"/>
-                  </a:schemeClr>
-                </a:solidFill>
-                <a:latin typeface="+mn-lt"/>
-              </a:rPr>
-              <a:t>etc</a:t>
-            </a:r>
-            <a:r>
-              <a:rPr lang="es-MX" sz="1600" dirty="0">
-                <a:solidFill>
-                  <a:schemeClr val="bg2">
-                    <a:lumMod val="25000"/>
-                  </a:schemeClr>
-                </a:solidFill>
-                <a:latin typeface="+mn-lt"/>
-              </a:rPr>
-              <a:t>) se conectan a la red por medio del </a:t>
-            </a:r>
-            <a:r>
-              <a:rPr lang="es-MX" sz="1600" dirty="0" err="1">
-                <a:solidFill>
-                  <a:schemeClr val="bg2">
-                    <a:lumMod val="25000"/>
-                  </a:schemeClr>
-                </a:solidFill>
-                <a:latin typeface="+mn-lt"/>
-              </a:rPr>
-              <a:t>access</a:t>
-            </a:r>
-            <a:r>
-              <a:rPr lang="es-MX" sz="1600" dirty="0">
-                <a:solidFill>
-                  <a:schemeClr val="bg2">
-                    <a:lumMod val="25000"/>
-                  </a:schemeClr>
-                </a:solidFill>
-                <a:latin typeface="+mn-lt"/>
-              </a:rPr>
-              <a:t> </a:t>
-            </a:r>
-            <a:r>
-              <a:rPr lang="es-MX" sz="1600" dirty="0" err="1">
-                <a:solidFill>
-                  <a:schemeClr val="bg2">
-                    <a:lumMod val="25000"/>
-                  </a:schemeClr>
-                </a:solidFill>
-                <a:latin typeface="+mn-lt"/>
-              </a:rPr>
-              <a:t>point</a:t>
-            </a:r>
-            <a:r>
-              <a:rPr lang="es-MX" sz="1600" dirty="0">
-                <a:solidFill>
-                  <a:schemeClr val="bg2">
-                    <a:lumMod val="25000"/>
-                  </a:schemeClr>
-                </a:solidFill>
-                <a:latin typeface="+mn-lt"/>
-              </a:rPr>
-              <a:t>.</a:t>
+              <a:t> conecta a clientes inalámbricos a una red cableada. Tiene un conector RJ-45 en el que se conecta "la red cableada" y los clientes (laptops, pdas, pcs, etc) se conectan a la red por medio del access point.</a:t>
             </a:r>
           </a:p>
         </p:txBody>
@@ -10540,7 +8021,7 @@
               <a:t>Un </a:t>
             </a:r>
             <a:r>
-              <a:rPr lang="es-MX" sz="1600" b="1" dirty="0" err="1">
+              <a:rPr lang="es-MX" sz="1600" b="1" dirty="0">
                 <a:solidFill>
                   <a:schemeClr val="accent6">
                     <a:lumMod val="75000"/>
@@ -10548,18 +8029,7 @@
                 </a:solidFill>
                 <a:latin typeface="+mn-lt"/>
               </a:rPr>
-              <a:t>Router</a:t>
-            </a:r>
-            <a:r>
-              <a:rPr lang="es-MX" sz="1600" b="1" dirty="0">
-                <a:solidFill>
-                  <a:schemeClr val="accent6">
-                    <a:lumMod val="75000"/>
-                  </a:schemeClr>
-                </a:solidFill>
-                <a:latin typeface="+mn-lt"/>
-              </a:rPr>
-              <a:t> inalámbrico</a:t>
+              <a:t>Router inalámbrico</a:t>
             </a:r>
             <a:r>
               <a:rPr lang="es-MX" sz="1600" b="1" dirty="0">
@@ -10606,7 +8076,7 @@
               <a:t>y un </a:t>
             </a:r>
             <a:r>
-              <a:rPr lang="es-MX" altLang="es-MX" sz="1600" b="1" dirty="0" err="1">
+              <a:rPr lang="es-MX" altLang="es-MX" sz="1600" b="1" dirty="0">
                 <a:solidFill>
                   <a:schemeClr val="bg2">
                     <a:lumMod val="25000"/>
@@ -10673,7 +8143,7 @@
           </a:bodyPr>
           <a:lstStyle/>
           <a:p>
-            <a:endParaRPr lang="es-MX"/>
+            <a:endParaRPr lang="es-MX" dirty="0"/>
           </a:p>
         </p:txBody>
       </p:sp>
@@ -10719,7 +8189,7 @@
               <a:defRPr/>
             </a:pPr>
             <a:r>
-              <a:rPr lang="es-ES_tradnl" sz="3200" b="1" dirty="0" err="1">
+              <a:rPr lang="es-ES_tradnl" sz="3200" b="1" dirty="0">
                 <a:solidFill>
                   <a:schemeClr val="accent4">
                     <a:lumMod val="50000"/>
@@ -10732,53 +8202,8 @@
                 </a:effectLst>
                 <a:latin typeface="Dom Casual" charset="0"/>
               </a:rPr>
-              <a:t>Router</a:t>
-            </a:r>
-            <a:r>
-              <a:rPr lang="es-ES_tradnl" sz="3200" b="1" dirty="0">
-                <a:solidFill>
-                  <a:schemeClr val="accent4">
-                    <a:lumMod val="50000"/>
-                  </a:schemeClr>
-                </a:solidFill>
-                <a:effectLst>
-                  <a:outerShdw blurRad="38100" dist="38100" dir="2700000" algn="tl">
-                    <a:srgbClr val="C0C0C0"/>
-                  </a:outerShdw>
-                </a:effectLst>
-                <a:latin typeface="Dom Casual" charset="0"/>
-              </a:rPr>
-              <a:t> inalámbrico vs Access </a:t>
-            </a:r>
-            <a:r>
-              <a:rPr lang="es-ES_tradnl" sz="3200" b="1" dirty="0" err="1">
-                <a:solidFill>
-                  <a:schemeClr val="accent4">
-                    <a:lumMod val="50000"/>
-                  </a:schemeClr>
-                </a:solidFill>
-                <a:effectLst>
-                  <a:outerShdw blurRad="38100" dist="38100" dir="2700000" algn="tl">
-                    <a:srgbClr val="C0C0C0"/>
-                  </a:outerShdw>
-                </a:effectLst>
-                <a:latin typeface="Dom Casual" charset="0"/>
-              </a:rPr>
-              <a:t>point</a:t>
-            </a:r>
-            <a:endParaRPr lang="es-ES_tradnl" sz="3200" b="1" dirty="0">
-              <a:solidFill>
-                <a:schemeClr val="accent4">
-                  <a:lumMod val="50000"/>
-                </a:schemeClr>
-              </a:solidFill>
-              <a:effectLst>
-                <a:outerShdw blurRad="38100" dist="38100" dir="2700000" algn="tl">
-                  <a:srgbClr val="C0C0C0"/>
-                </a:outerShdw>
-              </a:effectLst>
-              <a:latin typeface="Dom Casual" charset="0"/>
-            </a:endParaRPr>
+              <a:t>Router inalámbrico vs Access point</a:t>
+            </a:r>
           </a:p>
         </p:txBody>
       </p:sp>
@@ -10945,7 +8370,7 @@
               <a:t>Un </a:t>
             </a:r>
             <a:r>
-              <a:rPr lang="es-MX" altLang="es-MX" sz="1600" b="1" dirty="0" err="1">
+              <a:rPr lang="es-MX" altLang="es-MX" sz="1600" b="1" dirty="0">
                 <a:solidFill>
                   <a:schemeClr val="accent6">
                     <a:lumMod val="75000"/>
@@ -10967,7 +8392,7 @@
               <a:t> puede transferir datos de forma inalámbrica o por cable. Un </a:t>
             </a:r>
             <a:r>
-              <a:rPr lang="es-MX" altLang="es-MX" sz="1600" b="1" dirty="0" err="1">
+              <a:rPr lang="es-MX" altLang="es-MX" sz="1600" b="1" dirty="0">
                 <a:solidFill>
                   <a:schemeClr val="accent6">
                     <a:lumMod val="75000"/>
@@ -10975,7 +8400,18 @@
                 </a:solidFill>
                 <a:latin typeface="+mn-lt"/>
               </a:rPr>
-              <a:t>ruteador</a:t>
+              <a:t>ruteador </a:t>
+            </a:r>
+            <a:r>
+              <a:rPr lang="es-MX" altLang="es-MX" sz="1600" dirty="0">
+                <a:solidFill>
+                  <a:schemeClr val="bg2">
+                    <a:lumMod val="25000"/>
+                  </a:schemeClr>
+                </a:solidFill>
+                <a:latin typeface="+mn-lt"/>
+              </a:rPr>
+              <a:t>puede ser un </a:t>
             </a:r>
             <a:r>
               <a:rPr lang="es-MX" altLang="es-MX" sz="1600" b="1" dirty="0">
@@ -10986,7 +8422,7 @@
                 </a:solidFill>
                 <a:latin typeface="+mn-lt"/>
               </a:rPr>
-              <a:t> </a:t>
+              <a:t>access Point</a:t>
             </a:r>
             <a:r>
               <a:rPr lang="es-MX" altLang="es-MX" sz="1600" dirty="0">
@@ -10997,10 +8433,10 @@
                 </a:solidFill>
                 <a:latin typeface="+mn-lt"/>
               </a:rPr>
-              <a:t>puede ser un </a:t>
-            </a:r>
-            <a:r>
-              <a:rPr lang="es-MX" altLang="es-MX" sz="1600" b="1" dirty="0" err="1">
+              <a:t>, pero un </a:t>
+            </a:r>
+            <a:r>
+              <a:rPr lang="es-MX" altLang="es-MX" sz="1600" b="1" dirty="0">
                 <a:solidFill>
                   <a:schemeClr val="accent6">
                     <a:lumMod val="75000"/>
@@ -11008,18 +8444,7 @@
                 </a:solidFill>
                 <a:latin typeface="+mn-lt"/>
               </a:rPr>
-              <a:t>access</a:t>
-            </a:r>
-            <a:r>
-              <a:rPr lang="es-MX" altLang="es-MX" sz="1600" b="1" dirty="0">
-                <a:solidFill>
-                  <a:schemeClr val="accent6">
-                    <a:lumMod val="75000"/>
-                  </a:schemeClr>
-                </a:solidFill>
-                <a:latin typeface="+mn-lt"/>
-              </a:rPr>
-              <a:t> Point</a:t>
+              <a:t>access Point </a:t>
             </a:r>
             <a:r>
               <a:rPr lang="es-MX" altLang="es-MX" sz="1600" dirty="0">
@@ -11030,43 +8455,10 @@
                 </a:solidFill>
                 <a:latin typeface="+mn-lt"/>
               </a:rPr>
-              <a:t>, pero un </a:t>
-            </a:r>
-            <a:r>
-              <a:rPr lang="es-MX" altLang="es-MX" sz="1600" b="1" dirty="0" err="1">
-                <a:solidFill>
-                  <a:schemeClr val="accent6">
-                    <a:lumMod val="75000"/>
-                  </a:schemeClr>
-                </a:solidFill>
-                <a:latin typeface="+mn-lt"/>
-              </a:rPr>
-              <a:t>access</a:t>
+              <a:t>no puede ser un </a:t>
             </a:r>
             <a:r>
               <a:rPr lang="es-MX" altLang="es-MX" sz="1600" b="1" dirty="0">
-                <a:solidFill>
-                  <a:schemeClr val="accent6">
-                    <a:lumMod val="75000"/>
-                  </a:schemeClr>
-                </a:solidFill>
-                <a:latin typeface="+mn-lt"/>
-              </a:rPr>
-              <a:t> Point </a:t>
-            </a:r>
-            <a:r>
-              <a:rPr lang="es-MX" altLang="es-MX" sz="1600" dirty="0">
-                <a:solidFill>
-                  <a:schemeClr val="bg2">
-                    <a:lumMod val="25000"/>
-                  </a:schemeClr>
-                </a:solidFill>
-                <a:latin typeface="+mn-lt"/>
-              </a:rPr>
-              <a:t>no puede ser un </a:t>
-            </a:r>
-            <a:r>
-              <a:rPr lang="es-MX" altLang="es-MX" sz="1600" b="1" dirty="0" err="1">
                 <a:solidFill>
                   <a:schemeClr val="accent6">
                     <a:lumMod val="75000"/>
@@ -11143,7 +8535,7 @@
           <a:lstStyle/>
           <a:p>
             <a:pPr algn="ctr"/>
-            <a:endParaRPr lang="es-MX"/>
+            <a:endParaRPr lang="es-MX" dirty="0"/>
           </a:p>
         </p:txBody>
       </p:sp>
@@ -11421,7 +8813,7 @@
 </p:sld>
 </file>
 
-<file path=ppt/slides/slide18.xml><?xml version="1.0" encoding="utf-8"?>
+<file path=ppt/slides/slide15.xml><?xml version="1.0" encoding="utf-8"?>
 <p:sld xmlns:a="http://schemas.openxmlformats.org/drawingml/2006/main" xmlns:r="http://schemas.openxmlformats.org/officeDocument/2006/relationships" xmlns:p="http://schemas.openxmlformats.org/presentationml/2006/main">
   <p:cSld>
     <p:spTree>
@@ -11922,7 +9314,7 @@
 </p:sld>
 </file>
 
-<file path=ppt/slides/slide19.xml><?xml version="1.0" encoding="utf-8"?>
+<file path=ppt/slides/slide16.xml><?xml version="1.0" encoding="utf-8"?>
 <p:sld xmlns:a="http://schemas.openxmlformats.org/drawingml/2006/main" xmlns:r="http://schemas.openxmlformats.org/officeDocument/2006/relationships" xmlns:p="http://schemas.openxmlformats.org/presentationml/2006/main">
   <p:cSld>
     <p:spTree>
@@ -12594,777 +9986,7 @@
 </p:sld>
 </file>
 
-<file path=ppt/slides/slide2.xml><?xml version="1.0" encoding="utf-8"?>
-<p:sld xmlns:a="http://schemas.openxmlformats.org/drawingml/2006/main" xmlns:r="http://schemas.openxmlformats.org/officeDocument/2006/relationships" xmlns:p="http://schemas.openxmlformats.org/presentationml/2006/main">
-  <p:cSld>
-    <p:spTree>
-      <p:nvGrpSpPr>
-        <p:cNvPr id="1" name=""/>
-        <p:cNvGrpSpPr/>
-        <p:nvPr/>
-      </p:nvGrpSpPr>
-      <p:grpSpPr>
-        <a:xfrm>
-          <a:off x="0" y="0"/>
-          <a:ext cx="0" cy="0"/>
-          <a:chOff x="0" y="0"/>
-          <a:chExt cx="0" cy="0"/>
-        </a:xfrm>
-      </p:grpSpPr>
-      <p:pic>
-        <p:nvPicPr>
-          <p:cNvPr id="2" name="Imagen 1"/>
-          <p:cNvPicPr>
-            <a:picLocks noChangeAspect="1"/>
-          </p:cNvPicPr>
-          <p:nvPr/>
-        </p:nvPicPr>
-        <p:blipFill>
-          <a:blip r:embed="rId2">
-            <a:extLst>
-              <a:ext uri="{28A0092B-C50C-407E-A947-70E740481C1C}">
-                <a14:useLocalDpi xmlns:a14="http://schemas.microsoft.com/office/drawing/2010/main" val="0"/>
-              </a:ext>
-            </a:extLst>
-          </a:blip>
-          <a:stretch>
-            <a:fillRect/>
-          </a:stretch>
-        </p:blipFill>
-        <p:spPr>
-          <a:xfrm>
-            <a:off x="5292080" y="2319677"/>
-            <a:ext cx="3448645" cy="3548945"/>
-          </a:xfrm>
-          <a:prstGeom prst="rect">
-            <a:avLst/>
-          </a:prstGeom>
-        </p:spPr>
-      </p:pic>
-      <p:sp>
-        <p:nvSpPr>
-          <p:cNvPr id="26627" name="Text Box 3"/>
-          <p:cNvSpPr txBox="1">
-            <a:spLocks noChangeArrowheads="1"/>
-          </p:cNvSpPr>
-          <p:nvPr/>
-        </p:nvSpPr>
-        <p:spPr bwMode="auto">
-          <a:xfrm>
-            <a:off x="685800" y="1413242"/>
-            <a:ext cx="7848600" cy="923330"/>
-          </a:xfrm>
-          <a:prstGeom prst="rect">
-            <a:avLst/>
-          </a:prstGeom>
-          <a:noFill/>
-          <a:ln>
-            <a:noFill/>
-          </a:ln>
-          <a:extLst>
-            <a:ext uri="{909E8E84-426E-40DD-AFC4-6F175D3DCCD1}">
-              <a14:hiddenFill xmlns:a14="http://schemas.microsoft.com/office/drawing/2010/main">
-                <a:solidFill>
-                  <a:srgbClr val="FFFFFF"/>
-                </a:solidFill>
-              </a14:hiddenFill>
-            </a:ext>
-            <a:ext uri="{91240B29-F687-4F45-9708-019B960494DF}">
-              <a14:hiddenLine xmlns:a14="http://schemas.microsoft.com/office/drawing/2010/main" w="9525">
-                <a:solidFill>
-                  <a:srgbClr val="000000"/>
-                </a:solidFill>
-                <a:miter lim="800000"/>
-                <a:headEnd/>
-                <a:tailEnd/>
-              </a14:hiddenLine>
-            </a:ext>
-          </a:extLst>
-        </p:spPr>
-        <p:txBody>
-          <a:bodyPr>
-            <a:spAutoFit/>
-          </a:bodyPr>
-          <a:lstStyle>
-            <a:lvl1pPr>
-              <a:defRPr sz="1600">
-                <a:solidFill>
-                  <a:schemeClr val="tx1"/>
-                </a:solidFill>
-                <a:latin typeface="Times New Roman" pitchFamily="18" charset="0"/>
-              </a:defRPr>
-            </a:lvl1pPr>
-            <a:lvl2pPr marL="742950" indent="-285750">
-              <a:defRPr sz="1600">
-                <a:solidFill>
-                  <a:schemeClr val="tx1"/>
-                </a:solidFill>
-                <a:latin typeface="Times New Roman" pitchFamily="18" charset="0"/>
-              </a:defRPr>
-            </a:lvl2pPr>
-            <a:lvl3pPr marL="1143000" indent="-228600">
-              <a:defRPr sz="1600">
-                <a:solidFill>
-                  <a:schemeClr val="tx1"/>
-                </a:solidFill>
-                <a:latin typeface="Times New Roman" pitchFamily="18" charset="0"/>
-              </a:defRPr>
-            </a:lvl3pPr>
-            <a:lvl4pPr marL="1600200" indent="-228600">
-              <a:defRPr sz="1600">
-                <a:solidFill>
-                  <a:schemeClr val="tx1"/>
-                </a:solidFill>
-                <a:latin typeface="Times New Roman" pitchFamily="18" charset="0"/>
-              </a:defRPr>
-            </a:lvl4pPr>
-            <a:lvl5pPr marL="2057400" indent="-228600">
-              <a:defRPr sz="1600">
-                <a:solidFill>
-                  <a:schemeClr val="tx1"/>
-                </a:solidFill>
-                <a:latin typeface="Times New Roman" pitchFamily="18" charset="0"/>
-              </a:defRPr>
-            </a:lvl5pPr>
-            <a:lvl6pPr marL="2514600" indent="-228600" eaLnBrk="0" fontAlgn="base" hangingPunct="0">
-              <a:spcBef>
-                <a:spcPct val="0"/>
-              </a:spcBef>
-              <a:spcAft>
-                <a:spcPct val="0"/>
-              </a:spcAft>
-              <a:defRPr sz="1600">
-                <a:solidFill>
-                  <a:schemeClr val="tx1"/>
-                </a:solidFill>
-                <a:latin typeface="Times New Roman" pitchFamily="18" charset="0"/>
-              </a:defRPr>
-            </a:lvl6pPr>
-            <a:lvl7pPr marL="2971800" indent="-228600" eaLnBrk="0" fontAlgn="base" hangingPunct="0">
-              <a:spcBef>
-                <a:spcPct val="0"/>
-              </a:spcBef>
-              <a:spcAft>
-                <a:spcPct val="0"/>
-              </a:spcAft>
-              <a:defRPr sz="1600">
-                <a:solidFill>
-                  <a:schemeClr val="tx1"/>
-                </a:solidFill>
-                <a:latin typeface="Times New Roman" pitchFamily="18" charset="0"/>
-              </a:defRPr>
-            </a:lvl7pPr>
-            <a:lvl8pPr marL="3429000" indent="-228600" eaLnBrk="0" fontAlgn="base" hangingPunct="0">
-              <a:spcBef>
-                <a:spcPct val="0"/>
-              </a:spcBef>
-              <a:spcAft>
-                <a:spcPct val="0"/>
-              </a:spcAft>
-              <a:defRPr sz="1600">
-                <a:solidFill>
-                  <a:schemeClr val="tx1"/>
-                </a:solidFill>
-                <a:latin typeface="Times New Roman" pitchFamily="18" charset="0"/>
-              </a:defRPr>
-            </a:lvl8pPr>
-            <a:lvl9pPr marL="3886200" indent="-228600" eaLnBrk="0" fontAlgn="base" hangingPunct="0">
-              <a:spcBef>
-                <a:spcPct val="0"/>
-              </a:spcBef>
-              <a:spcAft>
-                <a:spcPct val="0"/>
-              </a:spcAft>
-              <a:defRPr sz="1600">
-                <a:solidFill>
-                  <a:schemeClr val="tx1"/>
-                </a:solidFill>
-                <a:latin typeface="Times New Roman" pitchFamily="18" charset="0"/>
-              </a:defRPr>
-            </a:lvl9pPr>
-          </a:lstStyle>
-          <a:p>
-            <a:pPr algn="ctr">
-              <a:lnSpc>
-                <a:spcPct val="150000"/>
-              </a:lnSpc>
-            </a:pPr>
-            <a:r>
-              <a:rPr lang="es-MX" sz="1800" b="1" dirty="0">
-                <a:solidFill>
-                  <a:schemeClr val="accent5">
-                    <a:lumMod val="75000"/>
-                  </a:schemeClr>
-                </a:solidFill>
-                <a:latin typeface="Arial" pitchFamily="34" charset="0"/>
-                <a:cs typeface="Arial" pitchFamily="34" charset="0"/>
-              </a:rPr>
-              <a:t>Son dos o más dispositivos de red conectados juntos por un medio de comunicación.</a:t>
-            </a:r>
-          </a:p>
-        </p:txBody>
-      </p:sp>
-      <p:sp>
-        <p:nvSpPr>
-          <p:cNvPr id="26629" name="Text Box 5"/>
-          <p:cNvSpPr txBox="1">
-            <a:spLocks noChangeArrowheads="1"/>
-          </p:cNvSpPr>
-          <p:nvPr/>
-        </p:nvSpPr>
-        <p:spPr bwMode="auto">
-          <a:xfrm>
-            <a:off x="685800" y="2637071"/>
-            <a:ext cx="4462264" cy="3000821"/>
-          </a:xfrm>
-          <a:prstGeom prst="rect">
-            <a:avLst/>
-          </a:prstGeom>
-          <a:noFill/>
-          <a:ln>
-            <a:noFill/>
-          </a:ln>
-          <a:extLst>
-            <a:ext uri="{909E8E84-426E-40DD-AFC4-6F175D3DCCD1}">
-              <a14:hiddenFill xmlns:a14="http://schemas.microsoft.com/office/drawing/2010/main">
-                <a:solidFill>
-                  <a:srgbClr val="FFFFFF"/>
-                </a:solidFill>
-              </a14:hiddenFill>
-            </a:ext>
-            <a:ext uri="{91240B29-F687-4F45-9708-019B960494DF}">
-              <a14:hiddenLine xmlns:a14="http://schemas.microsoft.com/office/drawing/2010/main" w="9525">
-                <a:solidFill>
-                  <a:srgbClr val="000000"/>
-                </a:solidFill>
-                <a:miter lim="800000"/>
-                <a:headEnd/>
-                <a:tailEnd/>
-              </a14:hiddenLine>
-            </a:ext>
-          </a:extLst>
-        </p:spPr>
-        <p:txBody>
-          <a:bodyPr wrap="square">
-            <a:spAutoFit/>
-          </a:bodyPr>
-          <a:lstStyle>
-            <a:lvl1pPr>
-              <a:defRPr sz="1600">
-                <a:solidFill>
-                  <a:schemeClr val="tx1"/>
-                </a:solidFill>
-                <a:latin typeface="Times New Roman" pitchFamily="18" charset="0"/>
-              </a:defRPr>
-            </a:lvl1pPr>
-            <a:lvl2pPr marL="742950" indent="-285750">
-              <a:defRPr sz="1600">
-                <a:solidFill>
-                  <a:schemeClr val="tx1"/>
-                </a:solidFill>
-                <a:latin typeface="Times New Roman" pitchFamily="18" charset="0"/>
-              </a:defRPr>
-            </a:lvl2pPr>
-            <a:lvl3pPr marL="1143000" indent="-228600">
-              <a:defRPr sz="1600">
-                <a:solidFill>
-                  <a:schemeClr val="tx1"/>
-                </a:solidFill>
-                <a:latin typeface="Times New Roman" pitchFamily="18" charset="0"/>
-              </a:defRPr>
-            </a:lvl3pPr>
-            <a:lvl4pPr marL="1600200" indent="-228600">
-              <a:defRPr sz="1600">
-                <a:solidFill>
-                  <a:schemeClr val="tx1"/>
-                </a:solidFill>
-                <a:latin typeface="Times New Roman" pitchFamily="18" charset="0"/>
-              </a:defRPr>
-            </a:lvl4pPr>
-            <a:lvl5pPr marL="2057400" indent="-228600">
-              <a:defRPr sz="1600">
-                <a:solidFill>
-                  <a:schemeClr val="tx1"/>
-                </a:solidFill>
-                <a:latin typeface="Times New Roman" pitchFamily="18" charset="0"/>
-              </a:defRPr>
-            </a:lvl5pPr>
-            <a:lvl6pPr marL="2514600" indent="-228600" eaLnBrk="0" fontAlgn="base" hangingPunct="0">
-              <a:spcBef>
-                <a:spcPct val="0"/>
-              </a:spcBef>
-              <a:spcAft>
-                <a:spcPct val="0"/>
-              </a:spcAft>
-              <a:defRPr sz="1600">
-                <a:solidFill>
-                  <a:schemeClr val="tx1"/>
-                </a:solidFill>
-                <a:latin typeface="Times New Roman" pitchFamily="18" charset="0"/>
-              </a:defRPr>
-            </a:lvl6pPr>
-            <a:lvl7pPr marL="2971800" indent="-228600" eaLnBrk="0" fontAlgn="base" hangingPunct="0">
-              <a:spcBef>
-                <a:spcPct val="0"/>
-              </a:spcBef>
-              <a:spcAft>
-                <a:spcPct val="0"/>
-              </a:spcAft>
-              <a:defRPr sz="1600">
-                <a:solidFill>
-                  <a:schemeClr val="tx1"/>
-                </a:solidFill>
-                <a:latin typeface="Times New Roman" pitchFamily="18" charset="0"/>
-              </a:defRPr>
-            </a:lvl7pPr>
-            <a:lvl8pPr marL="3429000" indent="-228600" eaLnBrk="0" fontAlgn="base" hangingPunct="0">
-              <a:spcBef>
-                <a:spcPct val="0"/>
-              </a:spcBef>
-              <a:spcAft>
-                <a:spcPct val="0"/>
-              </a:spcAft>
-              <a:defRPr sz="1600">
-                <a:solidFill>
-                  <a:schemeClr val="tx1"/>
-                </a:solidFill>
-                <a:latin typeface="Times New Roman" pitchFamily="18" charset="0"/>
-              </a:defRPr>
-            </a:lvl8pPr>
-            <a:lvl9pPr marL="3886200" indent="-228600" eaLnBrk="0" fontAlgn="base" hangingPunct="0">
-              <a:spcBef>
-                <a:spcPct val="0"/>
-              </a:spcBef>
-              <a:spcAft>
-                <a:spcPct val="0"/>
-              </a:spcAft>
-              <a:defRPr sz="1600">
-                <a:solidFill>
-                  <a:schemeClr val="tx1"/>
-                </a:solidFill>
-                <a:latin typeface="Times New Roman" pitchFamily="18" charset="0"/>
-              </a:defRPr>
-            </a:lvl9pPr>
-          </a:lstStyle>
-          <a:p>
-            <a:pPr algn="just">
-              <a:lnSpc>
-                <a:spcPct val="150000"/>
-              </a:lnSpc>
-            </a:pPr>
-            <a:r>
-              <a:rPr lang="es-MX" sz="1800" dirty="0">
-                <a:latin typeface="Arial" pitchFamily="34" charset="0"/>
-                <a:cs typeface="Arial" pitchFamily="34" charset="0"/>
-              </a:rPr>
-              <a:t>El medio de comunicación puede ser un </a:t>
-            </a:r>
-            <a:r>
-              <a:rPr lang="es-MX" sz="1800" b="1" dirty="0">
-                <a:solidFill>
-                  <a:schemeClr val="accent6">
-                    <a:lumMod val="75000"/>
-                  </a:schemeClr>
-                </a:solidFill>
-                <a:latin typeface="Arial" pitchFamily="34" charset="0"/>
-                <a:cs typeface="Arial" pitchFamily="34" charset="0"/>
-              </a:rPr>
-              <a:t>cable coaxial, fibra óptica, par trenzado, microondas, ondas satelitales </a:t>
-            </a:r>
-            <a:r>
-              <a:rPr lang="es-MX" sz="1800" dirty="0">
-                <a:latin typeface="Arial" pitchFamily="34" charset="0"/>
-                <a:cs typeface="Arial" pitchFamily="34" charset="0"/>
-              </a:rPr>
-              <a:t>y los dispositivos de red pueden ser computadoras personales, </a:t>
-            </a:r>
-            <a:r>
-              <a:rPr lang="es-MX" sz="1800" dirty="0" err="1">
-                <a:latin typeface="Arial" pitchFamily="34" charset="0"/>
-                <a:cs typeface="Arial" pitchFamily="34" charset="0"/>
-              </a:rPr>
-              <a:t>tablets</a:t>
-            </a:r>
-            <a:r>
-              <a:rPr lang="es-MX" sz="1800" dirty="0">
-                <a:latin typeface="Arial" pitchFamily="34" charset="0"/>
-                <a:cs typeface="Arial" pitchFamily="34" charset="0"/>
-              </a:rPr>
-              <a:t>, dispositivos inalámbricos,  impresoras, etc.</a:t>
-            </a:r>
-          </a:p>
-        </p:txBody>
-      </p:sp>
-      <p:sp>
-        <p:nvSpPr>
-          <p:cNvPr id="3078" name="Text Box 6"/>
-          <p:cNvSpPr txBox="1">
-            <a:spLocks noChangeArrowheads="1"/>
-          </p:cNvSpPr>
-          <p:nvPr/>
-        </p:nvSpPr>
-        <p:spPr bwMode="auto">
-          <a:xfrm>
-            <a:off x="785812" y="476672"/>
-            <a:ext cx="7539037" cy="584775"/>
-          </a:xfrm>
-          <a:prstGeom prst="rect">
-            <a:avLst/>
-          </a:prstGeom>
-          <a:noFill/>
-          <a:ln>
-            <a:noFill/>
-          </a:ln>
-          <a:extLst>
-            <a:ext uri="{909E8E84-426E-40DD-AFC4-6F175D3DCCD1}">
-              <a14:hiddenFill xmlns:a14="http://schemas.microsoft.com/office/drawing/2010/main">
-                <a:solidFill>
-                  <a:srgbClr val="FFFFFF"/>
-                </a:solidFill>
-              </a14:hiddenFill>
-            </a:ext>
-            <a:ext uri="{91240B29-F687-4F45-9708-019B960494DF}">
-              <a14:hiddenLine xmlns:a14="http://schemas.microsoft.com/office/drawing/2010/main" w="9525">
-                <a:solidFill>
-                  <a:srgbClr val="000000"/>
-                </a:solidFill>
-                <a:miter lim="800000"/>
-                <a:headEnd/>
-                <a:tailEnd/>
-              </a14:hiddenLine>
-            </a:ext>
-          </a:extLst>
-        </p:spPr>
-        <p:txBody>
-          <a:bodyPr wrap="square">
-            <a:spAutoFit/>
-          </a:bodyPr>
-          <a:lstStyle>
-            <a:lvl1pPr>
-              <a:defRPr sz="1600">
-                <a:solidFill>
-                  <a:schemeClr val="tx1"/>
-                </a:solidFill>
-                <a:latin typeface="Times New Roman" pitchFamily="18" charset="0"/>
-              </a:defRPr>
-            </a:lvl1pPr>
-            <a:lvl2pPr marL="742950" indent="-285750">
-              <a:defRPr sz="1600">
-                <a:solidFill>
-                  <a:schemeClr val="tx1"/>
-                </a:solidFill>
-                <a:latin typeface="Times New Roman" pitchFamily="18" charset="0"/>
-              </a:defRPr>
-            </a:lvl2pPr>
-            <a:lvl3pPr marL="1143000" indent="-228600">
-              <a:defRPr sz="1600">
-                <a:solidFill>
-                  <a:schemeClr val="tx1"/>
-                </a:solidFill>
-                <a:latin typeface="Times New Roman" pitchFamily="18" charset="0"/>
-              </a:defRPr>
-            </a:lvl3pPr>
-            <a:lvl4pPr marL="1600200" indent="-228600">
-              <a:defRPr sz="1600">
-                <a:solidFill>
-                  <a:schemeClr val="tx1"/>
-                </a:solidFill>
-                <a:latin typeface="Times New Roman" pitchFamily="18" charset="0"/>
-              </a:defRPr>
-            </a:lvl4pPr>
-            <a:lvl5pPr marL="2057400" indent="-228600">
-              <a:defRPr sz="1600">
-                <a:solidFill>
-                  <a:schemeClr val="tx1"/>
-                </a:solidFill>
-                <a:latin typeface="Times New Roman" pitchFamily="18" charset="0"/>
-              </a:defRPr>
-            </a:lvl5pPr>
-            <a:lvl6pPr marL="2514600" indent="-228600" eaLnBrk="0" fontAlgn="base" hangingPunct="0">
-              <a:spcBef>
-                <a:spcPct val="0"/>
-              </a:spcBef>
-              <a:spcAft>
-                <a:spcPct val="0"/>
-              </a:spcAft>
-              <a:defRPr sz="1600">
-                <a:solidFill>
-                  <a:schemeClr val="tx1"/>
-                </a:solidFill>
-                <a:latin typeface="Times New Roman" pitchFamily="18" charset="0"/>
-              </a:defRPr>
-            </a:lvl6pPr>
-            <a:lvl7pPr marL="2971800" indent="-228600" eaLnBrk="0" fontAlgn="base" hangingPunct="0">
-              <a:spcBef>
-                <a:spcPct val="0"/>
-              </a:spcBef>
-              <a:spcAft>
-                <a:spcPct val="0"/>
-              </a:spcAft>
-              <a:defRPr sz="1600">
-                <a:solidFill>
-                  <a:schemeClr val="tx1"/>
-                </a:solidFill>
-                <a:latin typeface="Times New Roman" pitchFamily="18" charset="0"/>
-              </a:defRPr>
-            </a:lvl7pPr>
-            <a:lvl8pPr marL="3429000" indent="-228600" eaLnBrk="0" fontAlgn="base" hangingPunct="0">
-              <a:spcBef>
-                <a:spcPct val="0"/>
-              </a:spcBef>
-              <a:spcAft>
-                <a:spcPct val="0"/>
-              </a:spcAft>
-              <a:defRPr sz="1600">
-                <a:solidFill>
-                  <a:schemeClr val="tx1"/>
-                </a:solidFill>
-                <a:latin typeface="Times New Roman" pitchFamily="18" charset="0"/>
-              </a:defRPr>
-            </a:lvl8pPr>
-            <a:lvl9pPr marL="3886200" indent="-228600" eaLnBrk="0" fontAlgn="base" hangingPunct="0">
-              <a:spcBef>
-                <a:spcPct val="0"/>
-              </a:spcBef>
-              <a:spcAft>
-                <a:spcPct val="0"/>
-              </a:spcAft>
-              <a:defRPr sz="1600">
-                <a:solidFill>
-                  <a:schemeClr val="tx1"/>
-                </a:solidFill>
-                <a:latin typeface="Times New Roman" pitchFamily="18" charset="0"/>
-              </a:defRPr>
-            </a:lvl9pPr>
-          </a:lstStyle>
-          <a:p>
-            <a:pPr algn="ctr">
-              <a:spcBef>
-                <a:spcPct val="50000"/>
-              </a:spcBef>
-            </a:pPr>
-            <a:r>
-              <a:rPr lang="es-MX" sz="3200" b="1" dirty="0">
-                <a:solidFill>
-                  <a:schemeClr val="accent4">
-                    <a:lumMod val="50000"/>
-                  </a:schemeClr>
-                </a:solidFill>
-                <a:effectLst>
-                  <a:outerShdw blurRad="38100" dist="38100" dir="2700000" algn="tl">
-                    <a:srgbClr val="C0C0C0"/>
-                  </a:outerShdw>
-                </a:effectLst>
-                <a:latin typeface="Dom Casual" charset="0"/>
-                <a:ea typeface="+mj-ea"/>
-                <a:cs typeface="+mj-cs"/>
-              </a:rPr>
-              <a:t>¿ Qué es una red ?</a:t>
-            </a:r>
-          </a:p>
-        </p:txBody>
-      </p:sp>
-    </p:spTree>
-    <p:extLst>
-      <p:ext uri="{BB962C8B-B14F-4D97-AF65-F5344CB8AC3E}">
-        <p14:creationId xmlns:p14="http://schemas.microsoft.com/office/powerpoint/2010/main" val="993937031"/>
-      </p:ext>
-    </p:extLst>
-  </p:cSld>
-  <p:clrMapOvr>
-    <a:masterClrMapping/>
-  </p:clrMapOvr>
-  <p:transition/>
-  <p:timing>
-    <p:tnLst>
-      <p:par>
-        <p:cTn id="1" dur="indefinite" restart="never" nodeType="tmRoot">
-          <p:childTnLst>
-            <p:seq concurrent="1" nextAc="seek">
-              <p:cTn id="2" dur="indefinite" nodeType="mainSeq">
-                <p:childTnLst>
-                  <p:par>
-                    <p:cTn id="3" fill="hold" nodeType="clickPar">
-                      <p:stCondLst>
-                        <p:cond delay="indefinite"/>
-                      </p:stCondLst>
-                      <p:childTnLst>
-                        <p:par>
-                          <p:cTn id="4" fill="hold" nodeType="withGroup">
-                            <p:stCondLst>
-                              <p:cond delay="0"/>
-                            </p:stCondLst>
-                            <p:childTnLst>
-                              <p:par>
-                                <p:cTn id="5" presetID="4" presetClass="entr" presetSubtype="16" fill="hold" grpId="0" nodeType="clickEffect">
-                                  <p:stCondLst>
-                                    <p:cond delay="0"/>
-                                  </p:stCondLst>
-                                  <p:childTnLst>
-                                    <p:set>
-                                      <p:cBhvr>
-                                        <p:cTn id="6" dur="1" fill="hold">
-                                          <p:stCondLst>
-                                            <p:cond delay="0"/>
-                                          </p:stCondLst>
-                                        </p:cTn>
-                                        <p:tgtEl>
-                                          <p:spTgt spid="26627"/>
-                                        </p:tgtEl>
-                                        <p:attrNameLst>
-                                          <p:attrName>style.visibility</p:attrName>
-                                        </p:attrNameLst>
-                                      </p:cBhvr>
-                                      <p:to>
-                                        <p:strVal val="visible"/>
-                                      </p:to>
-                                    </p:set>
-                                    <p:animEffect transition="in" filter="box(in)">
-                                      <p:cBhvr>
-                                        <p:cTn id="7" dur="500"/>
-                                        <p:tgtEl>
-                                          <p:spTgt spid="26627"/>
-                                        </p:tgtEl>
-                                      </p:cBhvr>
-                                    </p:animEffect>
-                                  </p:childTnLst>
-                                </p:cTn>
-                              </p:par>
-                            </p:childTnLst>
-                          </p:cTn>
-                        </p:par>
-                      </p:childTnLst>
-                    </p:cTn>
-                  </p:par>
-                  <p:par>
-                    <p:cTn id="8" fill="hold" nodeType="clickPar">
-                      <p:stCondLst>
-                        <p:cond delay="indefinite"/>
-                      </p:stCondLst>
-                      <p:childTnLst>
-                        <p:par>
-                          <p:cTn id="9" fill="hold" nodeType="withGroup">
-                            <p:stCondLst>
-                              <p:cond delay="0"/>
-                            </p:stCondLst>
-                            <p:childTnLst>
-                              <p:par>
-                                <p:cTn id="10" presetID="4" presetClass="entr" presetSubtype="16" fill="hold" grpId="0" nodeType="clickEffect">
-                                  <p:stCondLst>
-                                    <p:cond delay="0"/>
-                                  </p:stCondLst>
-                                  <p:childTnLst>
-                                    <p:set>
-                                      <p:cBhvr>
-                                        <p:cTn id="11" dur="1" fill="hold">
-                                          <p:stCondLst>
-                                            <p:cond delay="0"/>
-                                          </p:stCondLst>
-                                        </p:cTn>
-                                        <p:tgtEl>
-                                          <p:spTgt spid="26629"/>
-                                        </p:tgtEl>
-                                        <p:attrNameLst>
-                                          <p:attrName>style.visibility</p:attrName>
-                                        </p:attrNameLst>
-                                      </p:cBhvr>
-                                      <p:to>
-                                        <p:strVal val="visible"/>
-                                      </p:to>
-                                    </p:set>
-                                    <p:animEffect transition="in" filter="box(in)">
-                                      <p:cBhvr>
-                                        <p:cTn id="12" dur="500"/>
-                                        <p:tgtEl>
-                                          <p:spTgt spid="26629"/>
-                                        </p:tgtEl>
-                                      </p:cBhvr>
-                                    </p:animEffect>
-                                  </p:childTnLst>
-                                </p:cTn>
-                              </p:par>
-                            </p:childTnLst>
-                          </p:cTn>
-                        </p:par>
-                      </p:childTnLst>
-                    </p:cTn>
-                  </p:par>
-                  <p:par>
-                    <p:cTn id="13" fill="hold">
-                      <p:stCondLst>
-                        <p:cond delay="indefinite"/>
-                      </p:stCondLst>
-                      <p:childTnLst>
-                        <p:par>
-                          <p:cTn id="14" fill="hold">
-                            <p:stCondLst>
-                              <p:cond delay="0"/>
-                            </p:stCondLst>
-                            <p:childTnLst>
-                              <p:par>
-                                <p:cTn id="15" presetID="1" presetClass="entr" presetSubtype="0" fill="hold" grpId="1" nodeType="clickEffect">
-                                  <p:stCondLst>
-                                    <p:cond delay="0"/>
-                                  </p:stCondLst>
-                                  <p:childTnLst>
-                                    <p:set>
-                                      <p:cBhvr>
-                                        <p:cTn id="16" dur="1" fill="hold">
-                                          <p:stCondLst>
-                                            <p:cond delay="0"/>
-                                          </p:stCondLst>
-                                        </p:cTn>
-                                        <p:tgtEl>
-                                          <p:spTgt spid="26627"/>
-                                        </p:tgtEl>
-                                        <p:attrNameLst>
-                                          <p:attrName>style.visibility</p:attrName>
-                                        </p:attrNameLst>
-                                      </p:cBhvr>
-                                      <p:to>
-                                        <p:strVal val="visible"/>
-                                      </p:to>
-                                    </p:set>
-                                  </p:childTnLst>
-                                </p:cTn>
-                              </p:par>
-                            </p:childTnLst>
-                          </p:cTn>
-                        </p:par>
-                      </p:childTnLst>
-                    </p:cTn>
-                  </p:par>
-                </p:childTnLst>
-              </p:cTn>
-              <p:prevCondLst>
-                <p:cond evt="onPrev" delay="0">
-                  <p:tgtEl>
-                    <p:sldTgt/>
-                  </p:tgtEl>
-                </p:cond>
-              </p:prevCondLst>
-              <p:nextCondLst>
-                <p:cond evt="onNext" delay="0">
-                  <p:tgtEl>
-                    <p:sldTgt/>
-                  </p:tgtEl>
-                </p:cond>
-              </p:nextCondLst>
-            </p:seq>
-          </p:childTnLst>
-        </p:cTn>
-      </p:par>
-    </p:tnLst>
-    <p:bldLst>
-      <p:bldP spid="26627" grpId="0"/>
-      <p:bldP spid="26627" grpId="1"/>
-      <p:bldP spid="26629" grpId="0"/>
-    </p:bldLst>
-  </p:timing>
-</p:sld>
-</file>
-
-<file path=ppt/slides/slide20.xml><?xml version="1.0" encoding="utf-8"?>
+<file path=ppt/slides/slide17.xml><?xml version="1.0" encoding="utf-8"?>
 <p:sld xmlns:a="http://schemas.openxmlformats.org/drawingml/2006/main" xmlns:r="http://schemas.openxmlformats.org/officeDocument/2006/relationships" xmlns:p="http://schemas.openxmlformats.org/presentationml/2006/main">
   <p:cSld>
     <p:spTree>
@@ -13747,7 +10369,7 @@
 </p:sld>
 </file>
 
-<file path=ppt/slides/slide21.xml><?xml version="1.0" encoding="utf-8"?>
+<file path=ppt/slides/slide18.xml><?xml version="1.0" encoding="utf-8"?>
 <p:sld xmlns:a="http://schemas.openxmlformats.org/drawingml/2006/main" xmlns:r="http://schemas.openxmlformats.org/officeDocument/2006/relationships" xmlns:p="http://schemas.openxmlformats.org/presentationml/2006/main">
   <p:cSld>
     <p:spTree>
@@ -13850,7 +10472,7 @@
             <a:lstStyle/>
             <a:p>
               <a:pPr algn="ctr"/>
-              <a:endParaRPr lang="es-MX"/>
+              <a:endParaRPr lang="es-MX" dirty="0"/>
             </a:p>
           </p:txBody>
         </p:sp>
@@ -13896,7 +10518,7 @@
             <a:lstStyle/>
             <a:p>
               <a:pPr algn="ctr"/>
-              <a:endParaRPr lang="es-MX"/>
+              <a:endParaRPr lang="es-MX" dirty="0"/>
             </a:p>
           </p:txBody>
         </p:sp>
@@ -13995,24 +10617,14 @@
               <a:t> </a:t>
             </a:r>
             <a:r>
-              <a:rPr lang="es-MX" sz="1600" dirty="0" err="1">
+              <a:rPr lang="es-MX" sz="1600" dirty="0">
                 <a:solidFill>
                   <a:schemeClr val="bg2">
                     <a:lumMod val="25000"/>
                   </a:schemeClr>
                 </a:solidFill>
               </a:rPr>
-              <a:t>Enruta</a:t>
-            </a:r>
-            <a:r>
-              <a:rPr lang="es-MX" sz="1600" dirty="0">
-                <a:solidFill>
-                  <a:schemeClr val="bg2">
-                    <a:lumMod val="25000"/>
-                  </a:schemeClr>
-                </a:solidFill>
-              </a:rPr>
-              <a:t> y administra las comunicaciones en la red y coordina los recursos de esta. </a:t>
+              <a:t>Enruta y administra las comunicaciones en la red y coordina los recursos de esta. </a:t>
             </a:r>
           </a:p>
         </p:txBody>
@@ -14047,24 +10659,14 @@
               </a:lnSpc>
             </a:pPr>
             <a:r>
-              <a:rPr lang="es-MX" b="1" dirty="0" err="1">
+              <a:rPr lang="es-MX" b="1" dirty="0">
                 <a:solidFill>
                   <a:schemeClr val="accent6">
                     <a:lumMod val="75000"/>
                   </a:schemeClr>
                 </a:solidFill>
               </a:rPr>
-              <a:t>Ruteador</a:t>
-            </a:r>
-            <a:r>
-              <a:rPr lang="es-MX" b="1" dirty="0">
-                <a:solidFill>
-                  <a:schemeClr val="accent6">
-                    <a:lumMod val="75000"/>
-                  </a:schemeClr>
-                </a:solidFill>
-              </a:rPr>
-              <a:t>:</a:t>
+              <a:t>Ruteador:</a:t>
             </a:r>
             <a:r>
               <a:rPr lang="es-MX" b="1" dirty="0">
@@ -14077,24 +10679,14 @@
               <a:t> </a:t>
             </a:r>
             <a:r>
-              <a:rPr lang="es-MX" sz="1600" dirty="0" err="1">
+              <a:rPr lang="es-MX" sz="1600" dirty="0">
                 <a:solidFill>
                   <a:schemeClr val="bg2">
                     <a:lumMod val="25000"/>
                   </a:schemeClr>
                 </a:solidFill>
               </a:rPr>
-              <a:t>Enruta</a:t>
-            </a:r>
-            <a:r>
-              <a:rPr lang="es-MX" sz="1600" dirty="0">
-                <a:solidFill>
-                  <a:schemeClr val="bg2">
-                    <a:lumMod val="25000"/>
-                  </a:schemeClr>
-                </a:solidFill>
-              </a:rPr>
-              <a:t> paquetes de datos a través de distintas redes y asegura que los datos enviados lleguen a la dirección correcta.</a:t>
+              <a:t>Enruta paquetes de datos a través de distintas redes y asegura que los datos enviados lleguen a la dirección correcta.</a:t>
             </a:r>
           </a:p>
         </p:txBody>
@@ -14127,7 +10719,7 @@
               </a:lnSpc>
             </a:pPr>
             <a:r>
-              <a:rPr lang="es-MX" b="1" dirty="0" err="1">
+              <a:rPr lang="es-MX" b="1" dirty="0">
                 <a:solidFill>
                   <a:schemeClr val="accent6">
                     <a:lumMod val="75000"/>
@@ -14135,18 +10727,7 @@
                 </a:solidFill>
                 <a:cs typeface="Arial" panose="020B0604020202020204" pitchFamily="34" charset="0"/>
               </a:rPr>
-              <a:t>Switch</a:t>
-            </a:r>
-            <a:r>
-              <a:rPr lang="es-MX" b="1" dirty="0">
-                <a:solidFill>
-                  <a:schemeClr val="accent6">
-                    <a:lumMod val="75000"/>
-                  </a:schemeClr>
-                </a:solidFill>
-                <a:cs typeface="Arial" panose="020B0604020202020204" pitchFamily="34" charset="0"/>
-              </a:rPr>
-              <a:t>:</a:t>
+              <a:t>Switch:</a:t>
             </a:r>
             <a:r>
               <a:rPr lang="es-MX" b="1" dirty="0">
@@ -14477,7 +11058,7 @@
 </p:sld>
 </file>
 
-<file path=ppt/slides/slide22.xml><?xml version="1.0" encoding="utf-8"?>
+<file path=ppt/slides/slide19.xml><?xml version="1.0" encoding="utf-8"?>
 <p:sld xmlns:a="http://schemas.openxmlformats.org/drawingml/2006/main" xmlns:r="http://schemas.openxmlformats.org/officeDocument/2006/relationships" xmlns:p="http://schemas.openxmlformats.org/presentationml/2006/main">
   <p:cSld>
     <p:spTree>
@@ -14655,51 +11236,7 @@
                 </a:solidFill>
                 <a:cs typeface="Arial" panose="020B0604020202020204" pitchFamily="34" charset="0"/>
               </a:rPr>
-              <a:t>Las </a:t>
-            </a:r>
-            <a:r>
-              <a:rPr lang="es-MX" dirty="0" err="1">
-                <a:solidFill>
-                  <a:schemeClr val="bg2">
-                    <a:lumMod val="25000"/>
-                  </a:schemeClr>
-                </a:solidFill>
-                <a:cs typeface="Arial" panose="020B0604020202020204" pitchFamily="34" charset="0"/>
-              </a:rPr>
-              <a:t>LAN’s</a:t>
-            </a:r>
-            <a:r>
-              <a:rPr lang="es-MX" dirty="0">
-                <a:solidFill>
-                  <a:schemeClr val="bg2">
-                    <a:lumMod val="25000"/>
-                  </a:schemeClr>
-                </a:solidFill>
-                <a:cs typeface="Arial" panose="020B0604020202020204" pitchFamily="34" charset="0"/>
-              </a:rPr>
-              <a:t> están limitadas por su alcance geográfico, inter-</a:t>
-            </a:r>
-            <a:r>
-              <a:rPr lang="es-MX" dirty="0" err="1">
-                <a:solidFill>
-                  <a:schemeClr val="bg2">
-                    <a:lumMod val="25000"/>
-                  </a:schemeClr>
-                </a:solidFill>
-                <a:cs typeface="Arial" panose="020B0604020202020204" pitchFamily="34" charset="0"/>
-              </a:rPr>
-              <a:t>nerworking</a:t>
-            </a:r>
-            <a:r>
-              <a:rPr lang="es-MX" dirty="0">
-                <a:solidFill>
-                  <a:schemeClr val="bg2">
-                    <a:lumMod val="25000"/>
-                  </a:schemeClr>
-                </a:solidFill>
-                <a:cs typeface="Arial" panose="020B0604020202020204" pitchFamily="34" charset="0"/>
-              </a:rPr>
-              <a:t> elimina la barrera de la distancia y alcance geográfico.</a:t>
+              <a:t>Las LAN’s están limitadas por su alcance geográfico, inter-nerworking elimina la barrera de la distancia y alcance geográfico.</a:t>
             </a:r>
           </a:p>
           <a:p>
@@ -14967,27 +11504,7 @@
                   </a:schemeClr>
                 </a:solidFill>
               </a:rPr>
-              <a:t>(Inter-</a:t>
-            </a:r>
-            <a:r>
-              <a:rPr lang="es-MX" sz="2400" b="1" dirty="0" err="1">
-                <a:solidFill>
-                  <a:schemeClr val="accent3">
-                    <a:lumMod val="75000"/>
-                  </a:schemeClr>
-                </a:solidFill>
-              </a:rPr>
-              <a:t>networking</a:t>
-            </a:r>
-            <a:r>
-              <a:rPr lang="es-MX" sz="2400" b="1" dirty="0">
-                <a:solidFill>
-                  <a:schemeClr val="accent3">
-                    <a:lumMod val="75000"/>
-                  </a:schemeClr>
-                </a:solidFill>
-              </a:rPr>
-              <a:t>)</a:t>
+              <a:t>(Inter-networking)</a:t>
             </a:r>
             <a:endParaRPr lang="es-ES_tradnl" sz="3200" b="1" dirty="0">
               <a:solidFill>
@@ -15203,7 +11720,597 @@
 </p:sld>
 </file>
 
-<file path=ppt/slides/slide23.xml><?xml version="1.0" encoding="utf-8"?>
+<file path=ppt/slides/slide2.xml><?xml version="1.0" encoding="utf-8"?>
+<p:sld xmlns:a="http://schemas.openxmlformats.org/drawingml/2006/main" xmlns:r="http://schemas.openxmlformats.org/officeDocument/2006/relationships" xmlns:p="http://schemas.openxmlformats.org/presentationml/2006/main">
+  <p:cSld>
+    <p:spTree>
+      <p:nvGrpSpPr>
+        <p:cNvPr id="1" name=""/>
+        <p:cNvGrpSpPr/>
+        <p:nvPr/>
+      </p:nvGrpSpPr>
+      <p:grpSpPr>
+        <a:xfrm>
+          <a:off x="0" y="0"/>
+          <a:ext cx="0" cy="0"/>
+          <a:chOff x="0" y="0"/>
+          <a:chExt cx="0" cy="0"/>
+        </a:xfrm>
+      </p:grpSpPr>
+      <p:pic>
+        <p:nvPicPr>
+          <p:cNvPr id="2" name="Imagen 1"/>
+          <p:cNvPicPr>
+            <a:picLocks noChangeAspect="1"/>
+          </p:cNvPicPr>
+          <p:nvPr/>
+        </p:nvPicPr>
+        <p:blipFill>
+          <a:blip r:embed="rId2"/>
+          <a:stretch>
+            <a:fillRect/>
+          </a:stretch>
+        </p:blipFill>
+        <p:spPr>
+          <a:xfrm>
+            <a:off x="4211960" y="2266728"/>
+            <a:ext cx="4461147" cy="2592288"/>
+          </a:xfrm>
+          <a:prstGeom prst="rect">
+            <a:avLst/>
+          </a:prstGeom>
+        </p:spPr>
+      </p:pic>
+      <p:sp>
+        <p:nvSpPr>
+          <p:cNvPr id="4099" name="Text Box 3"/>
+          <p:cNvSpPr txBox="1">
+            <a:spLocks noChangeArrowheads="1"/>
+          </p:cNvSpPr>
+          <p:nvPr/>
+        </p:nvSpPr>
+        <p:spPr bwMode="auto">
+          <a:xfrm>
+            <a:off x="890589" y="2065368"/>
+            <a:ext cx="7488832" cy="4247317"/>
+          </a:xfrm>
+          <a:prstGeom prst="rect">
+            <a:avLst/>
+          </a:prstGeom>
+          <a:noFill/>
+          <a:ln>
+            <a:noFill/>
+          </a:ln>
+          <a:extLst>
+            <a:ext uri="{909E8E84-426E-40DD-AFC4-6F175D3DCCD1}">
+              <a14:hiddenFill xmlns:a14="http://schemas.microsoft.com/office/drawing/2010/main">
+                <a:solidFill>
+                  <a:srgbClr val="FFFFFF"/>
+                </a:solidFill>
+              </a14:hiddenFill>
+            </a:ext>
+            <a:ext uri="{91240B29-F687-4F45-9708-019B960494DF}">
+              <a14:hiddenLine xmlns:a14="http://schemas.microsoft.com/office/drawing/2010/main" w="9525">
+                <a:solidFill>
+                  <a:srgbClr val="000000"/>
+                </a:solidFill>
+                <a:miter lim="800000"/>
+                <a:headEnd/>
+                <a:tailEnd/>
+              </a14:hiddenLine>
+            </a:ext>
+          </a:extLst>
+        </p:spPr>
+        <p:txBody>
+          <a:bodyPr wrap="square">
+            <a:spAutoFit/>
+          </a:bodyPr>
+          <a:lstStyle>
+            <a:lvl1pPr eaLnBrk="0" hangingPunct="0">
+              <a:defRPr>
+                <a:solidFill>
+                  <a:schemeClr val="tx1"/>
+                </a:solidFill>
+                <a:latin typeface="Arial" pitchFamily="34" charset="0"/>
+              </a:defRPr>
+            </a:lvl1pPr>
+            <a:lvl2pPr marL="742950" indent="-285750" eaLnBrk="0" hangingPunct="0">
+              <a:defRPr>
+                <a:solidFill>
+                  <a:schemeClr val="tx1"/>
+                </a:solidFill>
+                <a:latin typeface="Arial" pitchFamily="34" charset="0"/>
+              </a:defRPr>
+            </a:lvl2pPr>
+            <a:lvl3pPr marL="1143000" indent="-228600" eaLnBrk="0" hangingPunct="0">
+              <a:defRPr>
+                <a:solidFill>
+                  <a:schemeClr val="tx1"/>
+                </a:solidFill>
+                <a:latin typeface="Arial" pitchFamily="34" charset="0"/>
+              </a:defRPr>
+            </a:lvl3pPr>
+            <a:lvl4pPr marL="1600200" indent="-228600" eaLnBrk="0" hangingPunct="0">
+              <a:defRPr>
+                <a:solidFill>
+                  <a:schemeClr val="tx1"/>
+                </a:solidFill>
+                <a:latin typeface="Arial" pitchFamily="34" charset="0"/>
+              </a:defRPr>
+            </a:lvl4pPr>
+            <a:lvl5pPr marL="2057400" indent="-228600" eaLnBrk="0" hangingPunct="0">
+              <a:defRPr>
+                <a:solidFill>
+                  <a:schemeClr val="tx1"/>
+                </a:solidFill>
+                <a:latin typeface="Arial" pitchFamily="34" charset="0"/>
+              </a:defRPr>
+            </a:lvl5pPr>
+            <a:lvl6pPr marL="2514600" indent="-228600" eaLnBrk="0" fontAlgn="base" hangingPunct="0">
+              <a:spcBef>
+                <a:spcPct val="0"/>
+              </a:spcBef>
+              <a:spcAft>
+                <a:spcPct val="0"/>
+              </a:spcAft>
+              <a:defRPr>
+                <a:solidFill>
+                  <a:schemeClr val="tx1"/>
+                </a:solidFill>
+                <a:latin typeface="Arial" pitchFamily="34" charset="0"/>
+              </a:defRPr>
+            </a:lvl6pPr>
+            <a:lvl7pPr marL="2971800" indent="-228600" eaLnBrk="0" fontAlgn="base" hangingPunct="0">
+              <a:spcBef>
+                <a:spcPct val="0"/>
+              </a:spcBef>
+              <a:spcAft>
+                <a:spcPct val="0"/>
+              </a:spcAft>
+              <a:defRPr>
+                <a:solidFill>
+                  <a:schemeClr val="tx1"/>
+                </a:solidFill>
+                <a:latin typeface="Arial" pitchFamily="34" charset="0"/>
+              </a:defRPr>
+            </a:lvl7pPr>
+            <a:lvl8pPr marL="3429000" indent="-228600" eaLnBrk="0" fontAlgn="base" hangingPunct="0">
+              <a:spcBef>
+                <a:spcPct val="0"/>
+              </a:spcBef>
+              <a:spcAft>
+                <a:spcPct val="0"/>
+              </a:spcAft>
+              <a:defRPr>
+                <a:solidFill>
+                  <a:schemeClr val="tx1"/>
+                </a:solidFill>
+                <a:latin typeface="Arial" pitchFamily="34" charset="0"/>
+              </a:defRPr>
+            </a:lvl8pPr>
+            <a:lvl9pPr marL="3886200" indent="-228600" eaLnBrk="0" fontAlgn="base" hangingPunct="0">
+              <a:spcBef>
+                <a:spcPct val="0"/>
+              </a:spcBef>
+              <a:spcAft>
+                <a:spcPct val="0"/>
+              </a:spcAft>
+              <a:defRPr>
+                <a:solidFill>
+                  <a:schemeClr val="tx1"/>
+                </a:solidFill>
+                <a:latin typeface="Arial" pitchFamily="34" charset="0"/>
+              </a:defRPr>
+            </a:lvl9pPr>
+          </a:lstStyle>
+          <a:p>
+            <a:pPr marL="457200" indent="-457200">
+              <a:lnSpc>
+                <a:spcPct val="200000"/>
+              </a:lnSpc>
+              <a:buFont typeface="+mj-lt"/>
+              <a:buAutoNum type="arabicPeriod"/>
+            </a:pPr>
+            <a:r>
+              <a:rPr lang="es-MX" sz="2000" b="1" dirty="0">
+                <a:solidFill>
+                  <a:schemeClr val="accent6">
+                    <a:lumMod val="75000"/>
+                  </a:schemeClr>
+                </a:solidFill>
+                <a:latin typeface="+mn-lt"/>
+              </a:rPr>
+              <a:t>Hubs</a:t>
+            </a:r>
+          </a:p>
+          <a:p>
+            <a:pPr marL="457200" indent="-457200">
+              <a:lnSpc>
+                <a:spcPct val="200000"/>
+              </a:lnSpc>
+              <a:buFont typeface="+mj-lt"/>
+              <a:buAutoNum type="arabicPeriod"/>
+            </a:pPr>
+            <a:r>
+              <a:rPr lang="es-MX" sz="2000" b="1" dirty="0">
+                <a:solidFill>
+                  <a:schemeClr val="accent6">
+                    <a:lumMod val="75000"/>
+                  </a:schemeClr>
+                </a:solidFill>
+                <a:latin typeface="+mn-lt"/>
+              </a:rPr>
+              <a:t>Switches</a:t>
+            </a:r>
+          </a:p>
+          <a:p>
+            <a:pPr marL="457200" indent="-457200">
+              <a:lnSpc>
+                <a:spcPct val="200000"/>
+              </a:lnSpc>
+              <a:buFont typeface="+mj-lt"/>
+              <a:buAutoNum type="arabicPeriod"/>
+            </a:pPr>
+            <a:r>
+              <a:rPr lang="es-MX" sz="2000" b="1" dirty="0">
+                <a:solidFill>
+                  <a:schemeClr val="accent6">
+                    <a:lumMod val="75000"/>
+                  </a:schemeClr>
+                </a:solidFill>
+                <a:latin typeface="+mn-lt"/>
+              </a:rPr>
+              <a:t>Ruteadores</a:t>
+            </a:r>
+          </a:p>
+          <a:p>
+            <a:pPr marL="457200" indent="-457200">
+              <a:lnSpc>
+                <a:spcPct val="200000"/>
+              </a:lnSpc>
+              <a:buFont typeface="+mj-lt"/>
+              <a:buAutoNum type="arabicPeriod"/>
+            </a:pPr>
+            <a:r>
+              <a:rPr lang="es-MX" sz="2000" b="1" dirty="0">
+                <a:solidFill>
+                  <a:schemeClr val="accent6">
+                    <a:lumMod val="75000"/>
+                  </a:schemeClr>
+                </a:solidFill>
+                <a:latin typeface="+mn-lt"/>
+              </a:rPr>
+              <a:t>Access Points</a:t>
+            </a:r>
+          </a:p>
+          <a:p>
+            <a:pPr marL="457200" indent="-457200">
+              <a:lnSpc>
+                <a:spcPct val="200000"/>
+              </a:lnSpc>
+              <a:buFont typeface="+mj-lt"/>
+              <a:buAutoNum type="arabicPeriod"/>
+            </a:pPr>
+            <a:r>
+              <a:rPr lang="es-MX" sz="2000" b="1" dirty="0">
+                <a:solidFill>
+                  <a:schemeClr val="accent6">
+                    <a:lumMod val="75000"/>
+                  </a:schemeClr>
+                </a:solidFill>
+                <a:latin typeface="+mn-lt"/>
+              </a:rPr>
+              <a:t>Radio frecuencia/ microondas</a:t>
+            </a:r>
+          </a:p>
+          <a:p>
+            <a:pPr marL="457200" indent="-457200">
+              <a:lnSpc>
+                <a:spcPct val="200000"/>
+              </a:lnSpc>
+              <a:buFont typeface="+mj-lt"/>
+              <a:buAutoNum type="arabicPeriod"/>
+            </a:pPr>
+            <a:r>
+              <a:rPr lang="es-MX" sz="2000" b="1" dirty="0">
+                <a:solidFill>
+                  <a:schemeClr val="accent6">
+                    <a:lumMod val="75000"/>
+                  </a:schemeClr>
+                </a:solidFill>
+                <a:latin typeface="+mn-lt"/>
+              </a:rPr>
+              <a:t>Cables UTP, Coaxial o de Fibra óptica</a:t>
+            </a:r>
+          </a:p>
+          <a:p>
+            <a:pPr algn="ctr">
+              <a:lnSpc>
+                <a:spcPct val="150000"/>
+              </a:lnSpc>
+            </a:pPr>
+            <a:endParaRPr lang="es-MX" sz="2000" dirty="0">
+              <a:solidFill>
+                <a:schemeClr val="bg2">
+                  <a:lumMod val="25000"/>
+                </a:schemeClr>
+              </a:solidFill>
+              <a:latin typeface="+mn-lt"/>
+            </a:endParaRPr>
+          </a:p>
+        </p:txBody>
+      </p:sp>
+      <p:sp>
+        <p:nvSpPr>
+          <p:cNvPr id="5" name="Rectangle 2"/>
+          <p:cNvSpPr txBox="1">
+            <a:spLocks noChangeArrowheads="1"/>
+          </p:cNvSpPr>
+          <p:nvPr/>
+        </p:nvSpPr>
+        <p:spPr>
+          <a:xfrm>
+            <a:off x="144016" y="197768"/>
+            <a:ext cx="8964488" cy="1143000"/>
+          </a:xfrm>
+          <a:prstGeom prst="rect">
+            <a:avLst/>
+          </a:prstGeom>
+        </p:spPr>
+        <p:txBody>
+          <a:bodyPr vert="horz" lIns="92075" tIns="46038" rIns="92075" bIns="46038" rtlCol="0" anchor="ctr">
+            <a:noAutofit/>
+          </a:bodyPr>
+          <a:lstStyle>
+            <a:lvl1pPr algn="ctr" defTabSz="914400" rtl="0" eaLnBrk="1" latinLnBrk="0" hangingPunct="1">
+              <a:spcBef>
+                <a:spcPct val="0"/>
+              </a:spcBef>
+              <a:buNone/>
+              <a:defRPr sz="4400" kern="1200">
+                <a:solidFill>
+                  <a:schemeClr val="tx1"/>
+                </a:solidFill>
+                <a:latin typeface="+mj-lt"/>
+                <a:ea typeface="+mj-ea"/>
+                <a:cs typeface="+mj-cs"/>
+              </a:defRPr>
+            </a:lvl1pPr>
+          </a:lstStyle>
+          <a:p>
+            <a:pPr>
+              <a:defRPr/>
+            </a:pPr>
+            <a:r>
+              <a:rPr lang="es-ES_tradnl" sz="3200" dirty="0">
+                <a:solidFill>
+                  <a:srgbClr val="3333CC"/>
+                </a:solidFill>
+                <a:effectLst>
+                  <a:outerShdw blurRad="38100" dist="38100" dir="2700000" algn="tl">
+                    <a:srgbClr val="C0C0C0"/>
+                  </a:outerShdw>
+                </a:effectLst>
+                <a:latin typeface="Dom Casual" charset="0"/>
+              </a:rPr>
+              <a:t> </a:t>
+            </a:r>
+            <a:r>
+              <a:rPr lang="es-ES_tradnl" sz="3200" b="1" dirty="0">
+                <a:solidFill>
+                  <a:schemeClr val="accent4">
+                    <a:lumMod val="50000"/>
+                  </a:schemeClr>
+                </a:solidFill>
+                <a:effectLst>
+                  <a:outerShdw blurRad="38100" dist="38100" dir="2700000" algn="tl">
+                    <a:srgbClr val="C0C0C0"/>
+                  </a:outerShdw>
+                </a:effectLst>
+                <a:latin typeface="Dom Casual" charset="0"/>
+              </a:rPr>
+              <a:t>Hardware de comunicaciones</a:t>
+            </a:r>
+          </a:p>
+        </p:txBody>
+      </p:sp>
+      <p:sp>
+        <p:nvSpPr>
+          <p:cNvPr id="3" name="Rectángulo 2"/>
+          <p:cNvSpPr/>
+          <p:nvPr/>
+        </p:nvSpPr>
+        <p:spPr>
+          <a:xfrm>
+            <a:off x="881844" y="1435724"/>
+            <a:ext cx="7399076" cy="506292"/>
+          </a:xfrm>
+          <a:prstGeom prst="rect">
+            <a:avLst/>
+          </a:prstGeom>
+        </p:spPr>
+        <p:txBody>
+          <a:bodyPr wrap="square">
+            <a:spAutoFit/>
+          </a:bodyPr>
+          <a:lstStyle/>
+          <a:p>
+            <a:pPr algn="just">
+              <a:lnSpc>
+                <a:spcPct val="150000"/>
+              </a:lnSpc>
+              <a:spcBef>
+                <a:spcPts val="600"/>
+              </a:spcBef>
+            </a:pPr>
+            <a:r>
+              <a:rPr lang="es-MX" sz="2000" dirty="0">
+                <a:solidFill>
+                  <a:schemeClr val="bg2">
+                    <a:lumMod val="25000"/>
+                  </a:schemeClr>
+                </a:solidFill>
+              </a:rPr>
+              <a:t>Las redes se comunican gracias al </a:t>
+            </a:r>
+            <a:r>
+              <a:rPr lang="es-MX" sz="2000" b="1" dirty="0">
+                <a:solidFill>
+                  <a:schemeClr val="accent5">
+                    <a:lumMod val="75000"/>
+                  </a:schemeClr>
+                </a:solidFill>
+              </a:rPr>
+              <a:t>hardware de comunicaciones:</a:t>
+            </a:r>
+            <a:endParaRPr lang="es-MX" sz="2000" dirty="0">
+              <a:solidFill>
+                <a:schemeClr val="accent5">
+                  <a:lumMod val="75000"/>
+                </a:schemeClr>
+              </a:solidFill>
+            </a:endParaRPr>
+          </a:p>
+        </p:txBody>
+      </p:sp>
+    </p:spTree>
+    <p:extLst>
+      <p:ext uri="{BB962C8B-B14F-4D97-AF65-F5344CB8AC3E}">
+        <p14:creationId xmlns:p14="http://schemas.microsoft.com/office/powerpoint/2010/main" val="1809874150"/>
+      </p:ext>
+    </p:extLst>
+  </p:cSld>
+  <p:clrMapOvr>
+    <a:masterClrMapping/>
+  </p:clrMapOvr>
+  <p:timing>
+    <p:tnLst>
+      <p:par>
+        <p:cTn id="1" dur="indefinite" restart="never" nodeType="tmRoot">
+          <p:childTnLst>
+            <p:seq concurrent="1" nextAc="seek">
+              <p:cTn id="2" dur="indefinite" nodeType="mainSeq">
+                <p:childTnLst>
+                  <p:par>
+                    <p:cTn id="3" fill="hold">
+                      <p:stCondLst>
+                        <p:cond delay="indefinite"/>
+                      </p:stCondLst>
+                      <p:childTnLst>
+                        <p:par>
+                          <p:cTn id="4" fill="hold">
+                            <p:stCondLst>
+                              <p:cond delay="0"/>
+                            </p:stCondLst>
+                            <p:childTnLst>
+                              <p:par>
+                                <p:cTn id="5" presetID="1" presetClass="entr" presetSubtype="0" fill="hold" grpId="0" nodeType="clickEffect">
+                                  <p:stCondLst>
+                                    <p:cond delay="0"/>
+                                  </p:stCondLst>
+                                  <p:childTnLst>
+                                    <p:set>
+                                      <p:cBhvr>
+                                        <p:cTn id="6" dur="1" fill="hold">
+                                          <p:stCondLst>
+                                            <p:cond delay="0"/>
+                                          </p:stCondLst>
+                                        </p:cTn>
+                                        <p:tgtEl>
+                                          <p:spTgt spid="3"/>
+                                        </p:tgtEl>
+                                        <p:attrNameLst>
+                                          <p:attrName>style.visibility</p:attrName>
+                                        </p:attrNameLst>
+                                      </p:cBhvr>
+                                      <p:to>
+                                        <p:strVal val="visible"/>
+                                      </p:to>
+                                    </p:set>
+                                  </p:childTnLst>
+                                </p:cTn>
+                              </p:par>
+                            </p:childTnLst>
+                          </p:cTn>
+                        </p:par>
+                      </p:childTnLst>
+                    </p:cTn>
+                  </p:par>
+                  <p:par>
+                    <p:cTn id="7" fill="hold">
+                      <p:stCondLst>
+                        <p:cond delay="indefinite"/>
+                      </p:stCondLst>
+                      <p:childTnLst>
+                        <p:par>
+                          <p:cTn id="8" fill="hold">
+                            <p:stCondLst>
+                              <p:cond delay="0"/>
+                            </p:stCondLst>
+                            <p:childTnLst>
+                              <p:par>
+                                <p:cTn id="9" presetID="1" presetClass="entr" presetSubtype="0" fill="hold" grpId="0" nodeType="clickEffect">
+                                  <p:stCondLst>
+                                    <p:cond delay="0"/>
+                                  </p:stCondLst>
+                                  <p:childTnLst>
+                                    <p:set>
+                                      <p:cBhvr>
+                                        <p:cTn id="10" dur="1" fill="hold">
+                                          <p:stCondLst>
+                                            <p:cond delay="0"/>
+                                          </p:stCondLst>
+                                        </p:cTn>
+                                        <p:tgtEl>
+                                          <p:spTgt spid="4099"/>
+                                        </p:tgtEl>
+                                        <p:attrNameLst>
+                                          <p:attrName>style.visibility</p:attrName>
+                                        </p:attrNameLst>
+                                      </p:cBhvr>
+                                      <p:to>
+                                        <p:strVal val="visible"/>
+                                      </p:to>
+                                    </p:set>
+                                  </p:childTnLst>
+                                </p:cTn>
+                              </p:par>
+                            </p:childTnLst>
+                          </p:cTn>
+                        </p:par>
+                      </p:childTnLst>
+                    </p:cTn>
+                  </p:par>
+                </p:childTnLst>
+              </p:cTn>
+              <p:prevCondLst>
+                <p:cond evt="onPrev" delay="0">
+                  <p:tgtEl>
+                    <p:sldTgt/>
+                  </p:tgtEl>
+                </p:cond>
+              </p:prevCondLst>
+              <p:nextCondLst>
+                <p:cond evt="onNext" delay="0">
+                  <p:tgtEl>
+                    <p:sldTgt/>
+                  </p:tgtEl>
+                </p:cond>
+              </p:nextCondLst>
+            </p:seq>
+          </p:childTnLst>
+        </p:cTn>
+      </p:par>
+    </p:tnLst>
+    <p:bldLst>
+      <p:bldP spid="4099" grpId="0"/>
+      <p:bldP spid="3" grpId="0"/>
+    </p:bldLst>
+  </p:timing>
+</p:sld>
+</file>
+
+<file path=ppt/slides/slide20.xml><?xml version="1.0" encoding="utf-8"?>
 <p:sld xmlns:a="http://schemas.openxmlformats.org/drawingml/2006/main" xmlns:r="http://schemas.openxmlformats.org/officeDocument/2006/relationships" xmlns:p="http://schemas.openxmlformats.org/presentationml/2006/main">
   <p:cSld>
     <p:spTree>
@@ -15532,27 +12639,7 @@
                   </a:schemeClr>
                 </a:solidFill>
               </a:rPr>
-              <a:t>(Inter-</a:t>
-            </a:r>
-            <a:r>
-              <a:rPr lang="es-MX" sz="2400" b="1" dirty="0" err="1">
-                <a:solidFill>
-                  <a:schemeClr val="accent3">
-                    <a:lumMod val="75000"/>
-                  </a:schemeClr>
-                </a:solidFill>
-              </a:rPr>
-              <a:t>networking</a:t>
-            </a:r>
-            <a:r>
-              <a:rPr lang="es-MX" sz="2400" b="1" dirty="0">
-                <a:solidFill>
-                  <a:schemeClr val="accent3">
-                    <a:lumMod val="75000"/>
-                  </a:schemeClr>
-                </a:solidFill>
-              </a:rPr>
-              <a:t>)</a:t>
+              <a:t>(Inter-networking)</a:t>
             </a:r>
             <a:endParaRPr lang="es-ES_tradnl" sz="3200" b="1" dirty="0">
               <a:solidFill>
@@ -15586,7 +12673,7 @@
         </p:blipFill>
         <p:spPr>
           <a:xfrm>
-            <a:off x="1835696" y="4063771"/>
+            <a:off x="1979712" y="4005064"/>
             <a:ext cx="5688632" cy="2101533"/>
           </a:xfrm>
           <a:prstGeom prst="rect">
@@ -15762,29 +12849,7 @@
                 </a:solidFill>
                 <a:latin typeface="+mn-lt"/>
               </a:rPr>
-              <a:t>Un </a:t>
-            </a:r>
-            <a:r>
-              <a:rPr lang="es-MX" sz="1800" dirty="0" err="1">
-                <a:solidFill>
-                  <a:schemeClr val="bg2">
-                    <a:lumMod val="25000"/>
-                  </a:schemeClr>
-                </a:solidFill>
-                <a:latin typeface="+mn-lt"/>
-              </a:rPr>
-              <a:t>router</a:t>
-            </a:r>
-            <a:r>
-              <a:rPr lang="es-MX" sz="1800" dirty="0">
-                <a:solidFill>
-                  <a:schemeClr val="bg2">
-                    <a:lumMod val="25000"/>
-                  </a:schemeClr>
-                </a:solidFill>
-                <a:latin typeface="+mn-lt"/>
-              </a:rPr>
-              <a:t> crea una inter-red.</a:t>
+              <a:t>Un router crea una inter-red.</a:t>
             </a:r>
           </a:p>
         </p:txBody>
@@ -16004,30 +13069,6 @@
           <a:chExt cx="0" cy="0"/>
         </a:xfrm>
       </p:grpSpPr>
-      <p:pic>
-        <p:nvPicPr>
-          <p:cNvPr id="2" name="Imagen 1"/>
-          <p:cNvPicPr>
-            <a:picLocks noChangeAspect="1"/>
-          </p:cNvPicPr>
-          <p:nvPr/>
-        </p:nvPicPr>
-        <p:blipFill>
-          <a:blip r:embed="rId2"/>
-          <a:stretch>
-            <a:fillRect/>
-          </a:stretch>
-        </p:blipFill>
-        <p:spPr>
-          <a:xfrm>
-            <a:off x="4211960" y="2266728"/>
-            <a:ext cx="4461147" cy="2592288"/>
-          </a:xfrm>
-          <a:prstGeom prst="rect">
-            <a:avLst/>
-          </a:prstGeom>
-        </p:spPr>
-      </p:pic>
       <p:sp>
         <p:nvSpPr>
           <p:cNvPr id="4099" name="Text Box 3"/>
@@ -16038,8 +13079,8 @@
         </p:nvSpPr>
         <p:spPr bwMode="auto">
           <a:xfrm>
-            <a:off x="890589" y="2065368"/>
-            <a:ext cx="7488832" cy="4247317"/>
+            <a:off x="686710" y="1412776"/>
+            <a:ext cx="7773721" cy="967957"/>
           </a:xfrm>
           <a:prstGeom prst="rect">
             <a:avLst/>
@@ -16171,15 +13212,19 @@
             </a:lvl9pPr>
           </a:lstStyle>
           <a:p>
-            <a:pPr marL="457200" indent="-457200">
+            <a:pPr marL="449263" lvl="1" indent="7938" algn="just">
               <a:lnSpc>
-                <a:spcPct val="200000"/>
+                <a:spcPct val="150000"/>
               </a:lnSpc>
-              <a:buFont typeface="+mj-lt"/>
-              <a:buAutoNum type="arabicPeriod"/>
+              <a:spcBef>
+                <a:spcPts val="600"/>
+              </a:spcBef>
+              <a:spcAft>
+                <a:spcPts val="1200"/>
+              </a:spcAft>
             </a:pPr>
             <a:r>
-              <a:rPr lang="es-MX" sz="2000" b="1" dirty="0" err="1">
+              <a:rPr lang="es-MX" sz="2000" b="1" dirty="0">
                 <a:solidFill>
                   <a:schemeClr val="accent6">
                     <a:lumMod val="75000"/>
@@ -16187,147 +13232,8 @@
                 </a:solidFill>
                 <a:latin typeface="+mn-lt"/>
               </a:rPr>
-              <a:t>Hubs</a:t>
-            </a:r>
-            <a:endParaRPr lang="es-MX" sz="2000" b="1" dirty="0">
-              <a:solidFill>
-                <a:schemeClr val="accent6">
-                  <a:lumMod val="75000"/>
-                </a:schemeClr>
-              </a:solidFill>
-              <a:latin typeface="+mn-lt"/>
-            </a:endParaRPr>
-          </a:p>
-          <a:p>
-            <a:pPr marL="457200" indent="-457200">
-              <a:lnSpc>
-                <a:spcPct val="200000"/>
-              </a:lnSpc>
-              <a:buFont typeface="+mj-lt"/>
-              <a:buAutoNum type="arabicPeriod"/>
-            </a:pPr>
-            <a:r>
-              <a:rPr lang="es-MX" sz="2000" b="1" dirty="0" err="1">
-                <a:solidFill>
-                  <a:schemeClr val="accent6">
-                    <a:lumMod val="75000"/>
-                  </a:schemeClr>
-                </a:solidFill>
-                <a:latin typeface="+mn-lt"/>
-              </a:rPr>
-              <a:t>Switches</a:t>
-            </a:r>
-            <a:endParaRPr lang="es-MX" sz="2000" b="1" dirty="0">
-              <a:solidFill>
-                <a:schemeClr val="accent6">
-                  <a:lumMod val="75000"/>
-                </a:schemeClr>
-              </a:solidFill>
-              <a:latin typeface="+mn-lt"/>
-            </a:endParaRPr>
-          </a:p>
-          <a:p>
-            <a:pPr marL="457200" indent="-457200">
-              <a:lnSpc>
-                <a:spcPct val="200000"/>
-              </a:lnSpc>
-              <a:buFont typeface="+mj-lt"/>
-              <a:buAutoNum type="arabicPeriod"/>
-            </a:pPr>
-            <a:r>
-              <a:rPr lang="es-MX" sz="2000" b="1" dirty="0" err="1">
-                <a:solidFill>
-                  <a:schemeClr val="accent6">
-                    <a:lumMod val="75000"/>
-                  </a:schemeClr>
-                </a:solidFill>
-                <a:latin typeface="+mn-lt"/>
-              </a:rPr>
-              <a:t>Ruteadores</a:t>
-            </a:r>
-            <a:endParaRPr lang="es-MX" sz="2000" b="1" dirty="0">
-              <a:solidFill>
-                <a:schemeClr val="accent6">
-                  <a:lumMod val="75000"/>
-                </a:schemeClr>
-              </a:solidFill>
-              <a:latin typeface="+mn-lt"/>
-            </a:endParaRPr>
-          </a:p>
-          <a:p>
-            <a:pPr marL="457200" indent="-457200">
-              <a:lnSpc>
-                <a:spcPct val="200000"/>
-              </a:lnSpc>
-              <a:buFont typeface="+mj-lt"/>
-              <a:buAutoNum type="arabicPeriod"/>
-            </a:pPr>
-            <a:r>
-              <a:rPr lang="es-MX" sz="2000" b="1" dirty="0">
-                <a:solidFill>
-                  <a:schemeClr val="accent6">
-                    <a:lumMod val="75000"/>
-                  </a:schemeClr>
-                </a:solidFill>
-                <a:latin typeface="+mn-lt"/>
-              </a:rPr>
-              <a:t>Access Point</a:t>
-            </a:r>
-          </a:p>
-          <a:p>
-            <a:pPr marL="457200" indent="-457200">
-              <a:lnSpc>
-                <a:spcPct val="200000"/>
-              </a:lnSpc>
-              <a:buFont typeface="+mj-lt"/>
-              <a:buAutoNum type="arabicPeriod"/>
-            </a:pPr>
-            <a:r>
-              <a:rPr lang="es-MX" sz="2000" b="1" dirty="0">
-                <a:solidFill>
-                  <a:schemeClr val="accent6">
-                    <a:lumMod val="75000"/>
-                  </a:schemeClr>
-                </a:solidFill>
-                <a:latin typeface="+mn-lt"/>
-              </a:rPr>
-              <a:t>Radio frecuencia/ microondas</a:t>
-            </a:r>
-          </a:p>
-          <a:p>
-            <a:pPr marL="457200" indent="-457200">
-              <a:lnSpc>
-                <a:spcPct val="200000"/>
-              </a:lnSpc>
-              <a:buFont typeface="+mj-lt"/>
-              <a:buAutoNum type="arabicPeriod"/>
-            </a:pPr>
-            <a:r>
-              <a:rPr lang="es-MX" sz="2000" b="1" dirty="0">
-                <a:solidFill>
-                  <a:schemeClr val="accent6">
-                    <a:lumMod val="75000"/>
-                  </a:schemeClr>
-                </a:solidFill>
-                <a:latin typeface="+mn-lt"/>
-              </a:rPr>
-              <a:t>Cables UTP, Coaxial o de Fibra óptica</a:t>
-            </a:r>
-          </a:p>
-          <a:p>
-            <a:pPr algn="ctr">
-              <a:lnSpc>
-                <a:spcPct val="150000"/>
-              </a:lnSpc>
-            </a:pPr>
-            <a:endParaRPr lang="es-MX" sz="2000" dirty="0">
-              <a:solidFill>
-                <a:schemeClr val="bg2">
-                  <a:lumMod val="25000"/>
-                </a:schemeClr>
-              </a:solidFill>
-              <a:latin typeface="+mn-lt"/>
-            </a:endParaRPr>
+              <a:t>Conectan componentes de red, para lo cual envían un paquete de datos a todos los dispositivos conectados.</a:t>
+            </a:r>
           </a:p>
         </p:txBody>
       </p:sp>
@@ -16400,461 +13306,6 @@
                 </a:effectLst>
                 <a:latin typeface="Dom Casual" charset="0"/>
               </a:rPr>
-              <a:t>Hardware de comunicaciones</a:t>
-            </a:r>
-          </a:p>
-        </p:txBody>
-      </p:sp>
-      <p:sp>
-        <p:nvSpPr>
-          <p:cNvPr id="3" name="Rectángulo 2"/>
-          <p:cNvSpPr/>
-          <p:nvPr/>
-        </p:nvSpPr>
-        <p:spPr>
-          <a:xfrm>
-            <a:off x="881844" y="1435724"/>
-            <a:ext cx="7399076" cy="506292"/>
-          </a:xfrm>
-          <a:prstGeom prst="rect">
-            <a:avLst/>
-          </a:prstGeom>
-        </p:spPr>
-        <p:txBody>
-          <a:bodyPr wrap="square">
-            <a:spAutoFit/>
-          </a:bodyPr>
-          <a:lstStyle/>
-          <a:p>
-            <a:pPr algn="just">
-              <a:lnSpc>
-                <a:spcPct val="150000"/>
-              </a:lnSpc>
-              <a:spcBef>
-                <a:spcPts val="600"/>
-              </a:spcBef>
-            </a:pPr>
-            <a:r>
-              <a:rPr lang="es-MX" sz="2000" dirty="0">
-                <a:solidFill>
-                  <a:schemeClr val="bg2">
-                    <a:lumMod val="25000"/>
-                  </a:schemeClr>
-                </a:solidFill>
-              </a:rPr>
-              <a:t>Las redes se comunican gracias al </a:t>
-            </a:r>
-            <a:r>
-              <a:rPr lang="es-MX" sz="2000" b="1" dirty="0">
-                <a:solidFill>
-                  <a:schemeClr val="accent5">
-                    <a:lumMod val="75000"/>
-                  </a:schemeClr>
-                </a:solidFill>
-              </a:rPr>
-              <a:t>hardware de comunicaciones:</a:t>
-            </a:r>
-            <a:endParaRPr lang="es-MX" sz="2000" dirty="0">
-              <a:solidFill>
-                <a:schemeClr val="accent5">
-                  <a:lumMod val="75000"/>
-                </a:schemeClr>
-              </a:solidFill>
-            </a:endParaRPr>
-          </a:p>
-        </p:txBody>
-      </p:sp>
-    </p:spTree>
-    <p:extLst>
-      <p:ext uri="{BB962C8B-B14F-4D97-AF65-F5344CB8AC3E}">
-        <p14:creationId xmlns:p14="http://schemas.microsoft.com/office/powerpoint/2010/main" val="1809874150"/>
-      </p:ext>
-    </p:extLst>
-  </p:cSld>
-  <p:clrMapOvr>
-    <a:masterClrMapping/>
-  </p:clrMapOvr>
-  <p:timing>
-    <p:tnLst>
-      <p:par>
-        <p:cTn id="1" dur="indefinite" restart="never" nodeType="tmRoot">
-          <p:childTnLst>
-            <p:seq concurrent="1" nextAc="seek">
-              <p:cTn id="2" dur="indefinite" nodeType="mainSeq">
-                <p:childTnLst>
-                  <p:par>
-                    <p:cTn id="3" fill="hold">
-                      <p:stCondLst>
-                        <p:cond delay="indefinite"/>
-                      </p:stCondLst>
-                      <p:childTnLst>
-                        <p:par>
-                          <p:cTn id="4" fill="hold">
-                            <p:stCondLst>
-                              <p:cond delay="0"/>
-                            </p:stCondLst>
-                            <p:childTnLst>
-                              <p:par>
-                                <p:cTn id="5" presetID="1" presetClass="entr" presetSubtype="0" fill="hold" grpId="0" nodeType="clickEffect">
-                                  <p:stCondLst>
-                                    <p:cond delay="0"/>
-                                  </p:stCondLst>
-                                  <p:childTnLst>
-                                    <p:set>
-                                      <p:cBhvr>
-                                        <p:cTn id="6" dur="1" fill="hold">
-                                          <p:stCondLst>
-                                            <p:cond delay="0"/>
-                                          </p:stCondLst>
-                                        </p:cTn>
-                                        <p:tgtEl>
-                                          <p:spTgt spid="3"/>
-                                        </p:tgtEl>
-                                        <p:attrNameLst>
-                                          <p:attrName>style.visibility</p:attrName>
-                                        </p:attrNameLst>
-                                      </p:cBhvr>
-                                      <p:to>
-                                        <p:strVal val="visible"/>
-                                      </p:to>
-                                    </p:set>
-                                  </p:childTnLst>
-                                </p:cTn>
-                              </p:par>
-                            </p:childTnLst>
-                          </p:cTn>
-                        </p:par>
-                      </p:childTnLst>
-                    </p:cTn>
-                  </p:par>
-                  <p:par>
-                    <p:cTn id="7" fill="hold">
-                      <p:stCondLst>
-                        <p:cond delay="indefinite"/>
-                      </p:stCondLst>
-                      <p:childTnLst>
-                        <p:par>
-                          <p:cTn id="8" fill="hold">
-                            <p:stCondLst>
-                              <p:cond delay="0"/>
-                            </p:stCondLst>
-                            <p:childTnLst>
-                              <p:par>
-                                <p:cTn id="9" presetID="1" presetClass="entr" presetSubtype="0" fill="hold" grpId="0" nodeType="clickEffect">
-                                  <p:stCondLst>
-                                    <p:cond delay="0"/>
-                                  </p:stCondLst>
-                                  <p:childTnLst>
-                                    <p:set>
-                                      <p:cBhvr>
-                                        <p:cTn id="10" dur="1" fill="hold">
-                                          <p:stCondLst>
-                                            <p:cond delay="0"/>
-                                          </p:stCondLst>
-                                        </p:cTn>
-                                        <p:tgtEl>
-                                          <p:spTgt spid="4099"/>
-                                        </p:tgtEl>
-                                        <p:attrNameLst>
-                                          <p:attrName>style.visibility</p:attrName>
-                                        </p:attrNameLst>
-                                      </p:cBhvr>
-                                      <p:to>
-                                        <p:strVal val="visible"/>
-                                      </p:to>
-                                    </p:set>
-                                  </p:childTnLst>
-                                </p:cTn>
-                              </p:par>
-                            </p:childTnLst>
-                          </p:cTn>
-                        </p:par>
-                      </p:childTnLst>
-                    </p:cTn>
-                  </p:par>
-                </p:childTnLst>
-              </p:cTn>
-              <p:prevCondLst>
-                <p:cond evt="onPrev" delay="0">
-                  <p:tgtEl>
-                    <p:sldTgt/>
-                  </p:tgtEl>
-                </p:cond>
-              </p:prevCondLst>
-              <p:nextCondLst>
-                <p:cond evt="onNext" delay="0">
-                  <p:tgtEl>
-                    <p:sldTgt/>
-                  </p:tgtEl>
-                </p:cond>
-              </p:nextCondLst>
-            </p:seq>
-          </p:childTnLst>
-        </p:cTn>
-      </p:par>
-    </p:tnLst>
-    <p:bldLst>
-      <p:bldP spid="4099" grpId="0"/>
-      <p:bldP spid="3" grpId="0"/>
-    </p:bldLst>
-  </p:timing>
-</p:sld>
-</file>
-
-<file path=ppt/slides/slide4.xml><?xml version="1.0" encoding="utf-8"?>
-<p:sld xmlns:a="http://schemas.openxmlformats.org/drawingml/2006/main" xmlns:r="http://schemas.openxmlformats.org/officeDocument/2006/relationships" xmlns:p="http://schemas.openxmlformats.org/presentationml/2006/main">
-  <p:cSld>
-    <p:spTree>
-      <p:nvGrpSpPr>
-        <p:cNvPr id="1" name=""/>
-        <p:cNvGrpSpPr/>
-        <p:nvPr/>
-      </p:nvGrpSpPr>
-      <p:grpSpPr>
-        <a:xfrm>
-          <a:off x="0" y="0"/>
-          <a:ext cx="0" cy="0"/>
-          <a:chOff x="0" y="0"/>
-          <a:chExt cx="0" cy="0"/>
-        </a:xfrm>
-      </p:grpSpPr>
-      <p:sp>
-        <p:nvSpPr>
-          <p:cNvPr id="4099" name="Text Box 3"/>
-          <p:cNvSpPr txBox="1">
-            <a:spLocks noChangeArrowheads="1"/>
-          </p:cNvSpPr>
-          <p:nvPr/>
-        </p:nvSpPr>
-        <p:spPr bwMode="auto">
-          <a:xfrm>
-            <a:off x="686710" y="1412776"/>
-            <a:ext cx="7773721" cy="967957"/>
-          </a:xfrm>
-          <a:prstGeom prst="rect">
-            <a:avLst/>
-          </a:prstGeom>
-          <a:noFill/>
-          <a:ln>
-            <a:noFill/>
-          </a:ln>
-          <a:extLst>
-            <a:ext uri="{909E8E84-426E-40DD-AFC4-6F175D3DCCD1}">
-              <a14:hiddenFill xmlns:a14="http://schemas.microsoft.com/office/drawing/2010/main">
-                <a:solidFill>
-                  <a:srgbClr val="FFFFFF"/>
-                </a:solidFill>
-              </a14:hiddenFill>
-            </a:ext>
-            <a:ext uri="{91240B29-F687-4F45-9708-019B960494DF}">
-              <a14:hiddenLine xmlns:a14="http://schemas.microsoft.com/office/drawing/2010/main" w="9525">
-                <a:solidFill>
-                  <a:srgbClr val="000000"/>
-                </a:solidFill>
-                <a:miter lim="800000"/>
-                <a:headEnd/>
-                <a:tailEnd/>
-              </a14:hiddenLine>
-            </a:ext>
-          </a:extLst>
-        </p:spPr>
-        <p:txBody>
-          <a:bodyPr wrap="square">
-            <a:spAutoFit/>
-          </a:bodyPr>
-          <a:lstStyle>
-            <a:lvl1pPr eaLnBrk="0" hangingPunct="0">
-              <a:defRPr>
-                <a:solidFill>
-                  <a:schemeClr val="tx1"/>
-                </a:solidFill>
-                <a:latin typeface="Arial" pitchFamily="34" charset="0"/>
-              </a:defRPr>
-            </a:lvl1pPr>
-            <a:lvl2pPr marL="742950" indent="-285750" eaLnBrk="0" hangingPunct="0">
-              <a:defRPr>
-                <a:solidFill>
-                  <a:schemeClr val="tx1"/>
-                </a:solidFill>
-                <a:latin typeface="Arial" pitchFamily="34" charset="0"/>
-              </a:defRPr>
-            </a:lvl2pPr>
-            <a:lvl3pPr marL="1143000" indent="-228600" eaLnBrk="0" hangingPunct="0">
-              <a:defRPr>
-                <a:solidFill>
-                  <a:schemeClr val="tx1"/>
-                </a:solidFill>
-                <a:latin typeface="Arial" pitchFamily="34" charset="0"/>
-              </a:defRPr>
-            </a:lvl3pPr>
-            <a:lvl4pPr marL="1600200" indent="-228600" eaLnBrk="0" hangingPunct="0">
-              <a:defRPr>
-                <a:solidFill>
-                  <a:schemeClr val="tx1"/>
-                </a:solidFill>
-                <a:latin typeface="Arial" pitchFamily="34" charset="0"/>
-              </a:defRPr>
-            </a:lvl4pPr>
-            <a:lvl5pPr marL="2057400" indent="-228600" eaLnBrk="0" hangingPunct="0">
-              <a:defRPr>
-                <a:solidFill>
-                  <a:schemeClr val="tx1"/>
-                </a:solidFill>
-                <a:latin typeface="Arial" pitchFamily="34" charset="0"/>
-              </a:defRPr>
-            </a:lvl5pPr>
-            <a:lvl6pPr marL="2514600" indent="-228600" eaLnBrk="0" fontAlgn="base" hangingPunct="0">
-              <a:spcBef>
-                <a:spcPct val="0"/>
-              </a:spcBef>
-              <a:spcAft>
-                <a:spcPct val="0"/>
-              </a:spcAft>
-              <a:defRPr>
-                <a:solidFill>
-                  <a:schemeClr val="tx1"/>
-                </a:solidFill>
-                <a:latin typeface="Arial" pitchFamily="34" charset="0"/>
-              </a:defRPr>
-            </a:lvl6pPr>
-            <a:lvl7pPr marL="2971800" indent="-228600" eaLnBrk="0" fontAlgn="base" hangingPunct="0">
-              <a:spcBef>
-                <a:spcPct val="0"/>
-              </a:spcBef>
-              <a:spcAft>
-                <a:spcPct val="0"/>
-              </a:spcAft>
-              <a:defRPr>
-                <a:solidFill>
-                  <a:schemeClr val="tx1"/>
-                </a:solidFill>
-                <a:latin typeface="Arial" pitchFamily="34" charset="0"/>
-              </a:defRPr>
-            </a:lvl7pPr>
-            <a:lvl8pPr marL="3429000" indent="-228600" eaLnBrk="0" fontAlgn="base" hangingPunct="0">
-              <a:spcBef>
-                <a:spcPct val="0"/>
-              </a:spcBef>
-              <a:spcAft>
-                <a:spcPct val="0"/>
-              </a:spcAft>
-              <a:defRPr>
-                <a:solidFill>
-                  <a:schemeClr val="tx1"/>
-                </a:solidFill>
-                <a:latin typeface="Arial" pitchFamily="34" charset="0"/>
-              </a:defRPr>
-            </a:lvl8pPr>
-            <a:lvl9pPr marL="3886200" indent="-228600" eaLnBrk="0" fontAlgn="base" hangingPunct="0">
-              <a:spcBef>
-                <a:spcPct val="0"/>
-              </a:spcBef>
-              <a:spcAft>
-                <a:spcPct val="0"/>
-              </a:spcAft>
-              <a:defRPr>
-                <a:solidFill>
-                  <a:schemeClr val="tx1"/>
-                </a:solidFill>
-                <a:latin typeface="Arial" pitchFamily="34" charset="0"/>
-              </a:defRPr>
-            </a:lvl9pPr>
-          </a:lstStyle>
-          <a:p>
-            <a:pPr marL="449263" lvl="1" indent="7938" algn="just">
-              <a:lnSpc>
-                <a:spcPct val="150000"/>
-              </a:lnSpc>
-              <a:spcBef>
-                <a:spcPts val="600"/>
-              </a:spcBef>
-              <a:spcAft>
-                <a:spcPts val="1200"/>
-              </a:spcAft>
-            </a:pPr>
-            <a:r>
-              <a:rPr lang="es-MX" sz="2000" b="1" dirty="0">
-                <a:solidFill>
-                  <a:schemeClr val="accent6">
-                    <a:lumMod val="75000"/>
-                  </a:schemeClr>
-                </a:solidFill>
-                <a:latin typeface="+mn-lt"/>
-              </a:rPr>
-              <a:t>Conectan componentes de red, para lo cual envían un paquete de datos a todos los dispositivos conectados.</a:t>
-            </a:r>
-          </a:p>
-        </p:txBody>
-      </p:sp>
-      <p:sp>
-        <p:nvSpPr>
-          <p:cNvPr id="5" name="Rectangle 2"/>
-          <p:cNvSpPr txBox="1">
-            <a:spLocks noChangeArrowheads="1"/>
-          </p:cNvSpPr>
-          <p:nvPr/>
-        </p:nvSpPr>
-        <p:spPr>
-          <a:xfrm>
-            <a:off x="144016" y="197768"/>
-            <a:ext cx="8964488" cy="1143000"/>
-          </a:xfrm>
-          <a:prstGeom prst="rect">
-            <a:avLst/>
-          </a:prstGeom>
-        </p:spPr>
-        <p:txBody>
-          <a:bodyPr vert="horz" lIns="92075" tIns="46038" rIns="92075" bIns="46038" rtlCol="0" anchor="ctr">
-            <a:noAutofit/>
-          </a:bodyPr>
-          <a:lstStyle>
-            <a:lvl1pPr algn="ctr" defTabSz="914400" rtl="0" eaLnBrk="1" latinLnBrk="0" hangingPunct="1">
-              <a:spcBef>
-                <a:spcPct val="0"/>
-              </a:spcBef>
-              <a:buNone/>
-              <a:defRPr sz="4400" kern="1200">
-                <a:solidFill>
-                  <a:schemeClr val="tx1"/>
-                </a:solidFill>
-                <a:latin typeface="+mj-lt"/>
-                <a:ea typeface="+mj-ea"/>
-                <a:cs typeface="+mj-cs"/>
-              </a:defRPr>
-            </a:lvl1pPr>
-          </a:lstStyle>
-          <a:p>
-            <a:pPr>
-              <a:defRPr/>
-            </a:pPr>
-            <a:r>
-              <a:rPr lang="es-ES_tradnl" sz="3200" dirty="0">
-                <a:solidFill>
-                  <a:srgbClr val="3333CC"/>
-                </a:solidFill>
-                <a:effectLst>
-                  <a:outerShdw blurRad="38100" dist="38100" dir="2700000" algn="tl">
-                    <a:srgbClr val="C0C0C0"/>
-                  </a:outerShdw>
-                </a:effectLst>
-                <a:latin typeface="Dom Casual" charset="0"/>
-              </a:rPr>
-              <a:t> </a:t>
-            </a:r>
-            <a:r>
-              <a:rPr lang="es-ES_tradnl" sz="3200" b="1" dirty="0">
-                <a:solidFill>
-                  <a:schemeClr val="accent4">
-                    <a:lumMod val="50000"/>
-                  </a:schemeClr>
-                </a:solidFill>
-                <a:effectLst>
-                  <a:outerShdw blurRad="38100" dist="38100" dir="2700000" algn="tl">
-                    <a:srgbClr val="C0C0C0"/>
-                  </a:outerShdw>
-                </a:effectLst>
-                <a:latin typeface="Dom Casual" charset="0"/>
-              </a:rPr>
               <a:t>Hub</a:t>
             </a:r>
           </a:p>
@@ -16869,7 +13320,7 @@
           <p:nvPr/>
         </p:nvPicPr>
         <p:blipFill>
-          <a:blip r:embed="rId2"/>
+          <a:blip r:embed="rId3"/>
           <a:stretch>
             <a:fillRect/>
           </a:stretch>
@@ -16884,45 +13335,6 @@
           </a:prstGeom>
         </p:spPr>
       </p:pic>
-      <p:sp>
-        <p:nvSpPr>
-          <p:cNvPr id="2" name="Rectángulo 1"/>
-          <p:cNvSpPr/>
-          <p:nvPr/>
-        </p:nvSpPr>
-        <p:spPr>
-          <a:xfrm>
-            <a:off x="1187624" y="5563559"/>
-            <a:ext cx="4143397" cy="369332"/>
-          </a:xfrm>
-          <a:prstGeom prst="rect">
-            <a:avLst/>
-          </a:prstGeom>
-        </p:spPr>
-        <p:txBody>
-          <a:bodyPr wrap="square">
-            <a:spAutoFit/>
-          </a:bodyPr>
-          <a:lstStyle/>
-          <a:p>
-            <a:pPr>
-              <a:lnSpc>
-                <a:spcPct val="150000"/>
-              </a:lnSpc>
-            </a:pPr>
-            <a:r>
-              <a:rPr lang="es-MX" sz="1200" i="1" dirty="0">
-                <a:solidFill>
-                  <a:schemeClr val="bg2">
-                    <a:lumMod val="50000"/>
-                  </a:schemeClr>
-                </a:solidFill>
-              </a:rPr>
-              <a:t>http://www.directsystems.com/support/diff_hubanim.gif</a:t>
-            </a:r>
-          </a:p>
-        </p:txBody>
-      </p:sp>
     </p:spTree>
     <p:extLst>
       <p:ext uri="{BB962C8B-B14F-4D97-AF65-F5344CB8AC3E}">
@@ -16986,51 +13398,6 @@
                       </p:childTnLst>
                     </p:cTn>
                   </p:par>
-                  <p:par>
-                    <p:cTn id="7" fill="hold">
-                      <p:stCondLst>
-                        <p:cond delay="indefinite"/>
-                      </p:stCondLst>
-                      <p:childTnLst>
-                        <p:par>
-                          <p:cTn id="8" fill="hold">
-                            <p:stCondLst>
-                              <p:cond delay="0"/>
-                            </p:stCondLst>
-                            <p:childTnLst>
-                              <p:par>
-                                <p:cTn id="9" presetID="1" presetClass="entr" presetSubtype="0" fill="hold" grpId="0" nodeType="clickEffect">
-                                  <p:stCondLst>
-                                    <p:cond delay="0"/>
-                                  </p:stCondLst>
-                                  <p:childTnLst>
-                                    <p:set>
-                                      <p:cBhvr>
-                                        <p:cTn id="10" dur="1" fill="hold">
-                                          <p:stCondLst>
-                                            <p:cond delay="0"/>
-                                          </p:stCondLst>
-                                        </p:cTn>
-                                        <p:tgtEl>
-                                          <p:spTgt spid="2"/>
-                                        </p:tgtEl>
-                                        <p:attrNameLst>
-                                          <p:attrName>style.visibility</p:attrName>
-                                        </p:attrNameLst>
-                                      </p:cBhvr>
-                                      <p:to>
-                                        <p:strVal val="visible"/>
-                                      </p:to>
-                                    </p:set>
-                                  </p:childTnLst>
-                                </p:cTn>
-                              </p:par>
-                            </p:childTnLst>
-                          </p:cTn>
-                        </p:par>
-                      </p:childTnLst>
-                    </p:cTn>
-                  </p:par>
                 </p:childTnLst>
               </p:cTn>
               <p:prevCondLst>
@@ -17054,13 +13421,12 @@
     </p:tnLst>
     <p:bldLst>
       <p:bldP spid="4099" grpId="0"/>
-      <p:bldP spid="2" grpId="0"/>
     </p:bldLst>
   </p:timing>
 </p:sld>
 </file>
 
-<file path=ppt/slides/slide5.xml><?xml version="1.0" encoding="utf-8"?>
+<file path=ppt/slides/slide4.xml><?xml version="1.0" encoding="utf-8"?>
 <p:sld xmlns:a="http://schemas.openxmlformats.org/drawingml/2006/main" xmlns:r="http://schemas.openxmlformats.org/officeDocument/2006/relationships" xmlns:p="http://schemas.openxmlformats.org/presentationml/2006/main">
   <p:cSld>
     <p:spTree>
@@ -17337,29 +13703,7 @@
                 </a:solidFill>
                 <a:latin typeface="+mn-lt"/>
               </a:rPr>
-              <a:t>Es un aparato muy semejante al </a:t>
-            </a:r>
-            <a:r>
-              <a:rPr lang="es-MX" sz="2000" dirty="0" err="1">
-                <a:solidFill>
-                  <a:schemeClr val="bg2">
-                    <a:lumMod val="25000"/>
-                  </a:schemeClr>
-                </a:solidFill>
-                <a:latin typeface="+mn-lt"/>
-              </a:rPr>
-              <a:t>hub</a:t>
-            </a:r>
-            <a:r>
-              <a:rPr lang="es-MX" sz="2000" dirty="0">
-                <a:solidFill>
-                  <a:schemeClr val="bg2">
-                    <a:lumMod val="25000"/>
-                  </a:schemeClr>
-                </a:solidFill>
-                <a:latin typeface="+mn-lt"/>
-              </a:rPr>
-              <a:t>, pero tiene una gran diferencia: Este sí </a:t>
+              <a:t>Es un aparato muy semejante al hub, pero tiene una gran diferencia: Este sí </a:t>
             </a:r>
             <a:r>
               <a:rPr lang="es-MX" sz="2000" b="1" dirty="0">
@@ -17370,29 +13714,7 @@
                 </a:solidFill>
                 <a:latin typeface="+mn-lt"/>
               </a:rPr>
-              <a:t>diferencia los equipos conectados a el por su “MAC </a:t>
-            </a:r>
-            <a:r>
-              <a:rPr lang="es-MX" sz="2000" b="1" dirty="0" err="1">
-                <a:solidFill>
-                  <a:schemeClr val="accent6">
-                    <a:lumMod val="75000"/>
-                  </a:schemeClr>
-                </a:solidFill>
-                <a:latin typeface="+mn-lt"/>
-              </a:rPr>
-              <a:t>address</a:t>
-            </a:r>
-            <a:r>
-              <a:rPr lang="es-MX" sz="2000" b="1" dirty="0">
-                <a:solidFill>
-                  <a:schemeClr val="accent6">
-                    <a:lumMod val="75000"/>
-                  </a:schemeClr>
-                </a:solidFill>
-                <a:latin typeface="+mn-lt"/>
-              </a:rPr>
-              <a:t>”</a:t>
+              <a:t>diferencia los equipos conectados a el por su “MAC address”</a:t>
             </a:r>
             <a:r>
               <a:rPr lang="es-MX" sz="2000" dirty="0">
@@ -17738,7 +14060,7 @@
 </p:sld>
 </file>
 
-<file path=ppt/slides/slide6.xml><?xml version="1.0" encoding="utf-8"?>
+<file path=ppt/slides/slide5.xml><?xml version="1.0" encoding="utf-8"?>
 <p:sld xmlns:a="http://schemas.openxmlformats.org/drawingml/2006/main" xmlns:r="http://schemas.openxmlformats.org/officeDocument/2006/relationships" xmlns:p="http://schemas.openxmlformats.org/presentationml/2006/main">
   <p:cSld>
     <p:spTree>
@@ -17947,7 +14269,7 @@
 </p:sld>
 </file>
 
-<file path=ppt/slides/slide7.xml><?xml version="1.0" encoding="utf-8"?>
+<file path=ppt/slides/slide6.xml><?xml version="1.0" encoding="utf-8"?>
 <p:sld xmlns:a="http://schemas.openxmlformats.org/drawingml/2006/main" xmlns:r="http://schemas.openxmlformats.org/officeDocument/2006/relationships" xmlns:p="http://schemas.openxmlformats.org/presentationml/2006/main">
   <p:cSld>
     <p:spTree>
@@ -18424,29 +14746,7 @@
                 </a:solidFill>
                 <a:latin typeface="+mn-lt"/>
               </a:rPr>
-              <a:t>Un </a:t>
-            </a:r>
-            <a:r>
-              <a:rPr lang="es-ES" altLang="es-MX" sz="2000" dirty="0" err="1">
-                <a:solidFill>
-                  <a:schemeClr val="bg2">
-                    <a:lumMod val="25000"/>
-                  </a:schemeClr>
-                </a:solidFill>
-                <a:latin typeface="+mn-lt"/>
-              </a:rPr>
-              <a:t>router</a:t>
-            </a:r>
-            <a:r>
-              <a:rPr lang="es-ES" altLang="es-MX" sz="2000" dirty="0">
-                <a:solidFill>
-                  <a:schemeClr val="bg2">
-                    <a:lumMod val="25000"/>
-                  </a:schemeClr>
-                </a:solidFill>
-                <a:latin typeface="+mn-lt"/>
-              </a:rPr>
-              <a:t> es un </a:t>
+              <a:t>Un router es un </a:t>
             </a:r>
             <a:r>
               <a:rPr lang="es-ES" altLang="es-MX" sz="2000" b="1" dirty="0">
@@ -18640,7 +14940,7 @@
 </p:sld>
 </file>
 
-<file path=ppt/slides/slide8.xml><?xml version="1.0" encoding="utf-8"?>
+<file path=ppt/slides/slide7.xml><?xml version="1.0" encoding="utf-8"?>
 <p:sld xmlns:a="http://schemas.openxmlformats.org/drawingml/2006/main" xmlns:r="http://schemas.openxmlformats.org/officeDocument/2006/relationships" xmlns:p="http://schemas.openxmlformats.org/presentationml/2006/main">
   <p:cSld>
     <p:spTree>
@@ -19183,7 +15483,7 @@
 </p:sld>
 </file>
 
-<file path=ppt/slides/slide9.xml><?xml version="1.0" encoding="utf-8"?>
+<file path=ppt/slides/slide8.xml><?xml version="1.0" encoding="utf-8"?>
 <p:sld xmlns:a="http://schemas.openxmlformats.org/drawingml/2006/main" xmlns:r="http://schemas.openxmlformats.org/officeDocument/2006/relationships" xmlns:p="http://schemas.openxmlformats.org/presentationml/2006/main">
   <p:cSld>
     <p:spTree>
@@ -19329,6 +15629,502 @@
   <p:transition spd="slow">
     <p:wipe/>
   </p:transition>
+</p:sld>
+</file>
+
+<file path=ppt/slides/slide9.xml><?xml version="1.0" encoding="utf-8"?>
+<p:sld xmlns:a="http://schemas.openxmlformats.org/drawingml/2006/main" xmlns:r="http://schemas.openxmlformats.org/officeDocument/2006/relationships" xmlns:p="http://schemas.openxmlformats.org/presentationml/2006/main">
+  <p:cSld>
+    <p:spTree>
+      <p:nvGrpSpPr>
+        <p:cNvPr id="1" name=""/>
+        <p:cNvGrpSpPr/>
+        <p:nvPr/>
+      </p:nvGrpSpPr>
+      <p:grpSpPr>
+        <a:xfrm>
+          <a:off x="0" y="0"/>
+          <a:ext cx="0" cy="0"/>
+          <a:chOff x="0" y="0"/>
+          <a:chExt cx="0" cy="0"/>
+        </a:xfrm>
+      </p:grpSpPr>
+      <p:sp>
+        <p:nvSpPr>
+          <p:cNvPr id="8195" name="Rectangle 6"/>
+          <p:cNvSpPr>
+            <a:spLocks noGrp="1" noChangeArrowheads="1"/>
+          </p:cNvSpPr>
+          <p:nvPr>
+            <p:ph idx="1"/>
+          </p:nvPr>
+        </p:nvSpPr>
+        <p:spPr>
+          <a:xfrm>
+            <a:off x="899592" y="1149017"/>
+            <a:ext cx="7488832" cy="2294474"/>
+          </a:xfrm>
+        </p:spPr>
+        <p:txBody>
+          <a:bodyPr wrap="square">
+            <a:spAutoFit/>
+          </a:bodyPr>
+          <a:lstStyle/>
+          <a:p>
+            <a:pPr marL="0" indent="0" algn="just">
+              <a:lnSpc>
+                <a:spcPts val="2600"/>
+              </a:lnSpc>
+              <a:spcBef>
+                <a:spcPts val="0"/>
+              </a:spcBef>
+              <a:buNone/>
+            </a:pPr>
+            <a:r>
+              <a:rPr lang="es-ES" sz="1600" b="1" dirty="0">
+                <a:solidFill>
+                  <a:schemeClr val="accent6">
+                    <a:lumMod val="75000"/>
+                  </a:schemeClr>
+                </a:solidFill>
+              </a:rPr>
+              <a:t>Puertos LAN</a:t>
+            </a:r>
+          </a:p>
+          <a:p>
+            <a:pPr algn="just">
+              <a:lnSpc>
+                <a:spcPts val="2600"/>
+              </a:lnSpc>
+              <a:spcBef>
+                <a:spcPts val="0"/>
+              </a:spcBef>
+              <a:buFont typeface="Arial" panose="020B0604020202020204" pitchFamily="34" charset="0"/>
+              <a:buChar char="•"/>
+            </a:pPr>
+            <a:r>
+              <a:rPr lang="es-ES" sz="1600" dirty="0"/>
+              <a:t>Comúnmente cuatro puertos LAN. </a:t>
+            </a:r>
+          </a:p>
+          <a:p>
+            <a:pPr algn="just">
+              <a:lnSpc>
+                <a:spcPts val="2600"/>
+              </a:lnSpc>
+              <a:spcBef>
+                <a:spcPts val="0"/>
+              </a:spcBef>
+              <a:buFont typeface="Arial" panose="020B0604020202020204" pitchFamily="34" charset="0"/>
+              <a:buChar char="•"/>
+            </a:pPr>
+            <a:r>
+              <a:rPr lang="es-ES" sz="1600" dirty="0"/>
+              <a:t>Son donde conectamos nuestras PCs, impresoras, servidores y cualquier dispositivo cableado. </a:t>
+            </a:r>
+          </a:p>
+          <a:p>
+            <a:pPr algn="just">
+              <a:lnSpc>
+                <a:spcPts val="2600"/>
+              </a:lnSpc>
+              <a:spcBef>
+                <a:spcPts val="0"/>
+              </a:spcBef>
+              <a:buFont typeface="Arial" panose="020B0604020202020204" pitchFamily="34" charset="0"/>
+              <a:buChar char="•"/>
+            </a:pPr>
+            <a:r>
+              <a:rPr lang="es-ES" sz="1600" dirty="0"/>
+              <a:t>La velocidad de los puertos ethernet puede ser de </a:t>
+            </a:r>
+            <a:r>
+              <a:rPr lang="es-ES" sz="1600" b="1" dirty="0"/>
+              <a:t>10/100/1000 Mbps</a:t>
+            </a:r>
+            <a:r>
+              <a:rPr lang="es-ES" sz="1600" dirty="0"/>
+              <a:t>, aunque podríamos tener velocidades superiores como </a:t>
+            </a:r>
+            <a:r>
+              <a:rPr lang="es-ES" sz="1600" b="1" dirty="0"/>
+              <a:t>2.5 Gbps</a:t>
+            </a:r>
+            <a:r>
+              <a:rPr lang="es-ES" sz="1600" dirty="0"/>
+              <a:t>, </a:t>
+            </a:r>
+            <a:r>
+              <a:rPr lang="es-ES" sz="1600" b="1" dirty="0"/>
+              <a:t>5 Gbps</a:t>
+            </a:r>
+            <a:r>
+              <a:rPr lang="es-ES" sz="1600" dirty="0"/>
+              <a:t> y </a:t>
+            </a:r>
+            <a:r>
+              <a:rPr lang="es-ES" sz="1600" b="1" dirty="0"/>
+              <a:t>10 Gbps</a:t>
+            </a:r>
+            <a:r>
+              <a:rPr lang="es-ES" sz="1600" dirty="0"/>
+              <a:t>.</a:t>
+            </a:r>
+          </a:p>
+        </p:txBody>
+      </p:sp>
+      <p:sp>
+        <p:nvSpPr>
+          <p:cNvPr id="6" name="Rectangle 2">
+            <a:extLst>
+              <a:ext uri="{FF2B5EF4-FFF2-40B4-BE49-F238E27FC236}">
+                <a16:creationId xmlns:a16="http://schemas.microsoft.com/office/drawing/2014/main" id="{C2EE2F51-F651-41B2-9513-9FDF35897CA6}"/>
+              </a:ext>
+            </a:extLst>
+          </p:cNvPr>
+          <p:cNvSpPr txBox="1">
+            <a:spLocks noChangeArrowheads="1"/>
+          </p:cNvSpPr>
+          <p:nvPr/>
+        </p:nvSpPr>
+        <p:spPr>
+          <a:xfrm>
+            <a:off x="89756" y="0"/>
+            <a:ext cx="8964488" cy="1143000"/>
+          </a:xfrm>
+          <a:prstGeom prst="rect">
+            <a:avLst/>
+          </a:prstGeom>
+        </p:spPr>
+        <p:txBody>
+          <a:bodyPr vert="horz" lIns="92075" tIns="46038" rIns="92075" bIns="46038" rtlCol="0" anchor="ctr">
+            <a:noAutofit/>
+          </a:bodyPr>
+          <a:lstStyle>
+            <a:lvl1pPr algn="ctr" defTabSz="914400" rtl="0" eaLnBrk="1" latinLnBrk="0" hangingPunct="1">
+              <a:spcBef>
+                <a:spcPct val="0"/>
+              </a:spcBef>
+              <a:buNone/>
+              <a:defRPr sz="4400" kern="1200">
+                <a:solidFill>
+                  <a:schemeClr val="tx1"/>
+                </a:solidFill>
+                <a:latin typeface="+mj-lt"/>
+                <a:ea typeface="+mj-ea"/>
+                <a:cs typeface="+mj-cs"/>
+              </a:defRPr>
+            </a:lvl1pPr>
+          </a:lstStyle>
+          <a:p>
+            <a:pPr>
+              <a:defRPr/>
+            </a:pPr>
+            <a:r>
+              <a:rPr lang="es-ES_tradnl" sz="3200" dirty="0">
+                <a:solidFill>
+                  <a:srgbClr val="3333CC"/>
+                </a:solidFill>
+                <a:effectLst>
+                  <a:outerShdw blurRad="38100" dist="38100" dir="2700000" algn="tl">
+                    <a:srgbClr val="C0C0C0"/>
+                  </a:outerShdw>
+                </a:effectLst>
+                <a:latin typeface="Dom Casual" charset="0"/>
+              </a:rPr>
+              <a:t> </a:t>
+            </a:r>
+            <a:r>
+              <a:rPr lang="es-ES_tradnl" sz="3200" b="1" dirty="0">
+                <a:solidFill>
+                  <a:schemeClr val="accent4">
+                    <a:lumMod val="50000"/>
+                  </a:schemeClr>
+                </a:solidFill>
+                <a:effectLst>
+                  <a:outerShdw blurRad="38100" dist="38100" dir="2700000" algn="tl">
+                    <a:srgbClr val="C0C0C0"/>
+                  </a:outerShdw>
+                </a:effectLst>
+                <a:latin typeface="Dom Casual" charset="0"/>
+              </a:rPr>
+              <a:t>Ruteador doméstico</a:t>
+            </a:r>
+          </a:p>
+        </p:txBody>
+      </p:sp>
+      <p:pic>
+        <p:nvPicPr>
+          <p:cNvPr id="7" name="Imagen 6">
+            <a:extLst>
+              <a:ext uri="{FF2B5EF4-FFF2-40B4-BE49-F238E27FC236}">
+                <a16:creationId xmlns:a16="http://schemas.microsoft.com/office/drawing/2014/main" id="{0076042F-B7D6-4413-9517-714BB3E19AA4}"/>
+              </a:ext>
+            </a:extLst>
+          </p:cNvPr>
+          <p:cNvPicPr>
+            <a:picLocks noChangeAspect="1"/>
+          </p:cNvPicPr>
+          <p:nvPr/>
+        </p:nvPicPr>
+        <p:blipFill>
+          <a:blip r:embed="rId3"/>
+          <a:stretch>
+            <a:fillRect/>
+          </a:stretch>
+        </p:blipFill>
+        <p:spPr>
+          <a:xfrm>
+            <a:off x="2633179" y="3861048"/>
+            <a:ext cx="3877641" cy="1990112"/>
+          </a:xfrm>
+          <a:prstGeom prst="rect">
+            <a:avLst/>
+          </a:prstGeom>
+        </p:spPr>
+      </p:pic>
+    </p:spTree>
+    <p:extLst>
+      <p:ext uri="{BB962C8B-B14F-4D97-AF65-F5344CB8AC3E}">
+        <p14:creationId xmlns:p14="http://schemas.microsoft.com/office/powerpoint/2010/main" val="1376834830"/>
+      </p:ext>
+    </p:extLst>
+  </p:cSld>
+  <p:clrMapOvr>
+    <a:masterClrMapping/>
+  </p:clrMapOvr>
+  <p:transition spd="slow">
+    <p:wipe/>
+  </p:transition>
+  <p:timing>
+    <p:tnLst>
+      <p:par>
+        <p:cTn id="1" dur="indefinite" restart="never" nodeType="tmRoot">
+          <p:childTnLst>
+            <p:seq concurrent="1" nextAc="seek">
+              <p:cTn id="2" dur="indefinite" nodeType="mainSeq">
+                <p:childTnLst>
+                  <p:par>
+                    <p:cTn id="3" fill="hold">
+                      <p:stCondLst>
+                        <p:cond delay="indefinite"/>
+                      </p:stCondLst>
+                      <p:childTnLst>
+                        <p:par>
+                          <p:cTn id="4" fill="hold">
+                            <p:stCondLst>
+                              <p:cond delay="0"/>
+                            </p:stCondLst>
+                            <p:childTnLst>
+                              <p:par>
+                                <p:cTn id="5" presetID="1" presetClass="entr" presetSubtype="0" fill="hold" grpId="0" nodeType="clickEffect">
+                                  <p:stCondLst>
+                                    <p:cond delay="0"/>
+                                  </p:stCondLst>
+                                  <p:childTnLst>
+                                    <p:set>
+                                      <p:cBhvr>
+                                        <p:cTn id="6" dur="1" fill="hold">
+                                          <p:stCondLst>
+                                            <p:cond delay="0"/>
+                                          </p:stCondLst>
+                                        </p:cTn>
+                                        <p:tgtEl>
+                                          <p:spTgt spid="8195">
+                                            <p:txEl>
+                                              <p:pRg st="0" end="0"/>
+                                            </p:txEl>
+                                          </p:spTgt>
+                                        </p:tgtEl>
+                                        <p:attrNameLst>
+                                          <p:attrName>style.visibility</p:attrName>
+                                        </p:attrNameLst>
+                                      </p:cBhvr>
+                                      <p:to>
+                                        <p:strVal val="visible"/>
+                                      </p:to>
+                                    </p:set>
+                                  </p:childTnLst>
+                                </p:cTn>
+                              </p:par>
+                            </p:childTnLst>
+                          </p:cTn>
+                        </p:par>
+                      </p:childTnLst>
+                    </p:cTn>
+                  </p:par>
+                  <p:par>
+                    <p:cTn id="7" fill="hold">
+                      <p:stCondLst>
+                        <p:cond delay="indefinite"/>
+                      </p:stCondLst>
+                      <p:childTnLst>
+                        <p:par>
+                          <p:cTn id="8" fill="hold">
+                            <p:stCondLst>
+                              <p:cond delay="0"/>
+                            </p:stCondLst>
+                            <p:childTnLst>
+                              <p:par>
+                                <p:cTn id="9" presetID="1" presetClass="entr" presetSubtype="0" fill="hold" grpId="0" nodeType="clickEffect">
+                                  <p:stCondLst>
+                                    <p:cond delay="0"/>
+                                  </p:stCondLst>
+                                  <p:childTnLst>
+                                    <p:set>
+                                      <p:cBhvr>
+                                        <p:cTn id="10" dur="1" fill="hold">
+                                          <p:stCondLst>
+                                            <p:cond delay="0"/>
+                                          </p:stCondLst>
+                                        </p:cTn>
+                                        <p:tgtEl>
+                                          <p:spTgt spid="8195">
+                                            <p:txEl>
+                                              <p:pRg st="1" end="1"/>
+                                            </p:txEl>
+                                          </p:spTgt>
+                                        </p:tgtEl>
+                                        <p:attrNameLst>
+                                          <p:attrName>style.visibility</p:attrName>
+                                        </p:attrNameLst>
+                                      </p:cBhvr>
+                                      <p:to>
+                                        <p:strVal val="visible"/>
+                                      </p:to>
+                                    </p:set>
+                                  </p:childTnLst>
+                                </p:cTn>
+                              </p:par>
+                            </p:childTnLst>
+                          </p:cTn>
+                        </p:par>
+                      </p:childTnLst>
+                    </p:cTn>
+                  </p:par>
+                  <p:par>
+                    <p:cTn id="11" fill="hold">
+                      <p:stCondLst>
+                        <p:cond delay="indefinite"/>
+                      </p:stCondLst>
+                      <p:childTnLst>
+                        <p:par>
+                          <p:cTn id="12" fill="hold">
+                            <p:stCondLst>
+                              <p:cond delay="0"/>
+                            </p:stCondLst>
+                            <p:childTnLst>
+                              <p:par>
+                                <p:cTn id="13" presetID="1" presetClass="entr" presetSubtype="0" fill="hold" grpId="0" nodeType="clickEffect">
+                                  <p:stCondLst>
+                                    <p:cond delay="0"/>
+                                  </p:stCondLst>
+                                  <p:childTnLst>
+                                    <p:set>
+                                      <p:cBhvr>
+                                        <p:cTn id="14" dur="1" fill="hold">
+                                          <p:stCondLst>
+                                            <p:cond delay="0"/>
+                                          </p:stCondLst>
+                                        </p:cTn>
+                                        <p:tgtEl>
+                                          <p:spTgt spid="8195">
+                                            <p:txEl>
+                                              <p:pRg st="2" end="2"/>
+                                            </p:txEl>
+                                          </p:spTgt>
+                                        </p:tgtEl>
+                                        <p:attrNameLst>
+                                          <p:attrName>style.visibility</p:attrName>
+                                        </p:attrNameLst>
+                                      </p:cBhvr>
+                                      <p:to>
+                                        <p:strVal val="visible"/>
+                                      </p:to>
+                                    </p:set>
+                                  </p:childTnLst>
+                                </p:cTn>
+                              </p:par>
+                            </p:childTnLst>
+                          </p:cTn>
+                        </p:par>
+                      </p:childTnLst>
+                    </p:cTn>
+                  </p:par>
+                  <p:par>
+                    <p:cTn id="15" fill="hold">
+                      <p:stCondLst>
+                        <p:cond delay="indefinite"/>
+                      </p:stCondLst>
+                      <p:childTnLst>
+                        <p:par>
+                          <p:cTn id="16" fill="hold">
+                            <p:stCondLst>
+                              <p:cond delay="0"/>
+                            </p:stCondLst>
+                            <p:childTnLst>
+                              <p:par>
+                                <p:cTn id="17" presetID="1" presetClass="entr" presetSubtype="0" fill="hold" grpId="0" nodeType="clickEffect">
+                                  <p:stCondLst>
+                                    <p:cond delay="0"/>
+                                  </p:stCondLst>
+                                  <p:childTnLst>
+                                    <p:set>
+                                      <p:cBhvr>
+                                        <p:cTn id="18" dur="1" fill="hold">
+                                          <p:stCondLst>
+                                            <p:cond delay="0"/>
+                                          </p:stCondLst>
+                                        </p:cTn>
+                                        <p:tgtEl>
+                                          <p:spTgt spid="8195">
+                                            <p:txEl>
+                                              <p:pRg st="3" end="3"/>
+                                            </p:txEl>
+                                          </p:spTgt>
+                                        </p:tgtEl>
+                                        <p:attrNameLst>
+                                          <p:attrName>style.visibility</p:attrName>
+                                        </p:attrNameLst>
+                                      </p:cBhvr>
+                                      <p:to>
+                                        <p:strVal val="visible"/>
+                                      </p:to>
+                                    </p:set>
+                                  </p:childTnLst>
+                                </p:cTn>
+                              </p:par>
+                            </p:childTnLst>
+                          </p:cTn>
+                        </p:par>
+                      </p:childTnLst>
+                    </p:cTn>
+                  </p:par>
+                </p:childTnLst>
+              </p:cTn>
+              <p:prevCondLst>
+                <p:cond evt="onPrev" delay="0">
+                  <p:tgtEl>
+                    <p:sldTgt/>
+                  </p:tgtEl>
+                </p:cond>
+              </p:prevCondLst>
+              <p:nextCondLst>
+                <p:cond evt="onNext" delay="0">
+                  <p:tgtEl>
+                    <p:sldTgt/>
+                  </p:tgtEl>
+                </p:cond>
+              </p:nextCondLst>
+            </p:seq>
+          </p:childTnLst>
+        </p:cTn>
+      </p:par>
+    </p:tnLst>
+    <p:bldLst>
+      <p:bldP spid="8195" grpId="0" build="p"/>
+    </p:bldLst>
+  </p:timing>
 </p:sld>
 </file>
 
